--- a/Apresentação/Apresentação defesa Novateca.pptx
+++ b/Apresentação/Apresentação defesa Novateca.pptx
@@ -24,21 +24,21 @@
   <p:notesSz cx="6858000" cy="9144000"/>
   <p:embeddedFontLst>
     <p:embeddedFont>
-      <p:font typeface="Calibri" panose="020F0502020204030204" pitchFamily="34" charset="0"/>
+      <p:font typeface="Calibri Light" panose="020F0302020204030204" pitchFamily="34" charset="0"/>
       <p:regular r:id="rId16"/>
-      <p:bold r:id="rId17"/>
-      <p:italic r:id="rId18"/>
-      <p:boldItalic r:id="rId19"/>
-    </p:embeddedFont>
-    <p:embeddedFont>
-      <p:font typeface="Calibri Light" panose="020F0302020204030204" pitchFamily="34" charset="0"/>
-      <p:regular r:id="rId20"/>
-      <p:italic r:id="rId21"/>
+      <p:italic r:id="rId17"/>
     </p:embeddedFont>
     <p:embeddedFont>
       <p:font typeface="GeoSlab703 MdCn BT" panose="02060506020205050403" pitchFamily="18" charset="0"/>
-      <p:regular r:id="rId22"/>
-      <p:bold r:id="rId23"/>
+      <p:regular r:id="rId18"/>
+      <p:bold r:id="rId19"/>
+    </p:embeddedFont>
+    <p:embeddedFont>
+      <p:font typeface="Calibri" panose="020F0502020204030204" pitchFamily="34" charset="0"/>
+      <p:regular r:id="rId20"/>
+      <p:bold r:id="rId21"/>
+      <p:italic r:id="rId22"/>
+      <p:boldItalic r:id="rId23"/>
     </p:embeddedFont>
   </p:embeddedFontLst>
   <p:defaultTextStyle>
@@ -286,7 +286,7 @@
           <a:p>
             <a:fld id="{A7C58400-6E85-449E-AFF7-9F946FB2A379}" type="datetimeFigureOut">
               <a:rPr lang="pt-BR" smtClean="0"/>
-              <a:t>11/10/2018</a:t>
+              <a:t>18/10/2018</a:t>
             </a:fld>
             <a:endParaRPr lang="pt-BR"/>
           </a:p>
@@ -456,7 +456,7 @@
           <a:p>
             <a:fld id="{A7C58400-6E85-449E-AFF7-9F946FB2A379}" type="datetimeFigureOut">
               <a:rPr lang="pt-BR" smtClean="0"/>
-              <a:t>11/10/2018</a:t>
+              <a:t>18/10/2018</a:t>
             </a:fld>
             <a:endParaRPr lang="pt-BR"/>
           </a:p>
@@ -636,7 +636,7 @@
           <a:p>
             <a:fld id="{A7C58400-6E85-449E-AFF7-9F946FB2A379}" type="datetimeFigureOut">
               <a:rPr lang="pt-BR" smtClean="0"/>
-              <a:t>11/10/2018</a:t>
+              <a:t>18/10/2018</a:t>
             </a:fld>
             <a:endParaRPr lang="pt-BR"/>
           </a:p>
@@ -806,7 +806,7 @@
           <a:p>
             <a:fld id="{A7C58400-6E85-449E-AFF7-9F946FB2A379}" type="datetimeFigureOut">
               <a:rPr lang="pt-BR" smtClean="0"/>
-              <a:t>11/10/2018</a:t>
+              <a:t>18/10/2018</a:t>
             </a:fld>
             <a:endParaRPr lang="pt-BR"/>
           </a:p>
@@ -1050,7 +1050,7 @@
           <a:p>
             <a:fld id="{A7C58400-6E85-449E-AFF7-9F946FB2A379}" type="datetimeFigureOut">
               <a:rPr lang="pt-BR" smtClean="0"/>
-              <a:t>11/10/2018</a:t>
+              <a:t>18/10/2018</a:t>
             </a:fld>
             <a:endParaRPr lang="pt-BR"/>
           </a:p>
@@ -1282,7 +1282,7 @@
           <a:p>
             <a:fld id="{A7C58400-6E85-449E-AFF7-9F946FB2A379}" type="datetimeFigureOut">
               <a:rPr lang="pt-BR" smtClean="0"/>
-              <a:t>11/10/2018</a:t>
+              <a:t>18/10/2018</a:t>
             </a:fld>
             <a:endParaRPr lang="pt-BR"/>
           </a:p>
@@ -1649,7 +1649,7 @@
           <a:p>
             <a:fld id="{A7C58400-6E85-449E-AFF7-9F946FB2A379}" type="datetimeFigureOut">
               <a:rPr lang="pt-BR" smtClean="0"/>
-              <a:t>11/10/2018</a:t>
+              <a:t>18/10/2018</a:t>
             </a:fld>
             <a:endParaRPr lang="pt-BR"/>
           </a:p>
@@ -1767,7 +1767,7 @@
           <a:p>
             <a:fld id="{A7C58400-6E85-449E-AFF7-9F946FB2A379}" type="datetimeFigureOut">
               <a:rPr lang="pt-BR" smtClean="0"/>
-              <a:t>11/10/2018</a:t>
+              <a:t>18/10/2018</a:t>
             </a:fld>
             <a:endParaRPr lang="pt-BR"/>
           </a:p>
@@ -1862,7 +1862,7 @@
           <a:p>
             <a:fld id="{A7C58400-6E85-449E-AFF7-9F946FB2A379}" type="datetimeFigureOut">
               <a:rPr lang="pt-BR" smtClean="0"/>
-              <a:t>11/10/2018</a:t>
+              <a:t>18/10/2018</a:t>
             </a:fld>
             <a:endParaRPr lang="pt-BR"/>
           </a:p>
@@ -2139,7 +2139,7 @@
           <a:p>
             <a:fld id="{A7C58400-6E85-449E-AFF7-9F946FB2A379}" type="datetimeFigureOut">
               <a:rPr lang="pt-BR" smtClean="0"/>
-              <a:t>11/10/2018</a:t>
+              <a:t>18/10/2018</a:t>
             </a:fld>
             <a:endParaRPr lang="pt-BR"/>
           </a:p>
@@ -2396,7 +2396,7 @@
           <a:p>
             <a:fld id="{A7C58400-6E85-449E-AFF7-9F946FB2A379}" type="datetimeFigureOut">
               <a:rPr lang="pt-BR" smtClean="0"/>
-              <a:t>11/10/2018</a:t>
+              <a:t>18/10/2018</a:t>
             </a:fld>
             <a:endParaRPr lang="pt-BR"/>
           </a:p>
@@ -2609,7 +2609,7 @@
           <a:p>
             <a:fld id="{A7C58400-6E85-449E-AFF7-9F946FB2A379}" type="datetimeFigureOut">
               <a:rPr lang="pt-BR" smtClean="0"/>
-              <a:t>11/10/2018</a:t>
+              <a:t>18/10/2018</a:t>
             </a:fld>
             <a:endParaRPr lang="pt-BR"/>
           </a:p>
@@ -4146,7 +4146,7 @@
         <p:spPr>
           <a:xfrm>
             <a:off x="938415" y="1422250"/>
-            <a:ext cx="7709195" cy="923330"/>
+            <a:ext cx="7709195" cy="5447645"/>
           </a:xfrm>
           <a:prstGeom prst="rect">
             <a:avLst/>
@@ -4160,515 +4160,323 @@
           <a:lstStyle/>
           <a:p>
             <a:r>
-              <a:rPr lang="pt-BR" b="1" dirty="0" err="1">
-                <a:solidFill>
-                  <a:schemeClr val="bg1"/>
-                </a:solidFill>
-                <a:latin typeface="GeoSlab703 MdCn BT" panose="02060506020205050403" pitchFamily="18" charset="0"/>
-              </a:rPr>
-              <a:t>Lorem</a:t>
-            </a:r>
-            <a:r>
-              <a:rPr lang="pt-BR" b="1" dirty="0">
-                <a:solidFill>
-                  <a:schemeClr val="bg1"/>
-                </a:solidFill>
-                <a:latin typeface="GeoSlab703 MdCn BT" panose="02060506020205050403" pitchFamily="18" charset="0"/>
-              </a:rPr>
-              <a:t> ipsum </a:t>
-            </a:r>
-            <a:r>
-              <a:rPr lang="pt-BR" b="1" dirty="0" err="1">
-                <a:solidFill>
-                  <a:schemeClr val="bg1"/>
-                </a:solidFill>
-                <a:latin typeface="GeoSlab703 MdCn BT" panose="02060506020205050403" pitchFamily="18" charset="0"/>
-              </a:rPr>
-              <a:t>dolor</a:t>
-            </a:r>
-            <a:r>
-              <a:rPr lang="pt-BR" b="1" dirty="0">
-                <a:solidFill>
-                  <a:schemeClr val="bg1"/>
-                </a:solidFill>
-                <a:latin typeface="GeoSlab703 MdCn BT" panose="02060506020205050403" pitchFamily="18" charset="0"/>
-              </a:rPr>
-              <a:t> </a:t>
-            </a:r>
-            <a:r>
-              <a:rPr lang="pt-BR" b="1" dirty="0" err="1">
-                <a:solidFill>
-                  <a:schemeClr val="bg1"/>
-                </a:solidFill>
-                <a:latin typeface="GeoSlab703 MdCn BT" panose="02060506020205050403" pitchFamily="18" charset="0"/>
-              </a:rPr>
-              <a:t>sit</a:t>
-            </a:r>
-            <a:r>
-              <a:rPr lang="pt-BR" b="1" dirty="0">
-                <a:solidFill>
-                  <a:schemeClr val="bg1"/>
-                </a:solidFill>
-                <a:latin typeface="GeoSlab703 MdCn BT" panose="02060506020205050403" pitchFamily="18" charset="0"/>
-              </a:rPr>
-              <a:t> </a:t>
-            </a:r>
-            <a:r>
-              <a:rPr lang="pt-BR" b="1" dirty="0" err="1">
-                <a:solidFill>
-                  <a:schemeClr val="bg1"/>
-                </a:solidFill>
-                <a:latin typeface="GeoSlab703 MdCn BT" panose="02060506020205050403" pitchFamily="18" charset="0"/>
-              </a:rPr>
-              <a:t>amet</a:t>
-            </a:r>
-            <a:r>
-              <a:rPr lang="pt-BR" b="1" dirty="0">
-                <a:solidFill>
-                  <a:schemeClr val="bg1"/>
-                </a:solidFill>
-                <a:latin typeface="GeoSlab703 MdCn BT" panose="02060506020205050403" pitchFamily="18" charset="0"/>
-              </a:rPr>
-              <a:t>, </a:t>
-            </a:r>
-            <a:r>
-              <a:rPr lang="pt-BR" b="1" dirty="0" err="1">
-                <a:solidFill>
-                  <a:schemeClr val="bg1"/>
-                </a:solidFill>
-                <a:latin typeface="GeoSlab703 MdCn BT" panose="02060506020205050403" pitchFamily="18" charset="0"/>
-              </a:rPr>
-              <a:t>consectetur</a:t>
-            </a:r>
-            <a:r>
-              <a:rPr lang="pt-BR" b="1" dirty="0">
-                <a:solidFill>
-                  <a:schemeClr val="bg1"/>
-                </a:solidFill>
-                <a:latin typeface="GeoSlab703 MdCn BT" panose="02060506020205050403" pitchFamily="18" charset="0"/>
-              </a:rPr>
-              <a:t> </a:t>
-            </a:r>
-            <a:r>
-              <a:rPr lang="pt-BR" b="1" dirty="0" err="1">
-                <a:solidFill>
-                  <a:schemeClr val="bg1"/>
-                </a:solidFill>
-                <a:latin typeface="GeoSlab703 MdCn BT" panose="02060506020205050403" pitchFamily="18" charset="0"/>
-              </a:rPr>
-              <a:t>adipiscing</a:t>
-            </a:r>
-            <a:r>
-              <a:rPr lang="pt-BR" b="1" dirty="0">
-                <a:solidFill>
-                  <a:schemeClr val="bg1"/>
-                </a:solidFill>
-                <a:latin typeface="GeoSlab703 MdCn BT" panose="02060506020205050403" pitchFamily="18" charset="0"/>
-              </a:rPr>
-              <a:t> </a:t>
-            </a:r>
-            <a:r>
-              <a:rPr lang="pt-BR" b="1" dirty="0" err="1">
-                <a:solidFill>
-                  <a:schemeClr val="bg1"/>
-                </a:solidFill>
-                <a:latin typeface="GeoSlab703 MdCn BT" panose="02060506020205050403" pitchFamily="18" charset="0"/>
-              </a:rPr>
-              <a:t>elit</a:t>
-            </a:r>
-            <a:r>
-              <a:rPr lang="pt-BR" b="1" dirty="0">
-                <a:solidFill>
-                  <a:schemeClr val="bg1"/>
-                </a:solidFill>
-                <a:latin typeface="GeoSlab703 MdCn BT" panose="02060506020205050403" pitchFamily="18" charset="0"/>
-              </a:rPr>
-              <a:t>. </a:t>
-            </a:r>
-            <a:r>
-              <a:rPr lang="pt-BR" b="1" dirty="0" err="1">
-                <a:solidFill>
-                  <a:schemeClr val="bg1"/>
-                </a:solidFill>
-                <a:latin typeface="GeoSlab703 MdCn BT" panose="02060506020205050403" pitchFamily="18" charset="0"/>
-              </a:rPr>
-              <a:t>Sed</a:t>
-            </a:r>
-            <a:r>
-              <a:rPr lang="pt-BR" b="1" dirty="0">
-                <a:solidFill>
-                  <a:schemeClr val="bg1"/>
-                </a:solidFill>
-                <a:latin typeface="GeoSlab703 MdCn BT" panose="02060506020205050403" pitchFamily="18" charset="0"/>
-              </a:rPr>
-              <a:t> </a:t>
-            </a:r>
-            <a:r>
-              <a:rPr lang="pt-BR" b="1" dirty="0" err="1">
-                <a:solidFill>
-                  <a:schemeClr val="bg1"/>
-                </a:solidFill>
-                <a:latin typeface="GeoSlab703 MdCn BT" panose="02060506020205050403" pitchFamily="18" charset="0"/>
-              </a:rPr>
-              <a:t>mattis</a:t>
-            </a:r>
-            <a:r>
-              <a:rPr lang="pt-BR" b="1" dirty="0">
-                <a:solidFill>
-                  <a:schemeClr val="bg1"/>
-                </a:solidFill>
-                <a:latin typeface="GeoSlab703 MdCn BT" panose="02060506020205050403" pitchFamily="18" charset="0"/>
-              </a:rPr>
-              <a:t> </a:t>
-            </a:r>
-            <a:r>
-              <a:rPr lang="pt-BR" b="1" dirty="0" err="1">
-                <a:solidFill>
-                  <a:schemeClr val="bg1"/>
-                </a:solidFill>
-                <a:latin typeface="GeoSlab703 MdCn BT" panose="02060506020205050403" pitchFamily="18" charset="0"/>
-              </a:rPr>
-              <a:t>hendrerit</a:t>
-            </a:r>
-            <a:r>
-              <a:rPr lang="pt-BR" b="1" dirty="0">
-                <a:solidFill>
-                  <a:schemeClr val="bg1"/>
-                </a:solidFill>
-                <a:latin typeface="GeoSlab703 MdCn BT" panose="02060506020205050403" pitchFamily="18" charset="0"/>
-              </a:rPr>
-              <a:t> nunc, ut </a:t>
-            </a:r>
-            <a:r>
-              <a:rPr lang="pt-BR" b="1" dirty="0" err="1">
-                <a:solidFill>
-                  <a:schemeClr val="bg1"/>
-                </a:solidFill>
-                <a:latin typeface="GeoSlab703 MdCn BT" panose="02060506020205050403" pitchFamily="18" charset="0"/>
-              </a:rPr>
-              <a:t>vulputate</a:t>
-            </a:r>
-            <a:r>
-              <a:rPr lang="pt-BR" b="1" dirty="0">
-                <a:solidFill>
-                  <a:schemeClr val="bg1"/>
-                </a:solidFill>
-                <a:latin typeface="GeoSlab703 MdCn BT" panose="02060506020205050403" pitchFamily="18" charset="0"/>
-              </a:rPr>
-              <a:t> </a:t>
-            </a:r>
-            <a:r>
-              <a:rPr lang="pt-BR" b="1" dirty="0" err="1">
-                <a:solidFill>
-                  <a:schemeClr val="bg1"/>
-                </a:solidFill>
-                <a:latin typeface="GeoSlab703 MdCn BT" panose="02060506020205050403" pitchFamily="18" charset="0"/>
-              </a:rPr>
-              <a:t>elit</a:t>
-            </a:r>
-            <a:r>
-              <a:rPr lang="pt-BR" b="1" dirty="0">
-                <a:solidFill>
-                  <a:schemeClr val="bg1"/>
-                </a:solidFill>
-                <a:latin typeface="GeoSlab703 MdCn BT" panose="02060506020205050403" pitchFamily="18" charset="0"/>
-              </a:rPr>
-              <a:t>. </a:t>
-            </a:r>
-            <a:r>
-              <a:rPr lang="pt-BR" b="1" dirty="0" err="1">
-                <a:solidFill>
-                  <a:schemeClr val="bg1"/>
-                </a:solidFill>
-                <a:latin typeface="GeoSlab703 MdCn BT" panose="02060506020205050403" pitchFamily="18" charset="0"/>
-              </a:rPr>
-              <a:t>Fusce</a:t>
-            </a:r>
-            <a:r>
-              <a:rPr lang="pt-BR" b="1" dirty="0">
-                <a:solidFill>
-                  <a:schemeClr val="bg1"/>
-                </a:solidFill>
-                <a:latin typeface="GeoSlab703 MdCn BT" panose="02060506020205050403" pitchFamily="18" charset="0"/>
-              </a:rPr>
-              <a:t> id magna vitae </a:t>
-            </a:r>
-            <a:r>
-              <a:rPr lang="pt-BR" b="1" dirty="0" err="1">
-                <a:solidFill>
-                  <a:schemeClr val="bg1"/>
-                </a:solidFill>
-                <a:latin typeface="GeoSlab703 MdCn BT" panose="02060506020205050403" pitchFamily="18" charset="0"/>
-              </a:rPr>
-              <a:t>nisl</a:t>
-            </a:r>
-            <a:r>
-              <a:rPr lang="pt-BR" b="1" dirty="0">
-                <a:solidFill>
-                  <a:schemeClr val="bg1"/>
-                </a:solidFill>
-                <a:latin typeface="GeoSlab703 MdCn BT" panose="02060506020205050403" pitchFamily="18" charset="0"/>
-              </a:rPr>
-              <a:t> </a:t>
-            </a:r>
-            <a:r>
-              <a:rPr lang="pt-BR" b="1" dirty="0" err="1">
-                <a:solidFill>
-                  <a:schemeClr val="bg1"/>
-                </a:solidFill>
-                <a:latin typeface="GeoSlab703 MdCn BT" panose="02060506020205050403" pitchFamily="18" charset="0"/>
-              </a:rPr>
-              <a:t>mollis</a:t>
-            </a:r>
-            <a:r>
-              <a:rPr lang="pt-BR" b="1" dirty="0">
-                <a:solidFill>
-                  <a:schemeClr val="bg1"/>
-                </a:solidFill>
-                <a:latin typeface="GeoSlab703 MdCn BT" panose="02060506020205050403" pitchFamily="18" charset="0"/>
-              </a:rPr>
-              <a:t> </a:t>
-            </a:r>
-            <a:r>
-              <a:rPr lang="pt-BR" b="1" dirty="0" err="1">
-                <a:solidFill>
-                  <a:schemeClr val="bg1"/>
-                </a:solidFill>
-                <a:latin typeface="GeoSlab703 MdCn BT" panose="02060506020205050403" pitchFamily="18" charset="0"/>
-              </a:rPr>
-              <a:t>fringilla</a:t>
-            </a:r>
-            <a:r>
-              <a:rPr lang="pt-BR" b="1" dirty="0">
-                <a:solidFill>
-                  <a:schemeClr val="bg1"/>
-                </a:solidFill>
-                <a:latin typeface="GeoSlab703 MdCn BT" panose="02060506020205050403" pitchFamily="18" charset="0"/>
-              </a:rPr>
-              <a:t> non vitae erat. </a:t>
-            </a:r>
-            <a:r>
-              <a:rPr lang="pt-BR" b="1" dirty="0" err="1">
-                <a:solidFill>
-                  <a:schemeClr val="bg1"/>
-                </a:solidFill>
-                <a:latin typeface="GeoSlab703 MdCn BT" panose="02060506020205050403" pitchFamily="18" charset="0"/>
-              </a:rPr>
-              <a:t>Donec</a:t>
-            </a:r>
-            <a:r>
-              <a:rPr lang="pt-BR" b="1" dirty="0">
-                <a:solidFill>
-                  <a:schemeClr val="bg1"/>
-                </a:solidFill>
-                <a:latin typeface="GeoSlab703 MdCn BT" panose="02060506020205050403" pitchFamily="18" charset="0"/>
-              </a:rPr>
-              <a:t> </a:t>
-            </a:r>
-            <a:r>
-              <a:rPr lang="pt-BR" b="1" dirty="0" err="1">
-                <a:solidFill>
-                  <a:schemeClr val="bg1"/>
-                </a:solidFill>
-                <a:latin typeface="GeoSlab703 MdCn BT" panose="02060506020205050403" pitchFamily="18" charset="0"/>
-              </a:rPr>
-              <a:t>luctus</a:t>
-            </a:r>
-            <a:r>
-              <a:rPr lang="pt-BR" b="1" dirty="0">
-                <a:solidFill>
-                  <a:schemeClr val="bg1"/>
-                </a:solidFill>
-                <a:latin typeface="GeoSlab703 MdCn BT" panose="02060506020205050403" pitchFamily="18" charset="0"/>
-              </a:rPr>
-              <a:t> </a:t>
-            </a:r>
-            <a:r>
-              <a:rPr lang="pt-BR" b="1" dirty="0" err="1">
-                <a:solidFill>
-                  <a:schemeClr val="bg1"/>
-                </a:solidFill>
-                <a:latin typeface="GeoSlab703 MdCn BT" panose="02060506020205050403" pitchFamily="18" charset="0"/>
-              </a:rPr>
-              <a:t>diam</a:t>
-            </a:r>
-            <a:r>
-              <a:rPr lang="pt-BR" b="1" dirty="0">
-                <a:solidFill>
-                  <a:schemeClr val="bg1"/>
-                </a:solidFill>
-                <a:latin typeface="GeoSlab703 MdCn BT" panose="02060506020205050403" pitchFamily="18" charset="0"/>
-              </a:rPr>
-              <a:t> </a:t>
-            </a:r>
-            <a:r>
-              <a:rPr lang="pt-BR" b="1" dirty="0" err="1">
-                <a:solidFill>
-                  <a:schemeClr val="bg1"/>
-                </a:solidFill>
-                <a:latin typeface="GeoSlab703 MdCn BT" panose="02060506020205050403" pitchFamily="18" charset="0"/>
-              </a:rPr>
-              <a:t>eros</a:t>
-            </a:r>
-            <a:r>
-              <a:rPr lang="pt-BR" b="1" dirty="0">
-                <a:solidFill>
-                  <a:schemeClr val="bg1"/>
-                </a:solidFill>
-                <a:latin typeface="GeoSlab703 MdCn BT" panose="02060506020205050403" pitchFamily="18" charset="0"/>
-              </a:rPr>
-              <a:t>, in </a:t>
-            </a:r>
-            <a:r>
-              <a:rPr lang="pt-BR" b="1" dirty="0" err="1">
-                <a:solidFill>
-                  <a:schemeClr val="bg1"/>
-                </a:solidFill>
-                <a:latin typeface="GeoSlab703 MdCn BT" panose="02060506020205050403" pitchFamily="18" charset="0"/>
-              </a:rPr>
-              <a:t>interdum</a:t>
-            </a:r>
-            <a:r>
-              <a:rPr lang="pt-BR" b="1" dirty="0">
-                <a:solidFill>
-                  <a:schemeClr val="bg1"/>
-                </a:solidFill>
-                <a:latin typeface="GeoSlab703 MdCn BT" panose="02060506020205050403" pitchFamily="18" charset="0"/>
-              </a:rPr>
-              <a:t> erat </a:t>
-            </a:r>
-            <a:r>
-              <a:rPr lang="pt-BR" b="1" dirty="0" err="1">
-                <a:solidFill>
-                  <a:schemeClr val="bg1"/>
-                </a:solidFill>
-                <a:latin typeface="GeoSlab703 MdCn BT" panose="02060506020205050403" pitchFamily="18" charset="0"/>
-              </a:rPr>
-              <a:t>pulvinar</a:t>
-            </a:r>
-            <a:r>
-              <a:rPr lang="pt-BR" b="1" dirty="0">
-                <a:solidFill>
-                  <a:schemeClr val="bg1"/>
-                </a:solidFill>
-                <a:latin typeface="GeoSlab703 MdCn BT" panose="02060506020205050403" pitchFamily="18" charset="0"/>
-              </a:rPr>
-              <a:t> ut. </a:t>
-            </a:r>
-            <a:r>
-              <a:rPr lang="pt-BR" b="1" dirty="0" err="1">
-                <a:solidFill>
-                  <a:schemeClr val="bg1"/>
-                </a:solidFill>
-                <a:latin typeface="GeoSlab703 MdCn BT" panose="02060506020205050403" pitchFamily="18" charset="0"/>
-              </a:rPr>
-              <a:t>Cras</a:t>
-            </a:r>
-            <a:r>
-              <a:rPr lang="pt-BR" b="1" dirty="0">
-                <a:solidFill>
-                  <a:schemeClr val="bg1"/>
-                </a:solidFill>
-                <a:latin typeface="GeoSlab703 MdCn BT" panose="02060506020205050403" pitchFamily="18" charset="0"/>
-              </a:rPr>
-              <a:t> </a:t>
-            </a:r>
-            <a:r>
-              <a:rPr lang="pt-BR" b="1" dirty="0" err="1">
-                <a:solidFill>
-                  <a:schemeClr val="bg1"/>
-                </a:solidFill>
-                <a:latin typeface="GeoSlab703 MdCn BT" panose="02060506020205050403" pitchFamily="18" charset="0"/>
-              </a:rPr>
-              <a:t>viverra</a:t>
-            </a:r>
-            <a:r>
-              <a:rPr lang="pt-BR" b="1" dirty="0">
-                <a:solidFill>
-                  <a:schemeClr val="bg1"/>
-                </a:solidFill>
-                <a:latin typeface="GeoSlab703 MdCn BT" panose="02060506020205050403" pitchFamily="18" charset="0"/>
-              </a:rPr>
-              <a:t> </a:t>
-            </a:r>
-            <a:r>
-              <a:rPr lang="pt-BR" b="1" dirty="0" err="1">
-                <a:solidFill>
-                  <a:schemeClr val="bg1"/>
-                </a:solidFill>
-                <a:latin typeface="GeoSlab703 MdCn BT" panose="02060506020205050403" pitchFamily="18" charset="0"/>
-              </a:rPr>
-              <a:t>nisi</a:t>
-            </a:r>
-            <a:r>
-              <a:rPr lang="pt-BR" b="1" dirty="0">
-                <a:solidFill>
-                  <a:schemeClr val="bg1"/>
-                </a:solidFill>
-                <a:latin typeface="GeoSlab703 MdCn BT" panose="02060506020205050403" pitchFamily="18" charset="0"/>
-              </a:rPr>
-              <a:t> ac </a:t>
-            </a:r>
-            <a:r>
-              <a:rPr lang="pt-BR" b="1" dirty="0" err="1">
-                <a:solidFill>
-                  <a:schemeClr val="bg1"/>
-                </a:solidFill>
-                <a:latin typeface="GeoSlab703 MdCn BT" panose="02060506020205050403" pitchFamily="18" charset="0"/>
-              </a:rPr>
-              <a:t>nibh</a:t>
-            </a:r>
-            <a:r>
-              <a:rPr lang="pt-BR" b="1" dirty="0">
-                <a:solidFill>
-                  <a:schemeClr val="bg1"/>
-                </a:solidFill>
-                <a:latin typeface="GeoSlab703 MdCn BT" panose="02060506020205050403" pitchFamily="18" charset="0"/>
-              </a:rPr>
-              <a:t> </a:t>
-            </a:r>
-            <a:r>
-              <a:rPr lang="pt-BR" b="1" dirty="0" err="1">
-                <a:solidFill>
-                  <a:schemeClr val="bg1"/>
-                </a:solidFill>
-                <a:latin typeface="GeoSlab703 MdCn BT" panose="02060506020205050403" pitchFamily="18" charset="0"/>
-              </a:rPr>
-              <a:t>viverra</a:t>
-            </a:r>
-            <a:r>
-              <a:rPr lang="pt-BR" b="1" dirty="0">
-                <a:solidFill>
-                  <a:schemeClr val="bg1"/>
-                </a:solidFill>
-                <a:latin typeface="GeoSlab703 MdCn BT" panose="02060506020205050403" pitchFamily="18" charset="0"/>
-              </a:rPr>
-              <a:t> </a:t>
-            </a:r>
-            <a:r>
-              <a:rPr lang="pt-BR" b="1" dirty="0" err="1">
-                <a:solidFill>
-                  <a:schemeClr val="bg1"/>
-                </a:solidFill>
-                <a:latin typeface="GeoSlab703 MdCn BT" panose="02060506020205050403" pitchFamily="18" charset="0"/>
-              </a:rPr>
-              <a:t>tristique</a:t>
-            </a:r>
-            <a:r>
-              <a:rPr lang="pt-BR" b="1" dirty="0">
-                <a:solidFill>
-                  <a:schemeClr val="bg1"/>
-                </a:solidFill>
-                <a:latin typeface="GeoSlab703 MdCn BT" panose="02060506020205050403" pitchFamily="18" charset="0"/>
-              </a:rPr>
-              <a:t>. </a:t>
-            </a:r>
-            <a:endParaRPr lang="pt-BR" b="1" dirty="0" smtClean="0">
+              <a:rPr lang="pt-BR" sz="1400" dirty="0">
+                <a:solidFill>
+                  <a:schemeClr val="bg1"/>
+                </a:solidFill>
+              </a:rPr>
+              <a:t>BARROS, Moreno. </a:t>
+            </a:r>
+            <a:r>
+              <a:rPr lang="pt-BR" sz="1400" b="1" dirty="0">
+                <a:solidFill>
+                  <a:schemeClr val="bg1"/>
+                </a:solidFill>
+              </a:rPr>
+              <a:t>Software de Automação de Bibliotecas</a:t>
+            </a:r>
+            <a:r>
+              <a:rPr lang="pt-BR" sz="1400" dirty="0">
+                <a:solidFill>
+                  <a:schemeClr val="bg1"/>
+                </a:solidFill>
+              </a:rPr>
+              <a:t>. Disponível em: &lt;https://bsf.org.br/2009/09/02/sistemas-softwares-de-organizacao-gerenciamento-automacao-de-bibliotecas/&gt; . Acesso em 19 de junho de 2017.</a:t>
+            </a:r>
+            <a:endParaRPr lang="pt-BR" sz="1400" dirty="0">
               <a:solidFill>
                 <a:schemeClr val="bg1"/>
               </a:solidFill>
-              <a:latin typeface="GeoSlab703 MdCn BT" panose="02060506020205050403" pitchFamily="18" charset="0"/>
             </a:endParaRPr>
+          </a:p>
+          <a:p>
+            <a:r>
+              <a:rPr lang="pt-BR" sz="1400" dirty="0">
+                <a:solidFill>
+                  <a:schemeClr val="bg1"/>
+                </a:solidFill>
+              </a:rPr>
+              <a:t>   </a:t>
+            </a:r>
+            <a:endParaRPr lang="pt-BR" sz="1400" dirty="0">
+              <a:solidFill>
+                <a:schemeClr val="bg1"/>
+              </a:solidFill>
+            </a:endParaRPr>
+          </a:p>
+          <a:p>
+            <a:r>
+              <a:rPr lang="pt-BR" sz="1400" dirty="0">
+                <a:solidFill>
+                  <a:schemeClr val="bg1"/>
+                </a:solidFill>
+              </a:rPr>
+              <a:t>PRADO, Heloísa de Almeida. </a:t>
+            </a:r>
+            <a:r>
+              <a:rPr lang="pt-BR" sz="1400" b="1" dirty="0">
+                <a:solidFill>
+                  <a:schemeClr val="bg1"/>
+                </a:solidFill>
+              </a:rPr>
+              <a:t>Organização e Administração de Bibliotecas.</a:t>
+            </a:r>
+            <a:r>
+              <a:rPr lang="pt-BR" sz="1400" dirty="0">
+                <a:solidFill>
+                  <a:schemeClr val="bg1"/>
+                </a:solidFill>
+              </a:rPr>
+              <a:t> 2º edição. São Paulo: T.A. Queiroz, EDITOR, LTDA, 2000. 209p</a:t>
+            </a:r>
+            <a:r>
+              <a:rPr lang="pt-BR" sz="1400" dirty="0" smtClean="0">
+                <a:solidFill>
+                  <a:schemeClr val="bg1"/>
+                </a:solidFill>
+              </a:rPr>
+              <a:t>.</a:t>
+            </a:r>
+          </a:p>
+          <a:p>
+            <a:endParaRPr lang="pt-BR" sz="1400" dirty="0">
+              <a:solidFill>
+                <a:schemeClr val="bg1"/>
+              </a:solidFill>
+            </a:endParaRPr>
+          </a:p>
+          <a:p>
+            <a:r>
+              <a:rPr lang="pt-BR" sz="1400" dirty="0">
+                <a:solidFill>
+                  <a:schemeClr val="bg1"/>
+                </a:solidFill>
+              </a:rPr>
+              <a:t>SALARELLI, Alberto; TAMMARO, Anna Maria. </a:t>
+            </a:r>
+            <a:r>
+              <a:rPr lang="pt-BR" sz="1400" b="1" dirty="0">
+                <a:solidFill>
+                  <a:schemeClr val="bg1"/>
+                </a:solidFill>
+              </a:rPr>
+              <a:t>A Biblioteca Digital. </a:t>
+            </a:r>
+            <a:r>
+              <a:rPr lang="pt-BR" sz="1400" dirty="0">
+                <a:solidFill>
+                  <a:schemeClr val="bg1"/>
+                </a:solidFill>
+              </a:rPr>
+              <a:t>Brasília:</a:t>
+            </a:r>
+            <a:r>
+              <a:rPr lang="pt-BR" sz="1400" b="1" dirty="0">
+                <a:solidFill>
+                  <a:schemeClr val="bg1"/>
+                </a:solidFill>
+              </a:rPr>
+              <a:t> </a:t>
+            </a:r>
+            <a:r>
+              <a:rPr lang="pt-BR" sz="1400" dirty="0">
+                <a:solidFill>
+                  <a:schemeClr val="bg1"/>
+                </a:solidFill>
+              </a:rPr>
+              <a:t>Bridge de Lemos, 2008. 378p.</a:t>
+            </a:r>
+          </a:p>
+          <a:p>
+            <a:r>
+              <a:rPr lang="pt-BR" sz="1400" dirty="0">
+                <a:solidFill>
+                  <a:schemeClr val="bg1"/>
+                </a:solidFill>
+              </a:rPr>
+              <a:t> </a:t>
+            </a:r>
+          </a:p>
+          <a:p>
+            <a:r>
+              <a:rPr lang="pt-BR" sz="1400" dirty="0">
+                <a:solidFill>
+                  <a:schemeClr val="bg1"/>
+                </a:solidFill>
+              </a:rPr>
+              <a:t>VIEIRA, Ronaldo. </a:t>
+            </a:r>
+            <a:r>
+              <a:rPr lang="pt-BR" sz="1400" b="1" dirty="0">
+                <a:solidFill>
+                  <a:schemeClr val="bg1"/>
+                </a:solidFill>
+              </a:rPr>
+              <a:t>Introdução à Teoria Geral da Biblioteconomia</a:t>
+            </a:r>
+            <a:r>
+              <a:rPr lang="pt-BR" sz="1400" dirty="0">
+                <a:solidFill>
+                  <a:schemeClr val="bg1"/>
+                </a:solidFill>
+              </a:rPr>
+              <a:t>. Rio de Janeiro: </a:t>
+            </a:r>
+            <a:r>
+              <a:rPr lang="pt-BR" sz="1400" dirty="0" err="1">
+                <a:solidFill>
+                  <a:schemeClr val="bg1"/>
+                </a:solidFill>
+              </a:rPr>
+              <a:t>Interciência</a:t>
+            </a:r>
+            <a:r>
+              <a:rPr lang="pt-BR" sz="1400" dirty="0">
+                <a:solidFill>
+                  <a:schemeClr val="bg1"/>
+                </a:solidFill>
+              </a:rPr>
+              <a:t> </a:t>
+            </a:r>
+            <a:r>
+              <a:rPr lang="pt-BR" sz="1400" dirty="0" err="1">
+                <a:solidFill>
+                  <a:schemeClr val="bg1"/>
+                </a:solidFill>
+              </a:rPr>
+              <a:t>Ltda</a:t>
+            </a:r>
+            <a:r>
+              <a:rPr lang="pt-BR" sz="1400" dirty="0">
+                <a:solidFill>
+                  <a:schemeClr val="bg1"/>
+                </a:solidFill>
+              </a:rPr>
+              <a:t>, 2014. 330p</a:t>
+            </a:r>
+            <a:r>
+              <a:rPr lang="pt-BR" sz="1400" dirty="0" smtClean="0">
+                <a:solidFill>
+                  <a:schemeClr val="bg1"/>
+                </a:solidFill>
+              </a:rPr>
+              <a:t>.</a:t>
+            </a:r>
+          </a:p>
+          <a:p>
+            <a:endParaRPr lang="pt-BR" sz="1400" dirty="0">
+              <a:solidFill>
+                <a:schemeClr val="bg1"/>
+              </a:solidFill>
+            </a:endParaRPr>
+          </a:p>
+          <a:p>
+            <a:r>
+              <a:rPr lang="pt-BR" sz="1400" dirty="0">
+                <a:solidFill>
+                  <a:schemeClr val="bg1"/>
+                </a:solidFill>
+              </a:rPr>
+              <a:t>Microsoft. Tutoriais do ASP.NET Core. Disponível em: &lt;https://docs.microsoft.com/pt-br/aspnet/core/tutorials/?view=aspnetcore-2.1&gt;. Acesso em 12 de agosto de 2018.</a:t>
+            </a:r>
+          </a:p>
+          <a:p>
+            <a:r>
+              <a:rPr lang="pt-BR" sz="1400" dirty="0">
+                <a:solidFill>
+                  <a:schemeClr val="bg1"/>
+                </a:solidFill>
+              </a:rPr>
+              <a:t> </a:t>
+            </a:r>
+          </a:p>
+          <a:p>
+            <a:r>
+              <a:rPr lang="pt-BR" sz="1400" dirty="0">
+                <a:solidFill>
+                  <a:schemeClr val="bg1"/>
+                </a:solidFill>
+              </a:rPr>
+              <a:t>Eduardo Pires Treinamentos e Consultorias. </a:t>
+            </a:r>
+            <a:r>
+              <a:rPr lang="pt-BR" sz="1400" b="1" dirty="0">
+                <a:solidFill>
+                  <a:schemeClr val="bg1"/>
+                </a:solidFill>
+              </a:rPr>
+              <a:t>ASP.NET Identity – Tutorial Completo – Demos, Vídeo, Slides</a:t>
+            </a:r>
+            <a:r>
+              <a:rPr lang="pt-BR" sz="1400" dirty="0">
+                <a:solidFill>
+                  <a:schemeClr val="bg1"/>
+                </a:solidFill>
+              </a:rPr>
+              <a:t>. Disponível em: &lt;http://www.eduardopires.net.br/2014/08/asp-net-identity-tutorial-completo/&gt;. Acesso em 19 de agosto de 2018.</a:t>
+            </a:r>
+          </a:p>
+          <a:p>
+            <a:r>
+              <a:rPr lang="pt-BR" sz="1400" dirty="0">
+                <a:solidFill>
+                  <a:schemeClr val="bg1"/>
+                </a:solidFill>
+              </a:rPr>
+              <a:t> </a:t>
+            </a:r>
+          </a:p>
+          <a:p>
+            <a:r>
+              <a:rPr lang="pt-BR" sz="1400" dirty="0">
+                <a:solidFill>
+                  <a:schemeClr val="bg1"/>
+                </a:solidFill>
+              </a:rPr>
+              <a:t>Google. </a:t>
+            </a:r>
+            <a:r>
+              <a:rPr lang="pt-BR" sz="1400" b="1" dirty="0">
+                <a:solidFill>
+                  <a:schemeClr val="bg1"/>
+                </a:solidFill>
+              </a:rPr>
+              <a:t>Auditar apps da Web com o Lighthouse</a:t>
+            </a:r>
+            <a:r>
+              <a:rPr lang="pt-BR" sz="1400" dirty="0">
+                <a:solidFill>
+                  <a:schemeClr val="bg1"/>
+                </a:solidFill>
+              </a:rPr>
+              <a:t>. Disponível em: &lt;https://developers.google.com/web/tools/lighthouse/?hl=pt-br&gt;. Acesso em 30 de setembro de 2018.</a:t>
+            </a:r>
+            <a:endParaRPr lang="pt-BR" sz="1400" b="1" dirty="0">
+              <a:solidFill>
+                <a:schemeClr val="bg1"/>
+              </a:solidFill>
+            </a:endParaRPr>
+          </a:p>
+          <a:p>
+            <a:endParaRPr lang="pt-BR" dirty="0">
+              <a:solidFill>
+                <a:schemeClr val="bg1"/>
+              </a:solidFill>
+            </a:endParaRPr>
+          </a:p>
+          <a:p>
+            <a:endParaRPr lang="pt-BR" dirty="0">
+              <a:solidFill>
+                <a:schemeClr val="bg1"/>
+              </a:solidFill>
+            </a:endParaRPr>
+          </a:p>
+          <a:p>
+            <a:r>
+              <a:rPr lang="pt-BR" dirty="0"/>
+              <a:t> </a:t>
+            </a:r>
+            <a:endParaRPr lang="pt-BR" dirty="0"/>
           </a:p>
         </p:txBody>
       </p:sp>
@@ -5223,7 +5031,7 @@
         </p:nvSpPr>
         <p:spPr>
           <a:xfrm>
-            <a:off x="707801" y="1324332"/>
+            <a:off x="707801" y="1781828"/>
             <a:ext cx="7728398" cy="400110"/>
           </a:xfrm>
           <a:prstGeom prst="rect">
@@ -5247,6 +5055,101 @@
               <a:t>	</a:t>
             </a:r>
             <a:endParaRPr lang="pt-BR" b="1" dirty="0">
+              <a:solidFill>
+                <a:schemeClr val="bg1"/>
+              </a:solidFill>
+              <a:latin typeface="GeoSlab703 MdCn BT" panose="02060506020205050403" pitchFamily="18" charset="0"/>
+            </a:endParaRPr>
+          </a:p>
+        </p:txBody>
+      </p:sp>
+      <p:sp>
+        <p:nvSpPr>
+          <p:cNvPr id="8" name="CaixaDeTexto 7"/>
+          <p:cNvSpPr txBox="1"/>
+          <p:nvPr/>
+        </p:nvSpPr>
+        <p:spPr>
+          <a:xfrm>
+            <a:off x="842311" y="2179992"/>
+            <a:ext cx="7709195" cy="2677656"/>
+          </a:xfrm>
+          <a:prstGeom prst="rect">
+            <a:avLst/>
+          </a:prstGeom>
+          <a:noFill/>
+        </p:spPr>
+        <p:txBody>
+          <a:bodyPr wrap="square" rtlCol="0">
+            <a:spAutoFit/>
+          </a:bodyPr>
+          <a:lstStyle/>
+          <a:p>
+            <a:r>
+              <a:rPr lang="pt-BR" sz="2400" b="1" dirty="0" smtClean="0">
+                <a:solidFill>
+                  <a:schemeClr val="bg1"/>
+                </a:solidFill>
+                <a:latin typeface="GeoSlab703 MdCn BT" panose="02060506020205050403" pitchFamily="18" charset="0"/>
+              </a:rPr>
+              <a:t>A BANCA, PELAS COLABORAÇÕES QUE POR VENTURA SERÃO DADAS AO MEU TRABALHO </a:t>
+            </a:r>
+          </a:p>
+          <a:p>
+            <a:r>
+              <a:rPr lang="pt-BR" sz="2400" b="1" dirty="0" smtClean="0">
+                <a:solidFill>
+                  <a:schemeClr val="bg1"/>
+                </a:solidFill>
+                <a:latin typeface="GeoSlab703 MdCn BT" panose="02060506020205050403" pitchFamily="18" charset="0"/>
+              </a:rPr>
+              <a:t>AO ORIENTADOR, EDUARDO HENRIQUE, PELA...</a:t>
+            </a:r>
+          </a:p>
+          <a:p>
+            <a:r>
+              <a:rPr lang="pt-BR" sz="2400" b="1" dirty="0" smtClean="0">
+                <a:solidFill>
+                  <a:schemeClr val="bg1"/>
+                </a:solidFill>
+                <a:latin typeface="GeoSlab703 MdCn BT" panose="02060506020205050403" pitchFamily="18" charset="0"/>
+              </a:rPr>
+              <a:t>AOS MEUS PAIS, PELA ...</a:t>
+            </a:r>
+          </a:p>
+          <a:p>
+            <a:r>
+              <a:rPr lang="pt-BR" sz="2400" b="1" dirty="0" smtClean="0">
+                <a:solidFill>
+                  <a:schemeClr val="bg1"/>
+                </a:solidFill>
+                <a:latin typeface="GeoSlab703 MdCn BT" panose="02060506020205050403" pitchFamily="18" charset="0"/>
+              </a:rPr>
+              <a:t>AOS MEUS COLEGAS DE TRABALHO ...</a:t>
+            </a:r>
+          </a:p>
+          <a:p>
+            <a:r>
+              <a:rPr lang="pt-BR" sz="2400" b="1" dirty="0" smtClean="0">
+                <a:solidFill>
+                  <a:schemeClr val="bg1"/>
+                </a:solidFill>
+                <a:latin typeface="GeoSlab703 MdCn BT" panose="02060506020205050403" pitchFamily="18" charset="0"/>
+              </a:rPr>
+              <a:t>AOS MEUS COLEGAS DE SALA ...</a:t>
+            </a:r>
+          </a:p>
+          <a:p>
+            <a:r>
+              <a:rPr lang="pt-BR" sz="2400" b="1" dirty="0" smtClean="0">
+                <a:solidFill>
+                  <a:schemeClr val="bg1"/>
+                </a:solidFill>
+                <a:latin typeface="GeoSlab703 MdCn BT" panose="02060506020205050403" pitchFamily="18" charset="0"/>
+              </a:rPr>
+              <a:t>À INSTITUIÇÃO DE ENSINO UNIPAM, PELO ...</a:t>
+            </a:r>
+            <a:endParaRPr lang="pt-BR" sz="2400" b="1" dirty="0" smtClean="0">
               <a:solidFill>
                 <a:schemeClr val="bg1"/>
               </a:solidFill>

--- a/Apresentação/Apresentação defesa Novateca.pptx
+++ b/Apresentação/Apresentação defesa Novateca.pptx
@@ -14,31 +14,32 @@
     <p:sldId id="272" r:id="rId8"/>
     <p:sldId id="264" r:id="rId9"/>
     <p:sldId id="265" r:id="rId10"/>
-    <p:sldId id="266" r:id="rId11"/>
-    <p:sldId id="267" r:id="rId12"/>
-    <p:sldId id="268" r:id="rId13"/>
-    <p:sldId id="269" r:id="rId14"/>
-    <p:sldId id="262" r:id="rId15"/>
+    <p:sldId id="273" r:id="rId11"/>
+    <p:sldId id="266" r:id="rId12"/>
+    <p:sldId id="267" r:id="rId13"/>
+    <p:sldId id="268" r:id="rId14"/>
+    <p:sldId id="269" r:id="rId15"/>
+    <p:sldId id="262" r:id="rId16"/>
   </p:sldIdLst>
   <p:sldSz cx="9144000" cy="6858000" type="screen4x3"/>
   <p:notesSz cx="6858000" cy="9144000"/>
   <p:embeddedFontLst>
     <p:embeddedFont>
+      <p:font typeface="Calibri" panose="020F0502020204030204" pitchFamily="34" charset="0"/>
+      <p:regular r:id="rId17"/>
+      <p:bold r:id="rId18"/>
+      <p:italic r:id="rId19"/>
+      <p:boldItalic r:id="rId20"/>
+    </p:embeddedFont>
+    <p:embeddedFont>
       <p:font typeface="Calibri Light" panose="020F0302020204030204" pitchFamily="34" charset="0"/>
-      <p:regular r:id="rId16"/>
-      <p:italic r:id="rId17"/>
+      <p:regular r:id="rId21"/>
+      <p:italic r:id="rId22"/>
     </p:embeddedFont>
     <p:embeddedFont>
       <p:font typeface="GeoSlab703 MdCn BT" panose="02060506020205050403" pitchFamily="18" charset="0"/>
-      <p:regular r:id="rId18"/>
-      <p:bold r:id="rId19"/>
-    </p:embeddedFont>
-    <p:embeddedFont>
-      <p:font typeface="Calibri" panose="020F0502020204030204" pitchFamily="34" charset="0"/>
-      <p:regular r:id="rId20"/>
-      <p:bold r:id="rId21"/>
-      <p:italic r:id="rId22"/>
-      <p:boldItalic r:id="rId23"/>
+      <p:regular r:id="rId23"/>
+      <p:bold r:id="rId24"/>
     </p:embeddedFont>
   </p:embeddedFontLst>
   <p:defaultTextStyle>
@@ -197,7 +198,7 @@
           </a:lstStyle>
           <a:p>
             <a:r>
-              <a:rPr lang="pt-BR" smtClean="0"/>
+              <a:rPr lang="pt-BR"/>
               <a:t>Clique para editar o título mestre</a:t>
             </a:r>
             <a:endParaRPr lang="en-US" dirty="0"/>
@@ -262,7 +263,7 @@
           </a:lstStyle>
           <a:p>
             <a:r>
-              <a:rPr lang="pt-BR" smtClean="0"/>
+              <a:rPr lang="pt-BR"/>
               <a:t>Clique para editar o estilo do subtítulo mestre</a:t>
             </a:r>
             <a:endParaRPr lang="en-US" dirty="0"/>
@@ -286,7 +287,7 @@
           <a:p>
             <a:fld id="{A7C58400-6E85-449E-AFF7-9F946FB2A379}" type="datetimeFigureOut">
               <a:rPr lang="pt-BR" smtClean="0"/>
-              <a:t>18/10/2018</a:t>
+              <a:t>27/10/2018</a:t>
             </a:fld>
             <a:endParaRPr lang="pt-BR"/>
           </a:p>
@@ -380,7 +381,7 @@
           <a:lstStyle/>
           <a:p>
             <a:r>
-              <a:rPr lang="pt-BR" smtClean="0"/>
+              <a:rPr lang="pt-BR"/>
               <a:t>Clique para editar o título mestre</a:t>
             </a:r>
             <a:endParaRPr lang="en-US" dirty="0"/>
@@ -404,35 +405,35 @@
           <a:p>
             <a:pPr lvl="0"/>
             <a:r>
-              <a:rPr lang="pt-BR" smtClean="0"/>
+              <a:rPr lang="pt-BR"/>
               <a:t>Clique para editar o texto mestre</a:t>
             </a:r>
           </a:p>
           <a:p>
             <a:pPr lvl="1"/>
             <a:r>
-              <a:rPr lang="pt-BR" smtClean="0"/>
+              <a:rPr lang="pt-BR"/>
               <a:t>Segundo nível</a:t>
             </a:r>
           </a:p>
           <a:p>
             <a:pPr lvl="2"/>
             <a:r>
-              <a:rPr lang="pt-BR" smtClean="0"/>
+              <a:rPr lang="pt-BR"/>
               <a:t>Terceiro nível</a:t>
             </a:r>
           </a:p>
           <a:p>
             <a:pPr lvl="3"/>
             <a:r>
-              <a:rPr lang="pt-BR" smtClean="0"/>
+              <a:rPr lang="pt-BR"/>
               <a:t>Quarto nível</a:t>
             </a:r>
           </a:p>
           <a:p>
             <a:pPr lvl="4"/>
             <a:r>
-              <a:rPr lang="pt-BR" smtClean="0"/>
+              <a:rPr lang="pt-BR"/>
               <a:t>Quinto nível</a:t>
             </a:r>
             <a:endParaRPr lang="en-US" dirty="0"/>
@@ -456,7 +457,7 @@
           <a:p>
             <a:fld id="{A7C58400-6E85-449E-AFF7-9F946FB2A379}" type="datetimeFigureOut">
               <a:rPr lang="pt-BR" smtClean="0"/>
-              <a:t>18/10/2018</a:t>
+              <a:t>27/10/2018</a:t>
             </a:fld>
             <a:endParaRPr lang="pt-BR"/>
           </a:p>
@@ -555,7 +556,7 @@
           <a:lstStyle/>
           <a:p>
             <a:r>
-              <a:rPr lang="pt-BR" smtClean="0"/>
+              <a:rPr lang="pt-BR"/>
               <a:t>Clique para editar o título mestre</a:t>
             </a:r>
             <a:endParaRPr lang="en-US" dirty="0"/>
@@ -584,35 +585,35 @@
           <a:p>
             <a:pPr lvl="0"/>
             <a:r>
-              <a:rPr lang="pt-BR" smtClean="0"/>
+              <a:rPr lang="pt-BR"/>
               <a:t>Clique para editar o texto mestre</a:t>
             </a:r>
           </a:p>
           <a:p>
             <a:pPr lvl="1"/>
             <a:r>
-              <a:rPr lang="pt-BR" smtClean="0"/>
+              <a:rPr lang="pt-BR"/>
               <a:t>Segundo nível</a:t>
             </a:r>
           </a:p>
           <a:p>
             <a:pPr lvl="2"/>
             <a:r>
-              <a:rPr lang="pt-BR" smtClean="0"/>
+              <a:rPr lang="pt-BR"/>
               <a:t>Terceiro nível</a:t>
             </a:r>
           </a:p>
           <a:p>
             <a:pPr lvl="3"/>
             <a:r>
-              <a:rPr lang="pt-BR" smtClean="0"/>
+              <a:rPr lang="pt-BR"/>
               <a:t>Quarto nível</a:t>
             </a:r>
           </a:p>
           <a:p>
             <a:pPr lvl="4"/>
             <a:r>
-              <a:rPr lang="pt-BR" smtClean="0"/>
+              <a:rPr lang="pt-BR"/>
               <a:t>Quinto nível</a:t>
             </a:r>
             <a:endParaRPr lang="en-US" dirty="0"/>
@@ -636,7 +637,7 @@
           <a:p>
             <a:fld id="{A7C58400-6E85-449E-AFF7-9F946FB2A379}" type="datetimeFigureOut">
               <a:rPr lang="pt-BR" smtClean="0"/>
-              <a:t>18/10/2018</a:t>
+              <a:t>27/10/2018</a:t>
             </a:fld>
             <a:endParaRPr lang="pt-BR"/>
           </a:p>
@@ -730,7 +731,7 @@
           <a:lstStyle/>
           <a:p>
             <a:r>
-              <a:rPr lang="pt-BR" smtClean="0"/>
+              <a:rPr lang="pt-BR"/>
               <a:t>Clique para editar o título mestre</a:t>
             </a:r>
             <a:endParaRPr lang="en-US" dirty="0"/>
@@ -754,35 +755,35 @@
           <a:p>
             <a:pPr lvl="0"/>
             <a:r>
-              <a:rPr lang="pt-BR" smtClean="0"/>
+              <a:rPr lang="pt-BR"/>
               <a:t>Clique para editar o texto mestre</a:t>
             </a:r>
           </a:p>
           <a:p>
             <a:pPr lvl="1"/>
             <a:r>
-              <a:rPr lang="pt-BR" smtClean="0"/>
+              <a:rPr lang="pt-BR"/>
               <a:t>Segundo nível</a:t>
             </a:r>
           </a:p>
           <a:p>
             <a:pPr lvl="2"/>
             <a:r>
-              <a:rPr lang="pt-BR" smtClean="0"/>
+              <a:rPr lang="pt-BR"/>
               <a:t>Terceiro nível</a:t>
             </a:r>
           </a:p>
           <a:p>
             <a:pPr lvl="3"/>
             <a:r>
-              <a:rPr lang="pt-BR" smtClean="0"/>
+              <a:rPr lang="pt-BR"/>
               <a:t>Quarto nível</a:t>
             </a:r>
           </a:p>
           <a:p>
             <a:pPr lvl="4"/>
             <a:r>
-              <a:rPr lang="pt-BR" smtClean="0"/>
+              <a:rPr lang="pt-BR"/>
               <a:t>Quinto nível</a:t>
             </a:r>
             <a:endParaRPr lang="en-US" dirty="0"/>
@@ -806,7 +807,7 @@
           <a:p>
             <a:fld id="{A7C58400-6E85-449E-AFF7-9F946FB2A379}" type="datetimeFigureOut">
               <a:rPr lang="pt-BR" smtClean="0"/>
-              <a:t>18/10/2018</a:t>
+              <a:t>27/10/2018</a:t>
             </a:fld>
             <a:endParaRPr lang="pt-BR"/>
           </a:p>
@@ -909,7 +910,7 @@
           </a:lstStyle>
           <a:p>
             <a:r>
-              <a:rPr lang="pt-BR" smtClean="0"/>
+              <a:rPr lang="pt-BR"/>
               <a:t>Clique para editar o título mestre</a:t>
             </a:r>
             <a:endParaRPr lang="en-US" dirty="0"/>
@@ -1027,7 +1028,7 @@
           <a:p>
             <a:pPr lvl="0"/>
             <a:r>
-              <a:rPr lang="pt-BR" smtClean="0"/>
+              <a:rPr lang="pt-BR"/>
               <a:t>Clique para editar o texto mestre</a:t>
             </a:r>
           </a:p>
@@ -1050,7 +1051,7 @@
           <a:p>
             <a:fld id="{A7C58400-6E85-449E-AFF7-9F946FB2A379}" type="datetimeFigureOut">
               <a:rPr lang="pt-BR" smtClean="0"/>
-              <a:t>18/10/2018</a:t>
+              <a:t>27/10/2018</a:t>
             </a:fld>
             <a:endParaRPr lang="pt-BR"/>
           </a:p>
@@ -1144,7 +1145,7 @@
           <a:lstStyle/>
           <a:p>
             <a:r>
-              <a:rPr lang="pt-BR" smtClean="0"/>
+              <a:rPr lang="pt-BR"/>
               <a:t>Clique para editar o título mestre</a:t>
             </a:r>
             <a:endParaRPr lang="en-US" dirty="0"/>
@@ -1173,35 +1174,35 @@
           <a:p>
             <a:pPr lvl="0"/>
             <a:r>
-              <a:rPr lang="pt-BR" smtClean="0"/>
+              <a:rPr lang="pt-BR"/>
               <a:t>Clique para editar o texto mestre</a:t>
             </a:r>
           </a:p>
           <a:p>
             <a:pPr lvl="1"/>
             <a:r>
-              <a:rPr lang="pt-BR" smtClean="0"/>
+              <a:rPr lang="pt-BR"/>
               <a:t>Segundo nível</a:t>
             </a:r>
           </a:p>
           <a:p>
             <a:pPr lvl="2"/>
             <a:r>
-              <a:rPr lang="pt-BR" smtClean="0"/>
+              <a:rPr lang="pt-BR"/>
               <a:t>Terceiro nível</a:t>
             </a:r>
           </a:p>
           <a:p>
             <a:pPr lvl="3"/>
             <a:r>
-              <a:rPr lang="pt-BR" smtClean="0"/>
+              <a:rPr lang="pt-BR"/>
               <a:t>Quarto nível</a:t>
             </a:r>
           </a:p>
           <a:p>
             <a:pPr lvl="4"/>
             <a:r>
-              <a:rPr lang="pt-BR" smtClean="0"/>
+              <a:rPr lang="pt-BR"/>
               <a:t>Quinto nível</a:t>
             </a:r>
             <a:endParaRPr lang="en-US" dirty="0"/>
@@ -1230,35 +1231,35 @@
           <a:p>
             <a:pPr lvl="0"/>
             <a:r>
-              <a:rPr lang="pt-BR" smtClean="0"/>
+              <a:rPr lang="pt-BR"/>
               <a:t>Clique para editar o texto mestre</a:t>
             </a:r>
           </a:p>
           <a:p>
             <a:pPr lvl="1"/>
             <a:r>
-              <a:rPr lang="pt-BR" smtClean="0"/>
+              <a:rPr lang="pt-BR"/>
               <a:t>Segundo nível</a:t>
             </a:r>
           </a:p>
           <a:p>
             <a:pPr lvl="2"/>
             <a:r>
-              <a:rPr lang="pt-BR" smtClean="0"/>
+              <a:rPr lang="pt-BR"/>
               <a:t>Terceiro nível</a:t>
             </a:r>
           </a:p>
           <a:p>
             <a:pPr lvl="3"/>
             <a:r>
-              <a:rPr lang="pt-BR" smtClean="0"/>
+              <a:rPr lang="pt-BR"/>
               <a:t>Quarto nível</a:t>
             </a:r>
           </a:p>
           <a:p>
             <a:pPr lvl="4"/>
             <a:r>
-              <a:rPr lang="pt-BR" smtClean="0"/>
+              <a:rPr lang="pt-BR"/>
               <a:t>Quinto nível</a:t>
             </a:r>
             <a:endParaRPr lang="en-US" dirty="0"/>
@@ -1282,7 +1283,7 @@
           <a:p>
             <a:fld id="{A7C58400-6E85-449E-AFF7-9F946FB2A379}" type="datetimeFigureOut">
               <a:rPr lang="pt-BR" smtClean="0"/>
-              <a:t>18/10/2018</a:t>
+              <a:t>27/10/2018</a:t>
             </a:fld>
             <a:endParaRPr lang="pt-BR"/>
           </a:p>
@@ -1381,7 +1382,7 @@
           <a:lstStyle/>
           <a:p>
             <a:r>
-              <a:rPr lang="pt-BR" smtClean="0"/>
+              <a:rPr lang="pt-BR"/>
               <a:t>Clique para editar o título mestre</a:t>
             </a:r>
             <a:endParaRPr lang="en-US" dirty="0"/>
@@ -1447,7 +1448,7 @@
           <a:p>
             <a:pPr lvl="0"/>
             <a:r>
-              <a:rPr lang="pt-BR" smtClean="0"/>
+              <a:rPr lang="pt-BR"/>
               <a:t>Clique para editar o texto mestre</a:t>
             </a:r>
           </a:p>
@@ -1475,35 +1476,35 @@
           <a:p>
             <a:pPr lvl="0"/>
             <a:r>
-              <a:rPr lang="pt-BR" smtClean="0"/>
+              <a:rPr lang="pt-BR"/>
               <a:t>Clique para editar o texto mestre</a:t>
             </a:r>
           </a:p>
           <a:p>
             <a:pPr lvl="1"/>
             <a:r>
-              <a:rPr lang="pt-BR" smtClean="0"/>
+              <a:rPr lang="pt-BR"/>
               <a:t>Segundo nível</a:t>
             </a:r>
           </a:p>
           <a:p>
             <a:pPr lvl="2"/>
             <a:r>
-              <a:rPr lang="pt-BR" smtClean="0"/>
+              <a:rPr lang="pt-BR"/>
               <a:t>Terceiro nível</a:t>
             </a:r>
           </a:p>
           <a:p>
             <a:pPr lvl="3"/>
             <a:r>
-              <a:rPr lang="pt-BR" smtClean="0"/>
+              <a:rPr lang="pt-BR"/>
               <a:t>Quarto nível</a:t>
             </a:r>
           </a:p>
           <a:p>
             <a:pPr lvl="4"/>
             <a:r>
-              <a:rPr lang="pt-BR" smtClean="0"/>
+              <a:rPr lang="pt-BR"/>
               <a:t>Quinto nível</a:t>
             </a:r>
             <a:endParaRPr lang="en-US" dirty="0"/>
@@ -1569,7 +1570,7 @@
           <a:p>
             <a:pPr lvl="0"/>
             <a:r>
-              <a:rPr lang="pt-BR" smtClean="0"/>
+              <a:rPr lang="pt-BR"/>
               <a:t>Clique para editar o texto mestre</a:t>
             </a:r>
           </a:p>
@@ -1597,35 +1598,35 @@
           <a:p>
             <a:pPr lvl="0"/>
             <a:r>
-              <a:rPr lang="pt-BR" smtClean="0"/>
+              <a:rPr lang="pt-BR"/>
               <a:t>Clique para editar o texto mestre</a:t>
             </a:r>
           </a:p>
           <a:p>
             <a:pPr lvl="1"/>
             <a:r>
-              <a:rPr lang="pt-BR" smtClean="0"/>
+              <a:rPr lang="pt-BR"/>
               <a:t>Segundo nível</a:t>
             </a:r>
           </a:p>
           <a:p>
             <a:pPr lvl="2"/>
             <a:r>
-              <a:rPr lang="pt-BR" smtClean="0"/>
+              <a:rPr lang="pt-BR"/>
               <a:t>Terceiro nível</a:t>
             </a:r>
           </a:p>
           <a:p>
             <a:pPr lvl="3"/>
             <a:r>
-              <a:rPr lang="pt-BR" smtClean="0"/>
+              <a:rPr lang="pt-BR"/>
               <a:t>Quarto nível</a:t>
             </a:r>
           </a:p>
           <a:p>
             <a:pPr lvl="4"/>
             <a:r>
-              <a:rPr lang="pt-BR" smtClean="0"/>
+              <a:rPr lang="pt-BR"/>
               <a:t>Quinto nível</a:t>
             </a:r>
             <a:endParaRPr lang="en-US" dirty="0"/>
@@ -1649,7 +1650,7 @@
           <a:p>
             <a:fld id="{A7C58400-6E85-449E-AFF7-9F946FB2A379}" type="datetimeFigureOut">
               <a:rPr lang="pt-BR" smtClean="0"/>
-              <a:t>18/10/2018</a:t>
+              <a:t>27/10/2018</a:t>
             </a:fld>
             <a:endParaRPr lang="pt-BR"/>
           </a:p>
@@ -1743,7 +1744,7 @@
           <a:lstStyle/>
           <a:p>
             <a:r>
-              <a:rPr lang="pt-BR" smtClean="0"/>
+              <a:rPr lang="pt-BR"/>
               <a:t>Clique para editar o título mestre</a:t>
             </a:r>
             <a:endParaRPr lang="en-US" dirty="0"/>
@@ -1767,7 +1768,7 @@
           <a:p>
             <a:fld id="{A7C58400-6E85-449E-AFF7-9F946FB2A379}" type="datetimeFigureOut">
               <a:rPr lang="pt-BR" smtClean="0"/>
-              <a:t>18/10/2018</a:t>
+              <a:t>27/10/2018</a:t>
             </a:fld>
             <a:endParaRPr lang="pt-BR"/>
           </a:p>
@@ -1862,7 +1863,7 @@
           <a:p>
             <a:fld id="{A7C58400-6E85-449E-AFF7-9F946FB2A379}" type="datetimeFigureOut">
               <a:rPr lang="pt-BR" smtClean="0"/>
-              <a:t>18/10/2018</a:t>
+              <a:t>27/10/2018</a:t>
             </a:fld>
             <a:endParaRPr lang="pt-BR"/>
           </a:p>
@@ -1965,7 +1966,7 @@
           </a:lstStyle>
           <a:p>
             <a:r>
-              <a:rPr lang="pt-BR" smtClean="0"/>
+              <a:rPr lang="pt-BR"/>
               <a:t>Clique para editar o título mestre</a:t>
             </a:r>
             <a:endParaRPr lang="en-US" dirty="0"/>
@@ -2022,35 +2023,35 @@
           <a:p>
             <a:pPr lvl="0"/>
             <a:r>
-              <a:rPr lang="pt-BR" smtClean="0"/>
+              <a:rPr lang="pt-BR"/>
               <a:t>Clique para editar o texto mestre</a:t>
             </a:r>
           </a:p>
           <a:p>
             <a:pPr lvl="1"/>
             <a:r>
-              <a:rPr lang="pt-BR" smtClean="0"/>
+              <a:rPr lang="pt-BR"/>
               <a:t>Segundo nível</a:t>
             </a:r>
           </a:p>
           <a:p>
             <a:pPr lvl="2"/>
             <a:r>
-              <a:rPr lang="pt-BR" smtClean="0"/>
+              <a:rPr lang="pt-BR"/>
               <a:t>Terceiro nível</a:t>
             </a:r>
           </a:p>
           <a:p>
             <a:pPr lvl="3"/>
             <a:r>
-              <a:rPr lang="pt-BR" smtClean="0"/>
+              <a:rPr lang="pt-BR"/>
               <a:t>Quarto nível</a:t>
             </a:r>
           </a:p>
           <a:p>
             <a:pPr lvl="4"/>
             <a:r>
-              <a:rPr lang="pt-BR" smtClean="0"/>
+              <a:rPr lang="pt-BR"/>
               <a:t>Quinto nível</a:t>
             </a:r>
             <a:endParaRPr lang="en-US" dirty="0"/>
@@ -2116,7 +2117,7 @@
           <a:p>
             <a:pPr lvl="0"/>
             <a:r>
-              <a:rPr lang="pt-BR" smtClean="0"/>
+              <a:rPr lang="pt-BR"/>
               <a:t>Clique para editar o texto mestre</a:t>
             </a:r>
           </a:p>
@@ -2139,7 +2140,7 @@
           <a:p>
             <a:fld id="{A7C58400-6E85-449E-AFF7-9F946FB2A379}" type="datetimeFigureOut">
               <a:rPr lang="pt-BR" smtClean="0"/>
-              <a:t>18/10/2018</a:t>
+              <a:t>27/10/2018</a:t>
             </a:fld>
             <a:endParaRPr lang="pt-BR"/>
           </a:p>
@@ -2242,7 +2243,7 @@
           </a:lstStyle>
           <a:p>
             <a:r>
-              <a:rPr lang="pt-BR" smtClean="0"/>
+              <a:rPr lang="pt-BR"/>
               <a:t>Clique para editar o título mestre</a:t>
             </a:r>
             <a:endParaRPr lang="en-US" dirty="0"/>
@@ -2307,7 +2308,7 @@
           </a:lstStyle>
           <a:p>
             <a:r>
-              <a:rPr lang="pt-BR" smtClean="0"/>
+              <a:rPr lang="pt-BR"/>
               <a:t>Clique no ícone para adicionar uma imagem</a:t>
             </a:r>
             <a:endParaRPr lang="en-US" dirty="0"/>
@@ -2373,7 +2374,7 @@
           <a:p>
             <a:pPr lvl="0"/>
             <a:r>
-              <a:rPr lang="pt-BR" smtClean="0"/>
+              <a:rPr lang="pt-BR"/>
               <a:t>Clique para editar o texto mestre</a:t>
             </a:r>
           </a:p>
@@ -2396,7 +2397,7 @@
           <a:p>
             <a:fld id="{A7C58400-6E85-449E-AFF7-9F946FB2A379}" type="datetimeFigureOut">
               <a:rPr lang="pt-BR" smtClean="0"/>
-              <a:t>18/10/2018</a:t>
+              <a:t>27/10/2018</a:t>
             </a:fld>
             <a:endParaRPr lang="pt-BR"/>
           </a:p>
@@ -2505,7 +2506,7 @@
           <a:lstStyle/>
           <a:p>
             <a:r>
-              <a:rPr lang="pt-BR" smtClean="0"/>
+              <a:rPr lang="pt-BR"/>
               <a:t>Clique para editar o título mestre</a:t>
             </a:r>
             <a:endParaRPr lang="en-US" dirty="0"/>
@@ -2539,35 +2540,35 @@
           <a:p>
             <a:pPr lvl="0"/>
             <a:r>
-              <a:rPr lang="pt-BR" smtClean="0"/>
+              <a:rPr lang="pt-BR"/>
               <a:t>Clique para editar o texto mestre</a:t>
             </a:r>
           </a:p>
           <a:p>
             <a:pPr lvl="1"/>
             <a:r>
-              <a:rPr lang="pt-BR" smtClean="0"/>
+              <a:rPr lang="pt-BR"/>
               <a:t>Segundo nível</a:t>
             </a:r>
           </a:p>
           <a:p>
             <a:pPr lvl="2"/>
             <a:r>
-              <a:rPr lang="pt-BR" smtClean="0"/>
+              <a:rPr lang="pt-BR"/>
               <a:t>Terceiro nível</a:t>
             </a:r>
           </a:p>
           <a:p>
             <a:pPr lvl="3"/>
             <a:r>
-              <a:rPr lang="pt-BR" smtClean="0"/>
+              <a:rPr lang="pt-BR"/>
               <a:t>Quarto nível</a:t>
             </a:r>
           </a:p>
           <a:p>
             <a:pPr lvl="4"/>
             <a:r>
-              <a:rPr lang="pt-BR" smtClean="0"/>
+              <a:rPr lang="pt-BR"/>
               <a:t>Quinto nível</a:t>
             </a:r>
             <a:endParaRPr lang="en-US" dirty="0"/>
@@ -2609,7 +2610,7 @@
           <a:p>
             <a:fld id="{A7C58400-6E85-449E-AFF7-9F946FB2A379}" type="datetimeFigureOut">
               <a:rPr lang="pt-BR" smtClean="0"/>
-              <a:t>18/10/2018</a:t>
+              <a:t>27/10/2018</a:t>
             </a:fld>
             <a:endParaRPr lang="pt-BR"/>
           </a:p>
@@ -3097,7 +3098,7 @@
           <a:lstStyle/>
           <a:p>
             <a:r>
-              <a:rPr lang="pt-BR" sz="3200" b="1" dirty="0" smtClean="0">
+              <a:rPr lang="pt-BR" sz="3200" b="1" dirty="0">
                 <a:solidFill>
                   <a:schemeClr val="bg1"/>
                 </a:solidFill>
@@ -3108,22 +3109,13 @@
           </a:p>
           <a:p>
             <a:r>
-              <a:rPr lang="pt-BR" sz="2000" b="1" dirty="0" smtClean="0">
-                <a:solidFill>
-                  <a:schemeClr val="bg1"/>
-                </a:solidFill>
-                <a:latin typeface="GeoSlab703 MdCn BT" panose="02060506020205050403" pitchFamily="18" charset="0"/>
-              </a:rPr>
-              <a:t>SISTEMA </a:t>
-            </a:r>
-            <a:r>
               <a:rPr lang="pt-BR" sz="2000" b="1" dirty="0">
                 <a:solidFill>
                   <a:schemeClr val="bg1"/>
                 </a:solidFill>
                 <a:latin typeface="GeoSlab703 MdCn BT" panose="02060506020205050403" pitchFamily="18" charset="0"/>
               </a:rPr>
-              <a:t>GERENCIADOR COLABORATIVO DE BIBLIOTECA</a:t>
+              <a:t>SISTEMA GERENCIADOR COLABORATIVO DE BIBLIOTECA</a:t>
             </a:r>
           </a:p>
           <a:p>
@@ -3139,7 +3131,7 @@
           </a:p>
           <a:p>
             <a:r>
-              <a:rPr lang="pt-BR" sz="1600" b="1" dirty="0" smtClean="0">
+              <a:rPr lang="pt-BR" sz="1600" b="1" dirty="0">
                 <a:solidFill>
                   <a:schemeClr val="bg1"/>
                 </a:solidFill>
@@ -3147,7 +3139,7 @@
               </a:rPr>
               <a:t>PROF. ORIENTADOR: EDUARDO HENRIQUE SILVA</a:t>
             </a:r>
-            <a:endParaRPr lang="pt-BR" sz="1600" dirty="0" smtClean="0">
+            <a:endParaRPr lang="pt-BR" sz="1600" dirty="0">
               <a:solidFill>
                 <a:schemeClr val="bg1"/>
               </a:solidFill>
@@ -3169,13 +3161,6 @@
   <p:clrMapOvr>
     <a:masterClrMapping/>
   </p:clrMapOvr>
-  <p:timing>
-    <p:tnLst>
-      <p:par>
-        <p:cTn id="1" dur="indefinite" restart="never" nodeType="tmRoot"/>
-      </p:par>
-    </p:tnLst>
-  </p:timing>
 </p:sld>
 </file>
 
@@ -3196,218 +3181,6 @@
           <a:chExt cx="0" cy="0"/>
         </a:xfrm>
       </p:grpSpPr>
-      <p:pic>
-        <p:nvPicPr>
-          <p:cNvPr id="2" name="Imagem 1"/>
-          <p:cNvPicPr>
-            <a:picLocks noChangeAspect="1"/>
-          </p:cNvPicPr>
-          <p:nvPr/>
-        </p:nvPicPr>
-        <p:blipFill>
-          <a:blip r:embed="rId2">
-            <a:extLst>
-              <a:ext uri="{28A0092B-C50C-407E-A947-70E740481C1C}">
-                <a14:useLocalDpi xmlns:a14="http://schemas.microsoft.com/office/drawing/2010/main" val="0"/>
-              </a:ext>
-            </a:extLst>
-          </a:blip>
-          <a:stretch>
-            <a:fillRect/>
-          </a:stretch>
-        </p:blipFill>
-        <p:spPr>
-          <a:xfrm>
-            <a:off x="0" y="0"/>
-            <a:ext cx="9144000" cy="6858000"/>
-          </a:xfrm>
-          <a:prstGeom prst="rect">
-            <a:avLst/>
-          </a:prstGeom>
-        </p:spPr>
-      </p:pic>
-      <p:sp>
-        <p:nvSpPr>
-          <p:cNvPr id="3" name="CaixaDeTexto 2"/>
-          <p:cNvSpPr txBox="1"/>
-          <p:nvPr/>
-        </p:nvSpPr>
-        <p:spPr>
-          <a:xfrm>
-            <a:off x="632052" y="629357"/>
-            <a:ext cx="4160883" cy="584775"/>
-          </a:xfrm>
-          <a:prstGeom prst="rect">
-            <a:avLst/>
-          </a:prstGeom>
-          <a:noFill/>
-        </p:spPr>
-        <p:txBody>
-          <a:bodyPr wrap="none" rtlCol="0">
-            <a:spAutoFit/>
-          </a:bodyPr>
-          <a:lstStyle/>
-          <a:p>
-            <a:r>
-              <a:rPr lang="da-DK" sz="3200" b="1" dirty="0">
-                <a:solidFill>
-                  <a:schemeClr val="bg1"/>
-                </a:solidFill>
-                <a:latin typeface="GeoSlab703 MdCn BT" panose="02060506020205050403" pitchFamily="18" charset="0"/>
-              </a:rPr>
-              <a:t>RESULTADOS E DISCUSSÃO</a:t>
-            </a:r>
-            <a:endParaRPr lang="pt-BR" sz="3200" b="1" dirty="0" smtClean="0">
-              <a:solidFill>
-                <a:schemeClr val="bg1"/>
-              </a:solidFill>
-              <a:latin typeface="GeoSlab703 MdCn BT" panose="02060506020205050403" pitchFamily="18" charset="0"/>
-            </a:endParaRPr>
-          </a:p>
-        </p:txBody>
-      </p:sp>
-      <p:sp>
-        <p:nvSpPr>
-          <p:cNvPr id="4" name="CaixaDeTexto 3"/>
-          <p:cNvSpPr txBox="1"/>
-          <p:nvPr/>
-        </p:nvSpPr>
-        <p:spPr>
-          <a:xfrm>
-            <a:off x="938415" y="1422250"/>
-            <a:ext cx="7709195" cy="2031325"/>
-          </a:xfrm>
-          <a:prstGeom prst="rect">
-            <a:avLst/>
-          </a:prstGeom>
-          <a:noFill/>
-        </p:spPr>
-        <p:txBody>
-          <a:bodyPr wrap="square" rtlCol="0">
-            <a:spAutoFit/>
-          </a:bodyPr>
-          <a:lstStyle/>
-          <a:p>
-            <a:pPr marL="285750" indent="-285750">
-              <a:buFont typeface="Arial" panose="020B0604020202020204" pitchFamily="34" charset="0"/>
-              <a:buChar char="•"/>
-            </a:pPr>
-            <a:r>
-              <a:rPr lang="pt-BR" b="1" dirty="0">
-                <a:solidFill>
-                  <a:schemeClr val="bg1"/>
-                </a:solidFill>
-                <a:latin typeface="GeoSlab703 MdCn BT" panose="02060506020205050403" pitchFamily="18" charset="0"/>
-              </a:rPr>
-              <a:t>Adicione aqui os dados coletados na pesquisa (gráficos, tabelas, quadros </a:t>
-            </a:r>
-            <a:r>
-              <a:rPr lang="pt-BR" b="1" dirty="0" err="1">
-                <a:solidFill>
-                  <a:schemeClr val="bg1"/>
-                </a:solidFill>
-                <a:latin typeface="GeoSlab703 MdCn BT" panose="02060506020205050403" pitchFamily="18" charset="0"/>
-              </a:rPr>
-              <a:t>etc</a:t>
-            </a:r>
-            <a:r>
-              <a:rPr lang="pt-BR" b="1" dirty="0" smtClean="0">
-                <a:solidFill>
-                  <a:schemeClr val="bg1"/>
-                </a:solidFill>
-                <a:latin typeface="GeoSlab703 MdCn BT" panose="02060506020205050403" pitchFamily="18" charset="0"/>
-              </a:rPr>
-              <a:t>)</a:t>
-            </a:r>
-          </a:p>
-          <a:p>
-            <a:endParaRPr lang="pt-BR" b="1" dirty="0">
-              <a:solidFill>
-                <a:schemeClr val="bg1"/>
-              </a:solidFill>
-              <a:latin typeface="GeoSlab703 MdCn BT" panose="02060506020205050403" pitchFamily="18" charset="0"/>
-            </a:endParaRPr>
-          </a:p>
-          <a:p>
-            <a:pPr marL="285750" indent="-285750">
-              <a:buFont typeface="Arial" panose="020B0604020202020204" pitchFamily="34" charset="0"/>
-              <a:buChar char="•"/>
-            </a:pPr>
-            <a:r>
-              <a:rPr lang="pt-BR" b="1" dirty="0">
-                <a:solidFill>
-                  <a:schemeClr val="bg1"/>
-                </a:solidFill>
-                <a:latin typeface="GeoSlab703 MdCn BT" panose="02060506020205050403" pitchFamily="18" charset="0"/>
-              </a:rPr>
-              <a:t>Observação: esta é a principal parte de sua apresentação, você deve demonstrar o gráfico e comentá-lo. Lembre-se de que a apresentação (</a:t>
-            </a:r>
-            <a:r>
-              <a:rPr lang="pt-BR" b="1" dirty="0" err="1">
-                <a:solidFill>
-                  <a:schemeClr val="bg1"/>
-                </a:solidFill>
-                <a:latin typeface="GeoSlab703 MdCn BT" panose="02060506020205050403" pitchFamily="18" charset="0"/>
-              </a:rPr>
-              <a:t>power</a:t>
-            </a:r>
-            <a:r>
-              <a:rPr lang="pt-BR" b="1" dirty="0">
-                <a:solidFill>
-                  <a:schemeClr val="bg1"/>
-                </a:solidFill>
-                <a:latin typeface="GeoSlab703 MdCn BT" panose="02060506020205050403" pitchFamily="18" charset="0"/>
-              </a:rPr>
-              <a:t> point) é um suporte somente, você não deve ficar somente lendo, aqui é o espaço que tem para demonstrar segurança e total conhecimento em relação ao trabalho realizado.</a:t>
-            </a:r>
-          </a:p>
-          <a:p>
-            <a:endParaRPr lang="pt-BR" b="1" dirty="0" smtClean="0">
-              <a:solidFill>
-                <a:schemeClr val="bg1"/>
-              </a:solidFill>
-              <a:latin typeface="GeoSlab703 MdCn BT" panose="02060506020205050403" pitchFamily="18" charset="0"/>
-            </a:endParaRPr>
-          </a:p>
-        </p:txBody>
-      </p:sp>
-    </p:spTree>
-    <p:extLst>
-      <p:ext uri="{BB962C8B-B14F-4D97-AF65-F5344CB8AC3E}">
-        <p14:creationId xmlns:p14="http://schemas.microsoft.com/office/powerpoint/2010/main" val="1748598288"/>
-      </p:ext>
-    </p:extLst>
-  </p:cSld>
-  <p:clrMapOvr>
-    <a:masterClrMapping/>
-  </p:clrMapOvr>
-  <p:timing>
-    <p:tnLst>
-      <p:par>
-        <p:cTn id="1" dur="indefinite" restart="never" nodeType="tmRoot"/>
-      </p:par>
-    </p:tnLst>
-  </p:timing>
-</p:sld>
-</file>
-
-<file path=ppt/slides/slide11.xml><?xml version="1.0" encoding="utf-8"?>
-<p:sld xmlns:a="http://schemas.openxmlformats.org/drawingml/2006/main" xmlns:r="http://schemas.openxmlformats.org/officeDocument/2006/relationships" xmlns:p="http://schemas.openxmlformats.org/presentationml/2006/main">
-  <p:cSld>
-    <p:spTree>
-      <p:nvGrpSpPr>
-        <p:cNvPr id="1" name=""/>
-        <p:cNvGrpSpPr/>
-        <p:nvPr/>
-      </p:nvGrpSpPr>
-      <p:grpSpPr>
-        <a:xfrm>
-          <a:off x="0" y="0"/>
-          <a:ext cx="0" cy="0"/>
-          <a:chOff x="0" y="0"/>
-          <a:chExt cx="0" cy="0"/>
-        </a:xfrm>
-      </p:grpSpPr>
       <p:sp>
         <p:nvSpPr>
           <p:cNvPr id="7" name="CaixaDeTexto 6"/>
@@ -3656,7 +3429,7 @@
               <a:t>cursus</a:t>
             </a:r>
             <a:r>
-              <a:rPr lang="pt-BR" b="1" dirty="0" smtClean="0">
+              <a:rPr lang="pt-BR" b="1" dirty="0">
                 <a:solidFill>
                   <a:schemeClr val="bg1"/>
                 </a:solidFill>
@@ -3667,7 +3440,7 @@
           </a:p>
           <a:p>
             <a:r>
-              <a:rPr lang="pt-BR" b="1" dirty="0" err="1" smtClean="0">
+              <a:rPr lang="pt-BR" b="1" dirty="0" err="1">
                 <a:solidFill>
                   <a:schemeClr val="bg1"/>
                 </a:solidFill>
@@ -3676,7 +3449,7 @@
               <a:t>Morbi</a:t>
             </a:r>
             <a:r>
-              <a:rPr lang="pt-BR" b="1" dirty="0" smtClean="0">
+              <a:rPr lang="pt-BR" b="1" dirty="0">
                 <a:solidFill>
                   <a:schemeClr val="bg1"/>
                 </a:solidFill>
@@ -3810,12 +3583,6 @@
               </a:rPr>
               <a:t>.</a:t>
             </a:r>
-            <a:endParaRPr lang="pt-BR" b="1" dirty="0" smtClean="0">
-              <a:solidFill>
-                <a:schemeClr val="bg1"/>
-              </a:solidFill>
-              <a:latin typeface="GeoSlab703 MdCn BT" panose="02060506020205050403" pitchFamily="18" charset="0"/>
-            </a:endParaRPr>
           </a:p>
         </p:txBody>
       </p:sp>
@@ -3887,8 +3654,8 @@
         </p:nvSpPr>
         <p:spPr>
           <a:xfrm>
-            <a:off x="104783" y="629357"/>
-            <a:ext cx="8934434" cy="523220"/>
+            <a:off x="1727427" y="1467810"/>
+            <a:ext cx="3379515" cy="461665"/>
           </a:xfrm>
           <a:prstGeom prst="rect">
             <a:avLst/>
@@ -3902,15 +3669,15 @@
           <a:lstStyle/>
           <a:p>
             <a:r>
-              <a:rPr lang="da-DK" sz="2800" b="1" dirty="0">
-                <a:solidFill>
-                  <a:schemeClr val="bg1"/>
-                </a:solidFill>
-                <a:latin typeface="GeoSlab703 MdCn BT" panose="02060506020205050403" pitchFamily="18" charset="0"/>
-              </a:rPr>
-              <a:t>CONCLUSÕES, LIMITAÇÕES E RECOMENDAÇÕES</a:t>
-            </a:r>
-            <a:endParaRPr lang="pt-BR" sz="2800" b="1" dirty="0" smtClean="0">
+              <a:rPr lang="da-DK" sz="2400" b="1" dirty="0">
+                <a:solidFill>
+                  <a:schemeClr val="bg1"/>
+                </a:solidFill>
+                <a:latin typeface="GeoSlab703 MdCn BT" panose="02060506020205050403" pitchFamily="18" charset="0"/>
+              </a:rPr>
+              <a:t>FERRAMENTAS UTILIZADAS</a:t>
+            </a:r>
+            <a:endParaRPr lang="pt-BR" sz="2400" b="1" dirty="0">
               <a:solidFill>
                 <a:schemeClr val="bg1"/>
               </a:solidFill>
@@ -3927,8 +3694,8 @@
         </p:nvSpPr>
         <p:spPr>
           <a:xfrm>
-            <a:off x="707801" y="1324332"/>
-            <a:ext cx="7728398" cy="4985980"/>
+            <a:off x="938416" y="2185660"/>
+            <a:ext cx="7728398" cy="646331"/>
           </a:xfrm>
           <a:prstGeom prst="rect">
             <a:avLst/>
@@ -3941,86 +3708,10 @@
           </a:bodyPr>
           <a:lstStyle/>
           <a:p>
-            <a:r>
-              <a:rPr lang="pt-BR" sz="2000" b="1" dirty="0" smtClean="0">
-                <a:solidFill>
-                  <a:schemeClr val="bg1"/>
-                </a:solidFill>
-                <a:latin typeface="GeoSlab703 MdCn BT" panose="02060506020205050403" pitchFamily="18" charset="0"/>
-              </a:rPr>
-              <a:t>	O </a:t>
-            </a:r>
-            <a:r>
-              <a:rPr lang="pt-BR" sz="2000" b="1" dirty="0">
-                <a:solidFill>
-                  <a:schemeClr val="bg1"/>
-                </a:solidFill>
-                <a:latin typeface="GeoSlab703 MdCn BT" panose="02060506020205050403" pitchFamily="18" charset="0"/>
-              </a:rPr>
-              <a:t>diferencial do sistema Novateca de um outro gerenciador de biblioteca é que este permite que seus usuários comuns (tipo ‘User’) possam avaliar, comentar e compartilhar as informações mostradas no sistema, para que outros usuários possam também se interessar em saber mais a respeito dessas informações.</a:t>
-            </a:r>
-          </a:p>
-          <a:p>
-            <a:r>
-              <a:rPr lang="pt-BR" sz="2000" b="1" dirty="0" smtClean="0">
-                <a:solidFill>
-                  <a:schemeClr val="bg1"/>
-                </a:solidFill>
-                <a:latin typeface="GeoSlab703 MdCn BT" panose="02060506020205050403" pitchFamily="18" charset="0"/>
-              </a:rPr>
-              <a:t>	O </a:t>
-            </a:r>
-            <a:r>
-              <a:rPr lang="pt-BR" sz="2000" b="1" dirty="0">
-                <a:solidFill>
-                  <a:schemeClr val="bg1"/>
-                </a:solidFill>
-                <a:latin typeface="GeoSlab703 MdCn BT" panose="02060506020205050403" pitchFamily="18" charset="0"/>
-              </a:rPr>
-              <a:t>sistema em si, após compilado e executado através do servidor IIS da Microsoft, apresentando uma performance de 84% com a ferramenta Lighthouse. Os layouts das páginas se apresentaram como agradáveis e de fácil usabilidade, onde é possível identificar como chegar a cada página.</a:t>
-            </a:r>
-          </a:p>
-          <a:p>
-            <a:r>
-              <a:rPr lang="pt-BR" sz="2000" b="1" dirty="0" smtClean="0">
-                <a:solidFill>
-                  <a:schemeClr val="bg1"/>
-                </a:solidFill>
-                <a:latin typeface="GeoSlab703 MdCn BT" panose="02060506020205050403" pitchFamily="18" charset="0"/>
-              </a:rPr>
-              <a:t>	Acredita-se </a:t>
-            </a:r>
-            <a:r>
-              <a:rPr lang="pt-BR" sz="2000" b="1" dirty="0">
-                <a:solidFill>
-                  <a:schemeClr val="bg1"/>
-                </a:solidFill>
-                <a:latin typeface="GeoSlab703 MdCn BT" panose="02060506020205050403" pitchFamily="18" charset="0"/>
-              </a:rPr>
-              <a:t>agora que o sistema possa se expandir para o mercado atraindo o interesse de instituições de ensino tanto privadas como públicas, além de ter o potencial para ser um bom agregador socioeducacional.</a:t>
-            </a:r>
-          </a:p>
-          <a:p>
-            <a:r>
-              <a:rPr lang="pt-BR" sz="2000" b="1" dirty="0" smtClean="0">
-                <a:solidFill>
-                  <a:schemeClr val="bg1"/>
-                </a:solidFill>
-                <a:latin typeface="GeoSlab703 MdCn BT" panose="02060506020205050403" pitchFamily="18" charset="0"/>
-              </a:rPr>
-              <a:t>	Futuramente </a:t>
-            </a:r>
-            <a:r>
-              <a:rPr lang="pt-BR" sz="2000" b="1" dirty="0">
-                <a:solidFill>
-                  <a:schemeClr val="bg1"/>
-                </a:solidFill>
-                <a:latin typeface="GeoSlab703 MdCn BT" panose="02060506020205050403" pitchFamily="18" charset="0"/>
-              </a:rPr>
-              <a:t>pretende-se desenvolver um app mobile do sistema Novateca, tanto para Android como para iOS, além de estar integrando a autenticação através de contas de redes sociais, como Google, Facebook, etc. e aprimorando ainda mais o desempenho e a experiência do usuário.</a:t>
-            </a:r>
-          </a:p>
-          <a:p>
+            <a:pPr marL="285750" indent="-285750">
+              <a:buFont typeface="Arial" panose="020B0604020202020204" pitchFamily="34" charset="0"/>
+              <a:buChar char="•"/>
+            </a:pPr>
             <a:endParaRPr lang="pt-BR" b="1" dirty="0">
               <a:solidFill>
                 <a:schemeClr val="bg1"/>
@@ -4028,29 +3719,276 @@
               <a:latin typeface="GeoSlab703 MdCn BT" panose="02060506020205050403" pitchFamily="18" charset="0"/>
             </a:endParaRPr>
           </a:p>
+          <a:p>
+            <a:endParaRPr lang="pt-BR" b="1" dirty="0">
+              <a:solidFill>
+                <a:schemeClr val="bg1"/>
+              </a:solidFill>
+              <a:latin typeface="GeoSlab703 MdCn BT" panose="02060506020205050403" pitchFamily="18" charset="0"/>
+            </a:endParaRPr>
+          </a:p>
+        </p:txBody>
+      </p:sp>
+      <p:sp>
+        <p:nvSpPr>
+          <p:cNvPr id="8" name="CaixaDeTexto 7">
+            <a:extLst>
+              <a:ext uri="{FF2B5EF4-FFF2-40B4-BE49-F238E27FC236}">
+                <a16:creationId xmlns:a16="http://schemas.microsoft.com/office/drawing/2014/main" id="{BB3442DA-6533-4669-937D-DD90B9F4D209}"/>
+              </a:ext>
+            </a:extLst>
+          </p:cNvPr>
+          <p:cNvSpPr txBox="1"/>
+          <p:nvPr/>
+        </p:nvSpPr>
+        <p:spPr>
+          <a:xfrm>
+            <a:off x="1802212" y="2093773"/>
+            <a:ext cx="7709195" cy="4216539"/>
+          </a:xfrm>
+          <a:prstGeom prst="rect">
+            <a:avLst/>
+          </a:prstGeom>
+          <a:noFill/>
+        </p:spPr>
+        <p:txBody>
+          <a:bodyPr wrap="square" rtlCol="0">
+            <a:spAutoFit/>
+          </a:bodyPr>
+          <a:lstStyle/>
+          <a:p>
+            <a:pPr lvl="0" algn="just"/>
+            <a:r>
+              <a:rPr lang="pt-BR" sz="2000" b="1" dirty="0">
+                <a:solidFill>
+                  <a:schemeClr val="bg1"/>
+                </a:solidFill>
+                <a:latin typeface="GeoSlab703 MdCn BT" panose="02060506020205050403" pitchFamily="18" charset="0"/>
+              </a:rPr>
+              <a:t>C# – Como linguagem de programação.</a:t>
+            </a:r>
+          </a:p>
+          <a:p>
+            <a:pPr lvl="0" algn="just"/>
+            <a:r>
+              <a:rPr lang="en-US" sz="2000" b="1" dirty="0">
+                <a:solidFill>
+                  <a:schemeClr val="bg1"/>
+                </a:solidFill>
+                <a:latin typeface="GeoSlab703 MdCn BT" panose="02060506020205050403" pitchFamily="18" charset="0"/>
+              </a:rPr>
+              <a:t>ASP.NET Core 2.1 – Como framework web.</a:t>
+            </a:r>
+            <a:endParaRPr lang="pt-BR" sz="2000" b="1" dirty="0">
+              <a:solidFill>
+                <a:schemeClr val="bg1"/>
+              </a:solidFill>
+              <a:latin typeface="GeoSlab703 MdCn BT" panose="02060506020205050403" pitchFamily="18" charset="0"/>
+            </a:endParaRPr>
+          </a:p>
+          <a:p>
+            <a:pPr lvl="0" algn="just"/>
+            <a:r>
+              <a:rPr lang="pt-BR" sz="2000" b="1" dirty="0">
+                <a:solidFill>
+                  <a:schemeClr val="bg1"/>
+                </a:solidFill>
+                <a:latin typeface="GeoSlab703 MdCn BT" panose="02060506020205050403" pitchFamily="18" charset="0"/>
+              </a:rPr>
+              <a:t>ASP.NET Core Identity 2.1 – Como sistema de associação.</a:t>
+            </a:r>
+          </a:p>
+          <a:p>
+            <a:pPr lvl="0" algn="just"/>
+            <a:r>
+              <a:rPr lang="en-US" sz="2000" b="1" dirty="0">
+                <a:solidFill>
+                  <a:schemeClr val="bg1"/>
+                </a:solidFill>
+                <a:latin typeface="GeoSlab703 MdCn BT" panose="02060506020205050403" pitchFamily="18" charset="0"/>
+              </a:rPr>
+              <a:t>Bootstrap 4.1 – Como framework front-end.</a:t>
+            </a:r>
+            <a:endParaRPr lang="pt-BR" sz="2000" b="1" dirty="0">
+              <a:solidFill>
+                <a:schemeClr val="bg1"/>
+              </a:solidFill>
+              <a:latin typeface="GeoSlab703 MdCn BT" panose="02060506020205050403" pitchFamily="18" charset="0"/>
+            </a:endParaRPr>
+          </a:p>
+          <a:p>
+            <a:pPr lvl="0" algn="just"/>
+            <a:r>
+              <a:rPr lang="pt-BR" sz="2000" b="1" dirty="0">
+                <a:solidFill>
+                  <a:schemeClr val="bg1"/>
+                </a:solidFill>
+                <a:latin typeface="GeoSlab703 MdCn BT" panose="02060506020205050403" pitchFamily="18" charset="0"/>
+              </a:rPr>
+              <a:t>Visual Studio 2017 – Como IDE de desenvolvimento.</a:t>
+            </a:r>
+          </a:p>
+          <a:p>
+            <a:pPr lvl="0" algn="just"/>
+            <a:r>
+              <a:rPr lang="pt-BR" sz="2000" b="1" dirty="0">
+                <a:solidFill>
+                  <a:schemeClr val="bg1"/>
+                </a:solidFill>
+                <a:latin typeface="GeoSlab703 MdCn BT" panose="02060506020205050403" pitchFamily="18" charset="0"/>
+              </a:rPr>
+              <a:t>Entity Framework Core 2.1 – Para persistência de dados.</a:t>
+            </a:r>
+          </a:p>
+          <a:p>
+            <a:pPr lvl="0" algn="just"/>
+            <a:r>
+              <a:rPr lang="pt-BR" sz="2000" b="1" dirty="0">
+                <a:solidFill>
+                  <a:schemeClr val="bg1"/>
+                </a:solidFill>
+                <a:latin typeface="GeoSlab703 MdCn BT" panose="02060506020205050403" pitchFamily="18" charset="0"/>
+              </a:rPr>
+              <a:t>Git – Para versionamento do código.</a:t>
+            </a:r>
+          </a:p>
+          <a:p>
+            <a:pPr lvl="0" algn="just"/>
+            <a:r>
+              <a:rPr lang="pt-BR" sz="2000" b="1" dirty="0">
+                <a:solidFill>
+                  <a:schemeClr val="bg1"/>
+                </a:solidFill>
+                <a:latin typeface="GeoSlab703 MdCn BT" panose="02060506020205050403" pitchFamily="18" charset="0"/>
+              </a:rPr>
+              <a:t>SQL Server 2016 – Como SGBD.</a:t>
+            </a:r>
+          </a:p>
+          <a:p>
+            <a:pPr lvl="0" algn="just"/>
+            <a:r>
+              <a:rPr lang="pt-BR" sz="2000" b="1" dirty="0">
+                <a:solidFill>
+                  <a:schemeClr val="bg1"/>
+                </a:solidFill>
+                <a:latin typeface="GeoSlab703 MdCn BT" panose="02060506020205050403" pitchFamily="18" charset="0"/>
+              </a:rPr>
+              <a:t>SQL Power Architect – Para modelar o banco de dados.</a:t>
+            </a:r>
+          </a:p>
+          <a:p>
+            <a:pPr lvl="0" algn="just"/>
+            <a:r>
+              <a:rPr lang="pt-BR" sz="2000" b="1" dirty="0">
+                <a:solidFill>
+                  <a:schemeClr val="bg1"/>
+                </a:solidFill>
+                <a:latin typeface="GeoSlab703 MdCn BT" panose="02060506020205050403" pitchFamily="18" charset="0"/>
+              </a:rPr>
+              <a:t>Corel Draw X8 – Para criar e trabalhar o layout, imagens ou texturas.</a:t>
+            </a:r>
+          </a:p>
+          <a:p>
+            <a:pPr lvl="0" algn="just"/>
+            <a:r>
+              <a:rPr lang="pt-BR" sz="2000" b="1" dirty="0">
+                <a:solidFill>
+                  <a:schemeClr val="bg1"/>
+                </a:solidFill>
+                <a:latin typeface="GeoSlab703 MdCn BT" panose="02060506020205050403" pitchFamily="18" charset="0"/>
+              </a:rPr>
+              <a:t>Lighthouse – Para medir o desempenho das páginas no navegador. </a:t>
+            </a:r>
+          </a:p>
+          <a:p>
+            <a:pPr lvl="1" algn="ctr"/>
+            <a:endParaRPr lang="pt-BR" sz="1400" b="1" dirty="0">
+              <a:solidFill>
+                <a:schemeClr val="bg1"/>
+              </a:solidFill>
+              <a:latin typeface="GeoSlab703 MdCn BT" panose="02060506020205050403" pitchFamily="18" charset="0"/>
+            </a:endParaRPr>
+          </a:p>
+          <a:p>
+            <a:pPr algn="ctr"/>
+            <a:endParaRPr lang="pt-BR" sz="1400" b="1" dirty="0">
+              <a:solidFill>
+                <a:schemeClr val="bg1"/>
+              </a:solidFill>
+              <a:latin typeface="GeoSlab703 MdCn BT" panose="02060506020205050403" pitchFamily="18" charset="0"/>
+            </a:endParaRPr>
+          </a:p>
+          <a:p>
+            <a:pPr algn="ctr"/>
+            <a:endParaRPr lang="pt-BR" sz="1600" b="1" dirty="0">
+              <a:solidFill>
+                <a:schemeClr val="bg1"/>
+              </a:solidFill>
+              <a:latin typeface="GeoSlab703 MdCn BT" panose="02060506020205050403" pitchFamily="18" charset="0"/>
+            </a:endParaRPr>
+          </a:p>
+        </p:txBody>
+      </p:sp>
+      <p:sp>
+        <p:nvSpPr>
+          <p:cNvPr id="10" name="CaixaDeTexto 9">
+            <a:extLst>
+              <a:ext uri="{FF2B5EF4-FFF2-40B4-BE49-F238E27FC236}">
+                <a16:creationId xmlns:a16="http://schemas.microsoft.com/office/drawing/2014/main" id="{6C8260D5-EF5C-47FC-BBDB-801B444727BC}"/>
+              </a:ext>
+            </a:extLst>
+          </p:cNvPr>
+          <p:cNvSpPr txBox="1"/>
+          <p:nvPr/>
+        </p:nvSpPr>
+        <p:spPr>
+          <a:xfrm>
+            <a:off x="632052" y="629357"/>
+            <a:ext cx="2340321" cy="584775"/>
+          </a:xfrm>
+          <a:prstGeom prst="rect">
+            <a:avLst/>
+          </a:prstGeom>
+          <a:noFill/>
+        </p:spPr>
+        <p:txBody>
+          <a:bodyPr wrap="none" rtlCol="0">
+            <a:spAutoFit/>
+          </a:bodyPr>
+          <a:lstStyle/>
+          <a:p>
+            <a:r>
+              <a:rPr lang="da-DK" sz="3200" b="1" dirty="0">
+                <a:solidFill>
+                  <a:schemeClr val="bg1"/>
+                </a:solidFill>
+                <a:latin typeface="GeoSlab703 MdCn BT" panose="02060506020205050403" pitchFamily="18" charset="0"/>
+              </a:rPr>
+              <a:t>METODOLOGIA</a:t>
+            </a:r>
+            <a:endParaRPr lang="pt-BR" sz="3200" b="1" dirty="0">
+              <a:solidFill>
+                <a:schemeClr val="bg1"/>
+              </a:solidFill>
+              <a:latin typeface="GeoSlab703 MdCn BT" panose="02060506020205050403" pitchFamily="18" charset="0"/>
+            </a:endParaRPr>
+          </a:p>
         </p:txBody>
       </p:sp>
     </p:spTree>
     <p:extLst>
       <p:ext uri="{BB962C8B-B14F-4D97-AF65-F5344CB8AC3E}">
-        <p14:creationId xmlns:p14="http://schemas.microsoft.com/office/powerpoint/2010/main" val="3568580986"/>
+        <p14:creationId xmlns:p14="http://schemas.microsoft.com/office/powerpoint/2010/main" val="1257469947"/>
       </p:ext>
     </p:extLst>
   </p:cSld>
   <p:clrMapOvr>
     <a:masterClrMapping/>
   </p:clrMapOvr>
-  <p:timing>
-    <p:tnLst>
-      <p:par>
-        <p:cTn id="1" dur="indefinite" restart="never" nodeType="tmRoot"/>
-      </p:par>
-    </p:tnLst>
-  </p:timing>
 </p:sld>
 </file>
 
-<file path=ppt/slides/slide12.xml><?xml version="1.0" encoding="utf-8"?>
+<file path=ppt/slides/slide11.xml><?xml version="1.0" encoding="utf-8"?>
 <p:sld xmlns:a="http://schemas.openxmlformats.org/drawingml/2006/main" xmlns:r="http://schemas.openxmlformats.org/officeDocument/2006/relationships" xmlns:p="http://schemas.openxmlformats.org/presentationml/2006/main">
   <p:cSld>
     <p:spTree>
@@ -4106,7 +4044,7 @@
         <p:spPr>
           <a:xfrm>
             <a:off x="632052" y="629357"/>
-            <a:ext cx="2345514" cy="584775"/>
+            <a:ext cx="4160883" cy="584775"/>
           </a:xfrm>
           <a:prstGeom prst="rect">
             <a:avLst/>
@@ -4126,9 +4064,9 @@
                 </a:solidFill>
                 <a:latin typeface="GeoSlab703 MdCn BT" panose="02060506020205050403" pitchFamily="18" charset="0"/>
               </a:rPr>
-              <a:t>REFERÊNCIAS</a:t>
-            </a:r>
-            <a:endParaRPr lang="pt-BR" sz="3200" b="1" dirty="0" smtClean="0">
+              <a:t>RESULTADOS E DISCUSSÃO</a:t>
+            </a:r>
+            <a:endParaRPr lang="pt-BR" sz="3200" b="1" dirty="0">
               <a:solidFill>
                 <a:schemeClr val="bg1"/>
               </a:solidFill>
@@ -4139,14 +4077,20 @@
       </p:sp>
       <p:sp>
         <p:nvSpPr>
-          <p:cNvPr id="5" name="CaixaDeTexto 4"/>
+          <p:cNvPr id="6" name="CaixaDeTexto 5">
+            <a:extLst>
+              <a:ext uri="{FF2B5EF4-FFF2-40B4-BE49-F238E27FC236}">
+                <a16:creationId xmlns:a16="http://schemas.microsoft.com/office/drawing/2014/main" id="{61EE9FFD-33CD-4547-99B0-AC57D6BA8917}"/>
+              </a:ext>
+            </a:extLst>
+          </p:cNvPr>
           <p:cNvSpPr txBox="1"/>
           <p:nvPr/>
         </p:nvSpPr>
         <p:spPr>
           <a:xfrm>
-            <a:off x="938415" y="1422250"/>
-            <a:ext cx="7709195" cy="5447645"/>
+            <a:off x="1675911" y="2614030"/>
+            <a:ext cx="4014240" cy="646331"/>
           </a:xfrm>
           <a:prstGeom prst="rect">
             <a:avLst/>
@@ -4154,353 +4098,43 @@
           <a:noFill/>
         </p:spPr>
         <p:txBody>
-          <a:bodyPr wrap="square" rtlCol="0">
+          <a:bodyPr wrap="none" rtlCol="0">
             <a:spAutoFit/>
           </a:bodyPr>
           <a:lstStyle/>
           <a:p>
             <a:r>
-              <a:rPr lang="pt-BR" sz="1400" dirty="0">
-                <a:solidFill>
-                  <a:schemeClr val="bg1"/>
-                </a:solidFill>
-              </a:rPr>
-              <a:t>BARROS, Moreno. </a:t>
-            </a:r>
-            <a:r>
-              <a:rPr lang="pt-BR" sz="1400" b="1" dirty="0">
-                <a:solidFill>
-                  <a:schemeClr val="bg1"/>
-                </a:solidFill>
-              </a:rPr>
-              <a:t>Software de Automação de Bibliotecas</a:t>
-            </a:r>
-            <a:r>
-              <a:rPr lang="pt-BR" sz="1400" dirty="0">
-                <a:solidFill>
-                  <a:schemeClr val="bg1"/>
-                </a:solidFill>
-              </a:rPr>
-              <a:t>. Disponível em: &lt;https://bsf.org.br/2009/09/02/sistemas-softwares-de-organizacao-gerenciamento-automacao-de-bibliotecas/&gt; . Acesso em 19 de junho de 2017.</a:t>
-            </a:r>
-            <a:endParaRPr lang="pt-BR" sz="1400" dirty="0">
+              <a:rPr lang="da-DK" sz="3600" b="1" dirty="0">
+                <a:solidFill>
+                  <a:schemeClr val="bg1"/>
+                </a:solidFill>
+                <a:latin typeface="GeoSlab703 MdCn BT" panose="02060506020205050403" pitchFamily="18" charset="0"/>
+              </a:rPr>
+              <a:t>Apresentação do sistema.</a:t>
+            </a:r>
+            <a:endParaRPr lang="pt-BR" sz="3600" b="1" dirty="0">
               <a:solidFill>
                 <a:schemeClr val="bg1"/>
               </a:solidFill>
+              <a:latin typeface="GeoSlab703 MdCn BT" panose="02060506020205050403" pitchFamily="18" charset="0"/>
             </a:endParaRPr>
-          </a:p>
-          <a:p>
-            <a:r>
-              <a:rPr lang="pt-BR" sz="1400" dirty="0">
-                <a:solidFill>
-                  <a:schemeClr val="bg1"/>
-                </a:solidFill>
-              </a:rPr>
-              <a:t>   </a:t>
-            </a:r>
-            <a:endParaRPr lang="pt-BR" sz="1400" dirty="0">
-              <a:solidFill>
-                <a:schemeClr val="bg1"/>
-              </a:solidFill>
-            </a:endParaRPr>
-          </a:p>
-          <a:p>
-            <a:r>
-              <a:rPr lang="pt-BR" sz="1400" dirty="0">
-                <a:solidFill>
-                  <a:schemeClr val="bg1"/>
-                </a:solidFill>
-              </a:rPr>
-              <a:t>PRADO, Heloísa de Almeida. </a:t>
-            </a:r>
-            <a:r>
-              <a:rPr lang="pt-BR" sz="1400" b="1" dirty="0">
-                <a:solidFill>
-                  <a:schemeClr val="bg1"/>
-                </a:solidFill>
-              </a:rPr>
-              <a:t>Organização e Administração de Bibliotecas.</a:t>
-            </a:r>
-            <a:r>
-              <a:rPr lang="pt-BR" sz="1400" dirty="0">
-                <a:solidFill>
-                  <a:schemeClr val="bg1"/>
-                </a:solidFill>
-              </a:rPr>
-              <a:t> 2º edição. São Paulo: T.A. Queiroz, EDITOR, LTDA, 2000. 209p</a:t>
-            </a:r>
-            <a:r>
-              <a:rPr lang="pt-BR" sz="1400" dirty="0" smtClean="0">
-                <a:solidFill>
-                  <a:schemeClr val="bg1"/>
-                </a:solidFill>
-              </a:rPr>
-              <a:t>.</a:t>
-            </a:r>
-          </a:p>
-          <a:p>
-            <a:endParaRPr lang="pt-BR" sz="1400" dirty="0">
-              <a:solidFill>
-                <a:schemeClr val="bg1"/>
-              </a:solidFill>
-            </a:endParaRPr>
-          </a:p>
-          <a:p>
-            <a:r>
-              <a:rPr lang="pt-BR" sz="1400" dirty="0">
-                <a:solidFill>
-                  <a:schemeClr val="bg1"/>
-                </a:solidFill>
-              </a:rPr>
-              <a:t>SALARELLI, Alberto; TAMMARO, Anna Maria. </a:t>
-            </a:r>
-            <a:r>
-              <a:rPr lang="pt-BR" sz="1400" b="1" dirty="0">
-                <a:solidFill>
-                  <a:schemeClr val="bg1"/>
-                </a:solidFill>
-              </a:rPr>
-              <a:t>A Biblioteca Digital. </a:t>
-            </a:r>
-            <a:r>
-              <a:rPr lang="pt-BR" sz="1400" dirty="0">
-                <a:solidFill>
-                  <a:schemeClr val="bg1"/>
-                </a:solidFill>
-              </a:rPr>
-              <a:t>Brasília:</a:t>
-            </a:r>
-            <a:r>
-              <a:rPr lang="pt-BR" sz="1400" b="1" dirty="0">
-                <a:solidFill>
-                  <a:schemeClr val="bg1"/>
-                </a:solidFill>
-              </a:rPr>
-              <a:t> </a:t>
-            </a:r>
-            <a:r>
-              <a:rPr lang="pt-BR" sz="1400" dirty="0">
-                <a:solidFill>
-                  <a:schemeClr val="bg1"/>
-                </a:solidFill>
-              </a:rPr>
-              <a:t>Bridge de Lemos, 2008. 378p.</a:t>
-            </a:r>
-          </a:p>
-          <a:p>
-            <a:r>
-              <a:rPr lang="pt-BR" sz="1400" dirty="0">
-                <a:solidFill>
-                  <a:schemeClr val="bg1"/>
-                </a:solidFill>
-              </a:rPr>
-              <a:t> </a:t>
-            </a:r>
-          </a:p>
-          <a:p>
-            <a:r>
-              <a:rPr lang="pt-BR" sz="1400" dirty="0">
-                <a:solidFill>
-                  <a:schemeClr val="bg1"/>
-                </a:solidFill>
-              </a:rPr>
-              <a:t>VIEIRA, Ronaldo. </a:t>
-            </a:r>
-            <a:r>
-              <a:rPr lang="pt-BR" sz="1400" b="1" dirty="0">
-                <a:solidFill>
-                  <a:schemeClr val="bg1"/>
-                </a:solidFill>
-              </a:rPr>
-              <a:t>Introdução à Teoria Geral da Biblioteconomia</a:t>
-            </a:r>
-            <a:r>
-              <a:rPr lang="pt-BR" sz="1400" dirty="0">
-                <a:solidFill>
-                  <a:schemeClr val="bg1"/>
-                </a:solidFill>
-              </a:rPr>
-              <a:t>. Rio de Janeiro: </a:t>
-            </a:r>
-            <a:r>
-              <a:rPr lang="pt-BR" sz="1400" dirty="0" err="1">
-                <a:solidFill>
-                  <a:schemeClr val="bg1"/>
-                </a:solidFill>
-              </a:rPr>
-              <a:t>Interciência</a:t>
-            </a:r>
-            <a:r>
-              <a:rPr lang="pt-BR" sz="1400" dirty="0">
-                <a:solidFill>
-                  <a:schemeClr val="bg1"/>
-                </a:solidFill>
-              </a:rPr>
-              <a:t> </a:t>
-            </a:r>
-            <a:r>
-              <a:rPr lang="pt-BR" sz="1400" dirty="0" err="1">
-                <a:solidFill>
-                  <a:schemeClr val="bg1"/>
-                </a:solidFill>
-              </a:rPr>
-              <a:t>Ltda</a:t>
-            </a:r>
-            <a:r>
-              <a:rPr lang="pt-BR" sz="1400" dirty="0">
-                <a:solidFill>
-                  <a:schemeClr val="bg1"/>
-                </a:solidFill>
-              </a:rPr>
-              <a:t>, 2014. 330p</a:t>
-            </a:r>
-            <a:r>
-              <a:rPr lang="pt-BR" sz="1400" dirty="0" smtClean="0">
-                <a:solidFill>
-                  <a:schemeClr val="bg1"/>
-                </a:solidFill>
-              </a:rPr>
-              <a:t>.</a:t>
-            </a:r>
-          </a:p>
-          <a:p>
-            <a:endParaRPr lang="pt-BR" sz="1400" dirty="0">
-              <a:solidFill>
-                <a:schemeClr val="bg1"/>
-              </a:solidFill>
-            </a:endParaRPr>
-          </a:p>
-          <a:p>
-            <a:r>
-              <a:rPr lang="pt-BR" sz="1400" dirty="0">
-                <a:solidFill>
-                  <a:schemeClr val="bg1"/>
-                </a:solidFill>
-              </a:rPr>
-              <a:t>Microsoft. Tutoriais do ASP.NET Core. Disponível em: &lt;https://docs.microsoft.com/pt-br/aspnet/core/tutorials/?view=aspnetcore-2.1&gt;. Acesso em 12 de agosto de 2018.</a:t>
-            </a:r>
-          </a:p>
-          <a:p>
-            <a:r>
-              <a:rPr lang="pt-BR" sz="1400" dirty="0">
-                <a:solidFill>
-                  <a:schemeClr val="bg1"/>
-                </a:solidFill>
-              </a:rPr>
-              <a:t> </a:t>
-            </a:r>
-          </a:p>
-          <a:p>
-            <a:r>
-              <a:rPr lang="pt-BR" sz="1400" dirty="0">
-                <a:solidFill>
-                  <a:schemeClr val="bg1"/>
-                </a:solidFill>
-              </a:rPr>
-              <a:t>Eduardo Pires Treinamentos e Consultorias. </a:t>
-            </a:r>
-            <a:r>
-              <a:rPr lang="pt-BR" sz="1400" b="1" dirty="0">
-                <a:solidFill>
-                  <a:schemeClr val="bg1"/>
-                </a:solidFill>
-              </a:rPr>
-              <a:t>ASP.NET Identity – Tutorial Completo – Demos, Vídeo, Slides</a:t>
-            </a:r>
-            <a:r>
-              <a:rPr lang="pt-BR" sz="1400" dirty="0">
-                <a:solidFill>
-                  <a:schemeClr val="bg1"/>
-                </a:solidFill>
-              </a:rPr>
-              <a:t>. Disponível em: &lt;http://www.eduardopires.net.br/2014/08/asp-net-identity-tutorial-completo/&gt;. Acesso em 19 de agosto de 2018.</a:t>
-            </a:r>
-          </a:p>
-          <a:p>
-            <a:r>
-              <a:rPr lang="pt-BR" sz="1400" dirty="0">
-                <a:solidFill>
-                  <a:schemeClr val="bg1"/>
-                </a:solidFill>
-              </a:rPr>
-              <a:t> </a:t>
-            </a:r>
-          </a:p>
-          <a:p>
-            <a:r>
-              <a:rPr lang="pt-BR" sz="1400" dirty="0">
-                <a:solidFill>
-                  <a:schemeClr val="bg1"/>
-                </a:solidFill>
-              </a:rPr>
-              <a:t>Google. </a:t>
-            </a:r>
-            <a:r>
-              <a:rPr lang="pt-BR" sz="1400" b="1" dirty="0">
-                <a:solidFill>
-                  <a:schemeClr val="bg1"/>
-                </a:solidFill>
-              </a:rPr>
-              <a:t>Auditar apps da Web com o Lighthouse</a:t>
-            </a:r>
-            <a:r>
-              <a:rPr lang="pt-BR" sz="1400" dirty="0">
-                <a:solidFill>
-                  <a:schemeClr val="bg1"/>
-                </a:solidFill>
-              </a:rPr>
-              <a:t>. Disponível em: &lt;https://developers.google.com/web/tools/lighthouse/?hl=pt-br&gt;. Acesso em 30 de setembro de 2018.</a:t>
-            </a:r>
-            <a:endParaRPr lang="pt-BR" sz="1400" b="1" dirty="0">
-              <a:solidFill>
-                <a:schemeClr val="bg1"/>
-              </a:solidFill>
-            </a:endParaRPr>
-          </a:p>
-          <a:p>
-            <a:endParaRPr lang="pt-BR" dirty="0">
-              <a:solidFill>
-                <a:schemeClr val="bg1"/>
-              </a:solidFill>
-            </a:endParaRPr>
-          </a:p>
-          <a:p>
-            <a:endParaRPr lang="pt-BR" dirty="0">
-              <a:solidFill>
-                <a:schemeClr val="bg1"/>
-              </a:solidFill>
-            </a:endParaRPr>
-          </a:p>
-          <a:p>
-            <a:r>
-              <a:rPr lang="pt-BR" dirty="0"/>
-              <a:t> </a:t>
-            </a:r>
-            <a:endParaRPr lang="pt-BR" dirty="0"/>
           </a:p>
         </p:txBody>
       </p:sp>
     </p:spTree>
     <p:extLst>
       <p:ext uri="{BB962C8B-B14F-4D97-AF65-F5344CB8AC3E}">
-        <p14:creationId xmlns:p14="http://schemas.microsoft.com/office/powerpoint/2010/main" val="1251242744"/>
+        <p14:creationId xmlns:p14="http://schemas.microsoft.com/office/powerpoint/2010/main" val="1748598288"/>
       </p:ext>
     </p:extLst>
   </p:cSld>
   <p:clrMapOvr>
     <a:masterClrMapping/>
   </p:clrMapOvr>
-  <p:timing>
-    <p:tnLst>
-      <p:par>
-        <p:cTn id="1" dur="indefinite" restart="never" nodeType="tmRoot"/>
-      </p:par>
-    </p:tnLst>
-  </p:timing>
 </p:sld>
 </file>
 
-<file path=ppt/slides/slide13.xml><?xml version="1.0" encoding="utf-8"?>
+<file path=ppt/slides/slide12.xml><?xml version="1.0" encoding="utf-8"?>
 <p:sld xmlns:a="http://schemas.openxmlformats.org/drawingml/2006/main" xmlns:r="http://schemas.openxmlformats.org/officeDocument/2006/relationships" xmlns:p="http://schemas.openxmlformats.org/presentationml/2006/main">
   <p:cSld>
     <p:spTree>
@@ -4542,7 +4176,7 @@
             <a:r>
               <a:rPr lang="pt-BR" b="1" dirty="0" err="1">
                 <a:solidFill>
-                  <a:prstClr val="white"/>
+                  <a:schemeClr val="bg1"/>
                 </a:solidFill>
                 <a:latin typeface="GeoSlab703 MdCn BT" panose="02060506020205050403" pitchFamily="18" charset="0"/>
               </a:rPr>
@@ -4551,7 +4185,7 @@
             <a:r>
               <a:rPr lang="pt-BR" b="1" dirty="0">
                 <a:solidFill>
-                  <a:prstClr val="white"/>
+                  <a:schemeClr val="bg1"/>
                 </a:solidFill>
                 <a:latin typeface="GeoSlab703 MdCn BT" panose="02060506020205050403" pitchFamily="18" charset="0"/>
               </a:rPr>
@@ -4560,7 +4194,7 @@
             <a:r>
               <a:rPr lang="pt-BR" b="1" dirty="0" err="1">
                 <a:solidFill>
-                  <a:prstClr val="white"/>
+                  <a:schemeClr val="bg1"/>
                 </a:solidFill>
                 <a:latin typeface="GeoSlab703 MdCn BT" panose="02060506020205050403" pitchFamily="18" charset="0"/>
               </a:rPr>
@@ -4569,7 +4203,7 @@
             <a:r>
               <a:rPr lang="pt-BR" b="1" dirty="0">
                 <a:solidFill>
-                  <a:prstClr val="white"/>
+                  <a:schemeClr val="bg1"/>
                 </a:solidFill>
                 <a:latin typeface="GeoSlab703 MdCn BT" panose="02060506020205050403" pitchFamily="18" charset="0"/>
               </a:rPr>
@@ -4578,7 +4212,7 @@
             <a:r>
               <a:rPr lang="pt-BR" b="1" dirty="0" err="1">
                 <a:solidFill>
-                  <a:prstClr val="white"/>
+                  <a:schemeClr val="bg1"/>
                 </a:solidFill>
                 <a:latin typeface="GeoSlab703 MdCn BT" panose="02060506020205050403" pitchFamily="18" charset="0"/>
               </a:rPr>
@@ -4587,7 +4221,7 @@
             <a:r>
               <a:rPr lang="pt-BR" b="1" dirty="0">
                 <a:solidFill>
-                  <a:prstClr val="white"/>
+                  <a:schemeClr val="bg1"/>
                 </a:solidFill>
                 <a:latin typeface="GeoSlab703 MdCn BT" panose="02060506020205050403" pitchFamily="18" charset="0"/>
               </a:rPr>
@@ -4596,7 +4230,7 @@
             <a:r>
               <a:rPr lang="pt-BR" b="1" dirty="0" err="1">
                 <a:solidFill>
-                  <a:prstClr val="white"/>
+                  <a:schemeClr val="bg1"/>
                 </a:solidFill>
                 <a:latin typeface="GeoSlab703 MdCn BT" panose="02060506020205050403" pitchFamily="18" charset="0"/>
               </a:rPr>
@@ -4605,7 +4239,7 @@
             <a:r>
               <a:rPr lang="pt-BR" b="1" dirty="0">
                 <a:solidFill>
-                  <a:prstClr val="white"/>
+                  <a:schemeClr val="bg1"/>
                 </a:solidFill>
                 <a:latin typeface="GeoSlab703 MdCn BT" panose="02060506020205050403" pitchFamily="18" charset="0"/>
               </a:rPr>
@@ -4614,7 +4248,7 @@
             <a:r>
               <a:rPr lang="pt-BR" b="1" dirty="0" err="1">
                 <a:solidFill>
-                  <a:prstClr val="white"/>
+                  <a:schemeClr val="bg1"/>
                 </a:solidFill>
                 <a:latin typeface="GeoSlab703 MdCn BT" panose="02060506020205050403" pitchFamily="18" charset="0"/>
               </a:rPr>
@@ -4623,7 +4257,7 @@
             <a:r>
               <a:rPr lang="pt-BR" b="1" dirty="0">
                 <a:solidFill>
-                  <a:prstClr val="white"/>
+                  <a:schemeClr val="bg1"/>
                 </a:solidFill>
                 <a:latin typeface="GeoSlab703 MdCn BT" panose="02060506020205050403" pitchFamily="18" charset="0"/>
               </a:rPr>
@@ -4632,7 +4266,7 @@
             <a:r>
               <a:rPr lang="pt-BR" b="1" dirty="0" err="1">
                 <a:solidFill>
-                  <a:prstClr val="white"/>
+                  <a:schemeClr val="bg1"/>
                 </a:solidFill>
                 <a:latin typeface="GeoSlab703 MdCn BT" panose="02060506020205050403" pitchFamily="18" charset="0"/>
               </a:rPr>
@@ -4641,7 +4275,7 @@
             <a:r>
               <a:rPr lang="pt-BR" b="1" dirty="0">
                 <a:solidFill>
-                  <a:prstClr val="white"/>
+                  <a:schemeClr val="bg1"/>
                 </a:solidFill>
                 <a:latin typeface="GeoSlab703 MdCn BT" panose="02060506020205050403" pitchFamily="18" charset="0"/>
               </a:rPr>
@@ -4650,7 +4284,7 @@
             <a:r>
               <a:rPr lang="pt-BR" b="1" dirty="0" err="1">
                 <a:solidFill>
-                  <a:prstClr val="white"/>
+                  <a:schemeClr val="bg1"/>
                 </a:solidFill>
                 <a:latin typeface="GeoSlab703 MdCn BT" panose="02060506020205050403" pitchFamily="18" charset="0"/>
               </a:rPr>
@@ -4659,7 +4293,7 @@
             <a:r>
               <a:rPr lang="pt-BR" b="1" dirty="0">
                 <a:solidFill>
-                  <a:prstClr val="white"/>
+                  <a:schemeClr val="bg1"/>
                 </a:solidFill>
                 <a:latin typeface="GeoSlab703 MdCn BT" panose="02060506020205050403" pitchFamily="18" charset="0"/>
               </a:rPr>
@@ -4668,7 +4302,7 @@
             <a:r>
               <a:rPr lang="pt-BR" b="1" dirty="0" err="1">
                 <a:solidFill>
-                  <a:prstClr val="white"/>
+                  <a:schemeClr val="bg1"/>
                 </a:solidFill>
                 <a:latin typeface="GeoSlab703 MdCn BT" panose="02060506020205050403" pitchFamily="18" charset="0"/>
               </a:rPr>
@@ -4677,7 +4311,7 @@
             <a:r>
               <a:rPr lang="pt-BR" b="1" dirty="0">
                 <a:solidFill>
-                  <a:prstClr val="white"/>
+                  <a:schemeClr val="bg1"/>
                 </a:solidFill>
                 <a:latin typeface="GeoSlab703 MdCn BT" panose="02060506020205050403" pitchFamily="18" charset="0"/>
               </a:rPr>
@@ -4686,7 +4320,7 @@
             <a:r>
               <a:rPr lang="pt-BR" b="1" dirty="0" err="1">
                 <a:solidFill>
-                  <a:prstClr val="white"/>
+                  <a:schemeClr val="bg1"/>
                 </a:solidFill>
                 <a:latin typeface="GeoSlab703 MdCn BT" panose="02060506020205050403" pitchFamily="18" charset="0"/>
               </a:rPr>
@@ -4695,7 +4329,7 @@
             <a:r>
               <a:rPr lang="pt-BR" b="1" dirty="0">
                 <a:solidFill>
-                  <a:prstClr val="white"/>
+                  <a:schemeClr val="bg1"/>
                 </a:solidFill>
                 <a:latin typeface="GeoSlab703 MdCn BT" panose="02060506020205050403" pitchFamily="18" charset="0"/>
               </a:rPr>
@@ -4704,7 +4338,7 @@
             <a:r>
               <a:rPr lang="pt-BR" b="1" dirty="0" err="1">
                 <a:solidFill>
-                  <a:prstClr val="white"/>
+                  <a:schemeClr val="bg1"/>
                 </a:solidFill>
                 <a:latin typeface="GeoSlab703 MdCn BT" panose="02060506020205050403" pitchFamily="18" charset="0"/>
               </a:rPr>
@@ -4713,7 +4347,7 @@
             <a:r>
               <a:rPr lang="pt-BR" b="1" dirty="0">
                 <a:solidFill>
-                  <a:prstClr val="white"/>
+                  <a:schemeClr val="bg1"/>
                 </a:solidFill>
                 <a:latin typeface="GeoSlab703 MdCn BT" panose="02060506020205050403" pitchFamily="18" charset="0"/>
               </a:rPr>
@@ -4722,7 +4356,7 @@
             <a:r>
               <a:rPr lang="pt-BR" b="1" dirty="0" err="1">
                 <a:solidFill>
-                  <a:prstClr val="white"/>
+                  <a:schemeClr val="bg1"/>
                 </a:solidFill>
                 <a:latin typeface="GeoSlab703 MdCn BT" panose="02060506020205050403" pitchFamily="18" charset="0"/>
               </a:rPr>
@@ -4731,7 +4365,7 @@
             <a:r>
               <a:rPr lang="pt-BR" b="1" dirty="0">
                 <a:solidFill>
-                  <a:prstClr val="white"/>
+                  <a:schemeClr val="bg1"/>
                 </a:solidFill>
                 <a:latin typeface="GeoSlab703 MdCn BT" panose="02060506020205050403" pitchFamily="18" charset="0"/>
               </a:rPr>
@@ -4740,7 +4374,7 @@
             <a:r>
               <a:rPr lang="pt-BR" b="1" dirty="0" err="1">
                 <a:solidFill>
-                  <a:prstClr val="white"/>
+                  <a:schemeClr val="bg1"/>
                 </a:solidFill>
                 <a:latin typeface="GeoSlab703 MdCn BT" panose="02060506020205050403" pitchFamily="18" charset="0"/>
               </a:rPr>
@@ -4749,7 +4383,7 @@
             <a:r>
               <a:rPr lang="pt-BR" b="1" dirty="0">
                 <a:solidFill>
-                  <a:prstClr val="white"/>
+                  <a:schemeClr val="bg1"/>
                 </a:solidFill>
                 <a:latin typeface="GeoSlab703 MdCn BT" panose="02060506020205050403" pitchFamily="18" charset="0"/>
               </a:rPr>
@@ -4758,16 +4392,16 @@
             <a:r>
               <a:rPr lang="pt-BR" b="1" dirty="0" err="1">
                 <a:solidFill>
-                  <a:prstClr val="white"/>
+                  <a:schemeClr val="bg1"/>
                 </a:solidFill>
                 <a:latin typeface="GeoSlab703 MdCn BT" panose="02060506020205050403" pitchFamily="18" charset="0"/>
               </a:rPr>
               <a:t>cursus</a:t>
             </a:r>
             <a:r>
-              <a:rPr lang="pt-BR" b="1" dirty="0" smtClean="0">
-                <a:solidFill>
-                  <a:prstClr val="white"/>
+              <a:rPr lang="pt-BR" b="1" dirty="0">
+                <a:solidFill>
+                  <a:schemeClr val="bg1"/>
                 </a:solidFill>
                 <a:latin typeface="GeoSlab703 MdCn BT" panose="02060506020205050403" pitchFamily="18" charset="0"/>
               </a:rPr>
@@ -4776,18 +4410,18 @@
           </a:p>
           <a:p>
             <a:r>
-              <a:rPr lang="pt-BR" b="1" dirty="0" err="1" smtClean="0">
-                <a:solidFill>
-                  <a:prstClr val="white"/>
+              <a:rPr lang="pt-BR" b="1" dirty="0" err="1">
+                <a:solidFill>
+                  <a:schemeClr val="bg1"/>
                 </a:solidFill>
                 <a:latin typeface="GeoSlab703 MdCn BT" panose="02060506020205050403" pitchFamily="18" charset="0"/>
               </a:rPr>
               <a:t>Morbi</a:t>
             </a:r>
             <a:r>
-              <a:rPr lang="pt-BR" b="1" dirty="0" smtClean="0">
-                <a:solidFill>
-                  <a:prstClr val="white"/>
+              <a:rPr lang="pt-BR" b="1" dirty="0">
+                <a:solidFill>
+                  <a:schemeClr val="bg1"/>
                 </a:solidFill>
                 <a:latin typeface="GeoSlab703 MdCn BT" panose="02060506020205050403" pitchFamily="18" charset="0"/>
               </a:rPr>
@@ -4796,7 +4430,7 @@
             <a:r>
               <a:rPr lang="pt-BR" b="1" dirty="0" err="1">
                 <a:solidFill>
-                  <a:prstClr val="white"/>
+                  <a:schemeClr val="bg1"/>
                 </a:solidFill>
                 <a:latin typeface="GeoSlab703 MdCn BT" panose="02060506020205050403" pitchFamily="18" charset="0"/>
               </a:rPr>
@@ -4805,7 +4439,7 @@
             <a:r>
               <a:rPr lang="pt-BR" b="1" dirty="0">
                 <a:solidFill>
-                  <a:prstClr val="white"/>
+                  <a:schemeClr val="bg1"/>
                 </a:solidFill>
                 <a:latin typeface="GeoSlab703 MdCn BT" panose="02060506020205050403" pitchFamily="18" charset="0"/>
               </a:rPr>
@@ -4814,7 +4448,7 @@
             <a:r>
               <a:rPr lang="pt-BR" b="1" dirty="0" err="1">
                 <a:solidFill>
-                  <a:prstClr val="white"/>
+                  <a:schemeClr val="bg1"/>
                 </a:solidFill>
                 <a:latin typeface="GeoSlab703 MdCn BT" panose="02060506020205050403" pitchFamily="18" charset="0"/>
               </a:rPr>
@@ -4823,7 +4457,7 @@
             <a:r>
               <a:rPr lang="pt-BR" b="1" dirty="0">
                 <a:solidFill>
-                  <a:prstClr val="white"/>
+                  <a:schemeClr val="bg1"/>
                 </a:solidFill>
                 <a:latin typeface="GeoSlab703 MdCn BT" panose="02060506020205050403" pitchFamily="18" charset="0"/>
               </a:rPr>
@@ -4832,7 +4466,7 @@
             <a:r>
               <a:rPr lang="pt-BR" b="1" dirty="0" err="1">
                 <a:solidFill>
-                  <a:prstClr val="white"/>
+                  <a:schemeClr val="bg1"/>
                 </a:solidFill>
                 <a:latin typeface="GeoSlab703 MdCn BT" panose="02060506020205050403" pitchFamily="18" charset="0"/>
               </a:rPr>
@@ -4841,7 +4475,7 @@
             <a:r>
               <a:rPr lang="pt-BR" b="1" dirty="0">
                 <a:solidFill>
-                  <a:prstClr val="white"/>
+                  <a:schemeClr val="bg1"/>
                 </a:solidFill>
                 <a:latin typeface="GeoSlab703 MdCn BT" panose="02060506020205050403" pitchFamily="18" charset="0"/>
               </a:rPr>
@@ -4850,7 +4484,7 @@
             <a:r>
               <a:rPr lang="pt-BR" b="1" dirty="0" err="1">
                 <a:solidFill>
-                  <a:prstClr val="white"/>
+                  <a:schemeClr val="bg1"/>
                 </a:solidFill>
                 <a:latin typeface="GeoSlab703 MdCn BT" panose="02060506020205050403" pitchFamily="18" charset="0"/>
               </a:rPr>
@@ -4859,7 +4493,7 @@
             <a:r>
               <a:rPr lang="pt-BR" b="1" dirty="0">
                 <a:solidFill>
-                  <a:prstClr val="white"/>
+                  <a:schemeClr val="bg1"/>
                 </a:solidFill>
                 <a:latin typeface="GeoSlab703 MdCn BT" panose="02060506020205050403" pitchFamily="18" charset="0"/>
               </a:rPr>
@@ -4868,7 +4502,7 @@
             <a:r>
               <a:rPr lang="pt-BR" b="1" dirty="0" err="1">
                 <a:solidFill>
-                  <a:prstClr val="white"/>
+                  <a:schemeClr val="bg1"/>
                 </a:solidFill>
                 <a:latin typeface="GeoSlab703 MdCn BT" panose="02060506020205050403" pitchFamily="18" charset="0"/>
               </a:rPr>
@@ -4877,7 +4511,7 @@
             <a:r>
               <a:rPr lang="pt-BR" b="1" dirty="0">
                 <a:solidFill>
-                  <a:prstClr val="white"/>
+                  <a:schemeClr val="bg1"/>
                 </a:solidFill>
                 <a:latin typeface="GeoSlab703 MdCn BT" panose="02060506020205050403" pitchFamily="18" charset="0"/>
               </a:rPr>
@@ -4886,7 +4520,7 @@
             <a:r>
               <a:rPr lang="pt-BR" b="1" dirty="0" err="1">
                 <a:solidFill>
-                  <a:prstClr val="white"/>
+                  <a:schemeClr val="bg1"/>
                 </a:solidFill>
                 <a:latin typeface="GeoSlab703 MdCn BT" panose="02060506020205050403" pitchFamily="18" charset="0"/>
               </a:rPr>
@@ -4895,7 +4529,7 @@
             <a:r>
               <a:rPr lang="pt-BR" b="1" dirty="0">
                 <a:solidFill>
-                  <a:prstClr val="white"/>
+                  <a:schemeClr val="bg1"/>
                 </a:solidFill>
                 <a:latin typeface="GeoSlab703 MdCn BT" panose="02060506020205050403" pitchFamily="18" charset="0"/>
               </a:rPr>
@@ -4904,7 +4538,7 @@
             <a:r>
               <a:rPr lang="pt-BR" b="1" dirty="0" err="1">
                 <a:solidFill>
-                  <a:prstClr val="white"/>
+                  <a:schemeClr val="bg1"/>
                 </a:solidFill>
                 <a:latin typeface="GeoSlab703 MdCn BT" panose="02060506020205050403" pitchFamily="18" charset="0"/>
               </a:rPr>
@@ -4913,18 +4547,12 @@
             <a:r>
               <a:rPr lang="pt-BR" b="1" dirty="0">
                 <a:solidFill>
-                  <a:prstClr val="white"/>
+                  <a:schemeClr val="bg1"/>
                 </a:solidFill>
                 <a:latin typeface="GeoSlab703 MdCn BT" panose="02060506020205050403" pitchFamily="18" charset="0"/>
               </a:rPr>
               <a:t>.</a:t>
             </a:r>
-            <a:endParaRPr lang="pt-BR" b="1" dirty="0" smtClean="0">
-              <a:solidFill>
-                <a:prstClr val="white"/>
-              </a:solidFill>
-              <a:latin typeface="GeoSlab703 MdCn BT" panose="02060506020205050403" pitchFamily="18" charset="0"/>
-            </a:endParaRPr>
           </a:p>
         </p:txBody>
       </p:sp>
@@ -4996,8 +4624,8 @@
         </p:nvSpPr>
         <p:spPr>
           <a:xfrm>
-            <a:off x="2706239" y="636545"/>
-            <a:ext cx="4192751" cy="584775"/>
+            <a:off x="631515" y="658699"/>
+            <a:ext cx="1861279" cy="523220"/>
           </a:xfrm>
           <a:prstGeom prst="rect">
             <a:avLst/>
@@ -5010,29 +4638,34 @@
           </a:bodyPr>
           <a:lstStyle/>
           <a:p>
-            <a:pPr algn="ctr"/>
-            <a:r>
-              <a:rPr lang="pt-BR" sz="3200" b="1" dirty="0" smtClean="0">
-                <a:solidFill>
-                  <a:prstClr val="white"/>
-                </a:solidFill>
-                <a:latin typeface="GeoSlab703 MdCn BT" panose="02060506020205050403" pitchFamily="18" charset="0"/>
-              </a:rPr>
-              <a:t>AGRADECIMENTOS</a:t>
-            </a:r>
-          </a:p>
-        </p:txBody>
-      </p:sp>
-      <p:sp>
-        <p:nvSpPr>
-          <p:cNvPr id="6" name="CaixaDeTexto 5"/>
+            <a:r>
+              <a:rPr lang="da-DK" sz="2800" b="1" dirty="0">
+                <a:solidFill>
+                  <a:schemeClr val="bg1"/>
+                </a:solidFill>
+                <a:latin typeface="GeoSlab703 MdCn BT" panose="02060506020205050403" pitchFamily="18" charset="0"/>
+              </a:rPr>
+              <a:t>CONCLUSÕES</a:t>
+            </a:r>
+            <a:endParaRPr lang="pt-BR" sz="2800" b="1" dirty="0">
+              <a:solidFill>
+                <a:schemeClr val="bg1"/>
+              </a:solidFill>
+              <a:latin typeface="GeoSlab703 MdCn BT" panose="02060506020205050403" pitchFamily="18" charset="0"/>
+            </a:endParaRPr>
+          </a:p>
+        </p:txBody>
+      </p:sp>
+      <p:sp>
+        <p:nvSpPr>
+          <p:cNvPr id="9" name="CaixaDeTexto 8"/>
           <p:cNvSpPr txBox="1"/>
           <p:nvPr/>
         </p:nvSpPr>
         <p:spPr>
           <a:xfrm>
-            <a:off x="707801" y="1781828"/>
-            <a:ext cx="7728398" cy="400110"/>
+            <a:off x="707801" y="1324332"/>
+            <a:ext cx="7728398" cy="4555093"/>
           </a:xfrm>
           <a:prstGeom prst="rect">
             <a:avLst/>
@@ -5046,7 +4679,18 @@
           <a:lstStyle/>
           <a:p>
             <a:r>
-              <a:rPr lang="pt-BR" sz="2000" b="1" dirty="0" smtClean="0">
+              <a:rPr lang="pt-BR" sz="2000" b="1" dirty="0">
+                <a:solidFill>
+                  <a:schemeClr val="bg1"/>
+                </a:solidFill>
+                <a:latin typeface="GeoSlab703 MdCn BT" panose="02060506020205050403" pitchFamily="18" charset="0"/>
+              </a:rPr>
+              <a:t>	.</a:t>
+            </a:r>
+          </a:p>
+          <a:p>
+            <a:r>
+              <a:rPr lang="pt-BR" sz="2000" b="1" dirty="0">
                 <a:solidFill>
                   <a:schemeClr val="bg1"/>
                 </a:solidFill>
@@ -5054,6 +4698,28 @@
               </a:rPr>
               <a:t>	</a:t>
             </a:r>
+            <a:r>
+              <a:rPr lang="pt-BR" sz="2800" b="1" dirty="0">
+                <a:solidFill>
+                  <a:schemeClr val="bg1"/>
+                </a:solidFill>
+                <a:latin typeface="GeoSlab703 MdCn BT" panose="02060506020205050403" pitchFamily="18" charset="0"/>
+              </a:rPr>
+              <a:t>Acredita que o sistema possa se expandir para o mercado atraindo o interesse de instituições de ensino tanto privadas como públicas, além de ter o potencial para ser um bom agregador socioeducacional.</a:t>
+            </a:r>
+          </a:p>
+          <a:p>
+            <a:r>
+              <a:rPr lang="pt-BR" sz="2800" b="1" dirty="0">
+                <a:solidFill>
+                  <a:schemeClr val="bg1"/>
+                </a:solidFill>
+                <a:latin typeface="GeoSlab703 MdCn BT" panose="02060506020205050403" pitchFamily="18" charset="0"/>
+              </a:rPr>
+              <a:t>	Futuramente pretende-se desenvolver um app mobile do sistema Novateca, tanto para Android como para iOS, além de estar integrando a autenticação através de contas de redes sociais, como Google, Facebook, etc. e aprimorando ainda mais o desempenho e a experiência do usuário.</a:t>
+            </a:r>
+          </a:p>
+          <a:p>
             <a:endParaRPr lang="pt-BR" b="1" dirty="0">
               <a:solidFill>
                 <a:schemeClr val="bg1"/>
@@ -5063,122 +4729,20 @@
           </a:p>
         </p:txBody>
       </p:sp>
-      <p:sp>
-        <p:nvSpPr>
-          <p:cNvPr id="8" name="CaixaDeTexto 7"/>
-          <p:cNvSpPr txBox="1"/>
-          <p:nvPr/>
-        </p:nvSpPr>
-        <p:spPr>
-          <a:xfrm>
-            <a:off x="842311" y="2179992"/>
-            <a:ext cx="7709195" cy="2677656"/>
-          </a:xfrm>
-          <a:prstGeom prst="rect">
-            <a:avLst/>
-          </a:prstGeom>
-          <a:noFill/>
-        </p:spPr>
-        <p:txBody>
-          <a:bodyPr wrap="square" rtlCol="0">
-            <a:spAutoFit/>
-          </a:bodyPr>
-          <a:lstStyle/>
-          <a:p>
-            <a:r>
-              <a:rPr lang="pt-BR" sz="2400" b="1" dirty="0" smtClean="0">
-                <a:solidFill>
-                  <a:schemeClr val="bg1"/>
-                </a:solidFill>
-                <a:latin typeface="GeoSlab703 MdCn BT" panose="02060506020205050403" pitchFamily="18" charset="0"/>
-              </a:rPr>
-              <a:t>A BANCA, PELAS COLABORAÇÕES QUE POR VENTURA SERÃO DADAS AO MEU TRABALHO </a:t>
-            </a:r>
-          </a:p>
-          <a:p>
-            <a:r>
-              <a:rPr lang="pt-BR" sz="2400" b="1" dirty="0" smtClean="0">
-                <a:solidFill>
-                  <a:schemeClr val="bg1"/>
-                </a:solidFill>
-                <a:latin typeface="GeoSlab703 MdCn BT" panose="02060506020205050403" pitchFamily="18" charset="0"/>
-              </a:rPr>
-              <a:t>AO ORIENTADOR, EDUARDO HENRIQUE, PELA...</a:t>
-            </a:r>
-          </a:p>
-          <a:p>
-            <a:r>
-              <a:rPr lang="pt-BR" sz="2400" b="1" dirty="0" smtClean="0">
-                <a:solidFill>
-                  <a:schemeClr val="bg1"/>
-                </a:solidFill>
-                <a:latin typeface="GeoSlab703 MdCn BT" panose="02060506020205050403" pitchFamily="18" charset="0"/>
-              </a:rPr>
-              <a:t>AOS MEUS PAIS, PELA ...</a:t>
-            </a:r>
-          </a:p>
-          <a:p>
-            <a:r>
-              <a:rPr lang="pt-BR" sz="2400" b="1" dirty="0" smtClean="0">
-                <a:solidFill>
-                  <a:schemeClr val="bg1"/>
-                </a:solidFill>
-                <a:latin typeface="GeoSlab703 MdCn BT" panose="02060506020205050403" pitchFamily="18" charset="0"/>
-              </a:rPr>
-              <a:t>AOS MEUS COLEGAS DE TRABALHO ...</a:t>
-            </a:r>
-          </a:p>
-          <a:p>
-            <a:r>
-              <a:rPr lang="pt-BR" sz="2400" b="1" dirty="0" smtClean="0">
-                <a:solidFill>
-                  <a:schemeClr val="bg1"/>
-                </a:solidFill>
-                <a:latin typeface="GeoSlab703 MdCn BT" panose="02060506020205050403" pitchFamily="18" charset="0"/>
-              </a:rPr>
-              <a:t>AOS MEUS COLEGAS DE SALA ...</a:t>
-            </a:r>
-          </a:p>
-          <a:p>
-            <a:r>
-              <a:rPr lang="pt-BR" sz="2400" b="1" dirty="0" smtClean="0">
-                <a:solidFill>
-                  <a:schemeClr val="bg1"/>
-                </a:solidFill>
-                <a:latin typeface="GeoSlab703 MdCn BT" panose="02060506020205050403" pitchFamily="18" charset="0"/>
-              </a:rPr>
-              <a:t>À INSTITUIÇÃO DE ENSINO UNIPAM, PELO ...</a:t>
-            </a:r>
-            <a:endParaRPr lang="pt-BR" sz="2400" b="1" dirty="0" smtClean="0">
-              <a:solidFill>
-                <a:schemeClr val="bg1"/>
-              </a:solidFill>
-              <a:latin typeface="GeoSlab703 MdCn BT" panose="02060506020205050403" pitchFamily="18" charset="0"/>
-            </a:endParaRPr>
-          </a:p>
-        </p:txBody>
-      </p:sp>
     </p:spTree>
     <p:extLst>
       <p:ext uri="{BB962C8B-B14F-4D97-AF65-F5344CB8AC3E}">
-        <p14:creationId xmlns:p14="http://schemas.microsoft.com/office/powerpoint/2010/main" val="3418088302"/>
+        <p14:creationId xmlns:p14="http://schemas.microsoft.com/office/powerpoint/2010/main" val="3568580986"/>
       </p:ext>
     </p:extLst>
   </p:cSld>
   <p:clrMapOvr>
     <a:masterClrMapping/>
   </p:clrMapOvr>
-  <p:timing>
-    <p:tnLst>
-      <p:par>
-        <p:cTn id="1" dur="indefinite" restart="never" nodeType="tmRoot"/>
-      </p:par>
-    </p:tnLst>
-  </p:timing>
 </p:sld>
 </file>
 
-<file path=ppt/slides/slide14.xml><?xml version="1.0" encoding="utf-8"?>
+<file path=ppt/slides/slide13.xml><?xml version="1.0" encoding="utf-8"?>
 <p:sld xmlns:a="http://schemas.openxmlformats.org/drawingml/2006/main" xmlns:r="http://schemas.openxmlformats.org/officeDocument/2006/relationships" xmlns:p="http://schemas.openxmlformats.org/presentationml/2006/main">
   <p:cSld>
     <p:spTree>
@@ -5197,7 +4761,7 @@
       </p:grpSpPr>
       <p:pic>
         <p:nvPicPr>
-          <p:cNvPr id="3" name="Imagem 2"/>
+          <p:cNvPr id="2" name="Imagem 1"/>
           <p:cNvPicPr>
             <a:picLocks noChangeAspect="1"/>
           </p:cNvPicPr>
@@ -5227,14 +4791,14 @@
       </p:pic>
       <p:sp>
         <p:nvSpPr>
-          <p:cNvPr id="4" name="CaixaDeTexto 3"/>
+          <p:cNvPr id="3" name="CaixaDeTexto 2"/>
           <p:cNvSpPr txBox="1"/>
           <p:nvPr/>
         </p:nvSpPr>
         <p:spPr>
           <a:xfrm>
-            <a:off x="1635074" y="2705725"/>
-            <a:ext cx="5873852" cy="1446550"/>
+            <a:off x="632052" y="629357"/>
+            <a:ext cx="2345514" cy="584775"/>
           </a:xfrm>
           <a:prstGeom prst="rect">
             <a:avLst/>
@@ -5248,15 +4812,15 @@
           <a:lstStyle/>
           <a:p>
             <a:r>
-              <a:rPr lang="da-DK" sz="8800" b="1" dirty="0" smtClean="0">
-                <a:solidFill>
-                  <a:schemeClr val="bg1"/>
-                </a:solidFill>
-                <a:latin typeface="GeoSlab703 MdCn BT" panose="02060506020205050403" pitchFamily="18" charset="0"/>
-              </a:rPr>
-              <a:t>OBRIGADO(A)!</a:t>
-            </a:r>
-            <a:endParaRPr lang="pt-BR" sz="8800" b="1" dirty="0" smtClean="0">
+              <a:rPr lang="da-DK" sz="3200" b="1" dirty="0">
+                <a:solidFill>
+                  <a:schemeClr val="bg1"/>
+                </a:solidFill>
+                <a:latin typeface="GeoSlab703 MdCn BT" panose="02060506020205050403" pitchFamily="18" charset="0"/>
+              </a:rPr>
+              <a:t>REFERÊNCIAS</a:t>
+            </a:r>
+            <a:endParaRPr lang="pt-BR" sz="3200" b="1" dirty="0">
               <a:solidFill>
                 <a:schemeClr val="bg1"/>
               </a:solidFill>
@@ -5265,27 +4829,181 @@
           </a:p>
         </p:txBody>
       </p:sp>
+      <p:sp>
+        <p:nvSpPr>
+          <p:cNvPr id="5" name="CaixaDeTexto 4"/>
+          <p:cNvSpPr txBox="1"/>
+          <p:nvPr/>
+        </p:nvSpPr>
+        <p:spPr>
+          <a:xfrm>
+            <a:off x="938415" y="1422250"/>
+            <a:ext cx="7709195" cy="5016758"/>
+          </a:xfrm>
+          <a:prstGeom prst="rect">
+            <a:avLst/>
+          </a:prstGeom>
+          <a:noFill/>
+        </p:spPr>
+        <p:txBody>
+          <a:bodyPr wrap="square" rtlCol="0">
+            <a:spAutoFit/>
+          </a:bodyPr>
+          <a:lstStyle/>
+          <a:p>
+            <a:r>
+              <a:rPr lang="pt-BR" sz="1400" dirty="0">
+                <a:solidFill>
+                  <a:schemeClr val="bg1"/>
+                </a:solidFill>
+              </a:rPr>
+              <a:t>BARROS, Moreno. Software de Automação de Bibliotecas. Disponível em: &lt;https://bsf.org.br/2009/09/02/sistemas-softwares-de-organizacao-gerenciamento-automacao-de-bibliotecas/&gt; . Acesso em 19 de junho de 2017.</a:t>
+            </a:r>
+          </a:p>
+          <a:p>
+            <a:endParaRPr lang="pt-BR" sz="1400" dirty="0">
+              <a:solidFill>
+                <a:schemeClr val="bg1"/>
+              </a:solidFill>
+            </a:endParaRPr>
+          </a:p>
+          <a:p>
+            <a:r>
+              <a:rPr lang="pt-BR" sz="1400" dirty="0">
+                <a:solidFill>
+                  <a:schemeClr val="bg1"/>
+                </a:solidFill>
+              </a:rPr>
+              <a:t>ESTABEL, Lizandra Brasil; MORO, Eliane Loures Da Silva. Biblioteca: Conhecimentos e Práticas. Porto Alegre: Penso, 2014. 180p.</a:t>
+            </a:r>
+          </a:p>
+          <a:p>
+            <a:endParaRPr lang="pt-BR" sz="1400" dirty="0">
+              <a:solidFill>
+                <a:schemeClr val="bg1"/>
+              </a:solidFill>
+            </a:endParaRPr>
+          </a:p>
+          <a:p>
+            <a:r>
+              <a:rPr lang="pt-BR" sz="1400" dirty="0">
+                <a:solidFill>
+                  <a:schemeClr val="bg1"/>
+                </a:solidFill>
+              </a:rPr>
+              <a:t>MOURÃO, Camila de Castro. Descarte de materiais em bibliotecas públicas do Rio Grande do Sul: caso de municípios com mais de 100 mil habitantes. 2013. 72 f. TCC ( Graduação em Biblioteconomia) - Universidade Federal do Rio Grande, Instituto de Ciências Humanas e da Informação. Rio Grande, 2013.</a:t>
+            </a:r>
+          </a:p>
+          <a:p>
+            <a:endParaRPr lang="pt-BR" sz="1400" dirty="0">
+              <a:solidFill>
+                <a:schemeClr val="bg1"/>
+              </a:solidFill>
+            </a:endParaRPr>
+          </a:p>
+          <a:p>
+            <a:r>
+              <a:rPr lang="pt-BR" sz="1400" dirty="0">
+                <a:solidFill>
+                  <a:schemeClr val="bg1"/>
+                </a:solidFill>
+              </a:rPr>
+              <a:t>PRADO, Heloísa de Almeida. Organização e Administração de Bibliotecas. 2º edição. São Paulo: T.A. Queiroz, EDITOR, LTDA, 2000. 209p.</a:t>
+            </a:r>
+          </a:p>
+          <a:p>
+            <a:endParaRPr lang="pt-BR" sz="1400" dirty="0">
+              <a:solidFill>
+                <a:schemeClr val="bg1"/>
+              </a:solidFill>
+            </a:endParaRPr>
+          </a:p>
+          <a:p>
+            <a:r>
+              <a:rPr lang="pt-BR" sz="1400" dirty="0">
+                <a:solidFill>
+                  <a:schemeClr val="bg1"/>
+                </a:solidFill>
+              </a:rPr>
+              <a:t>SALARELLI, Alberto; TAMMARO, Anna Maria. A Biblioteca Digital. Brasília: Bridge de Lemos, 2008. 378p.</a:t>
+            </a:r>
+          </a:p>
+          <a:p>
+            <a:endParaRPr lang="pt-BR" sz="1400" dirty="0">
+              <a:solidFill>
+                <a:schemeClr val="bg1"/>
+              </a:solidFill>
+            </a:endParaRPr>
+          </a:p>
+          <a:p>
+            <a:r>
+              <a:rPr lang="pt-BR" sz="1400" dirty="0">
+                <a:solidFill>
+                  <a:schemeClr val="bg1"/>
+                </a:solidFill>
+              </a:rPr>
+              <a:t>VIEIRA, Ronaldo. Introdução à Teoria Geral da Biblioteconomia. Rio de Janeiro: </a:t>
+            </a:r>
+            <a:r>
+              <a:rPr lang="pt-BR" sz="1400" dirty="0" err="1">
+                <a:solidFill>
+                  <a:schemeClr val="bg1"/>
+                </a:solidFill>
+              </a:rPr>
+              <a:t>Interciência</a:t>
+            </a:r>
+            <a:r>
+              <a:rPr lang="pt-BR" sz="1400" dirty="0">
+                <a:solidFill>
+                  <a:schemeClr val="bg1"/>
+                </a:solidFill>
+              </a:rPr>
+              <a:t> Ltda, 2014. 330p.</a:t>
+            </a:r>
+          </a:p>
+          <a:p>
+            <a:endParaRPr lang="pt-BR" sz="1400" dirty="0">
+              <a:solidFill>
+                <a:schemeClr val="bg1"/>
+              </a:solidFill>
+            </a:endParaRPr>
+          </a:p>
+          <a:p>
+            <a:endParaRPr lang="pt-BR" dirty="0">
+              <a:solidFill>
+                <a:schemeClr val="bg1"/>
+              </a:solidFill>
+            </a:endParaRPr>
+          </a:p>
+          <a:p>
+            <a:endParaRPr lang="pt-BR" dirty="0">
+              <a:solidFill>
+                <a:schemeClr val="bg1"/>
+              </a:solidFill>
+            </a:endParaRPr>
+          </a:p>
+          <a:p>
+            <a:r>
+              <a:rPr lang="pt-BR" dirty="0"/>
+              <a:t> </a:t>
+            </a:r>
+          </a:p>
+        </p:txBody>
+      </p:sp>
     </p:spTree>
     <p:extLst>
       <p:ext uri="{BB962C8B-B14F-4D97-AF65-F5344CB8AC3E}">
-        <p14:creationId xmlns:p14="http://schemas.microsoft.com/office/powerpoint/2010/main" val="3936532705"/>
+        <p14:creationId xmlns:p14="http://schemas.microsoft.com/office/powerpoint/2010/main" val="1251242744"/>
       </p:ext>
     </p:extLst>
   </p:cSld>
   <p:clrMapOvr>
     <a:masterClrMapping/>
   </p:clrMapOvr>
-  <p:timing>
-    <p:tnLst>
-      <p:par>
-        <p:cTn id="1" dur="indefinite" restart="never" nodeType="tmRoot"/>
-      </p:par>
-    </p:tnLst>
-  </p:timing>
 </p:sld>
 </file>
 
-<file path=ppt/slides/slide2.xml><?xml version="1.0" encoding="utf-8"?>
+<file path=ppt/slides/slide14.xml><?xml version="1.0" encoding="utf-8"?>
 <p:sld xmlns:a="http://schemas.openxmlformats.org/drawingml/2006/main" xmlns:r="http://schemas.openxmlformats.org/officeDocument/2006/relationships" xmlns:p="http://schemas.openxmlformats.org/presentationml/2006/main">
   <p:cSld>
     <p:spTree>
@@ -5327,7 +5045,7 @@
             <a:r>
               <a:rPr lang="pt-BR" b="1" dirty="0" err="1">
                 <a:solidFill>
-                  <a:schemeClr val="bg1"/>
+                  <a:prstClr val="white"/>
                 </a:solidFill>
                 <a:latin typeface="GeoSlab703 MdCn BT" panose="02060506020205050403" pitchFamily="18" charset="0"/>
               </a:rPr>
@@ -5336,7 +5054,7 @@
             <a:r>
               <a:rPr lang="pt-BR" b="1" dirty="0">
                 <a:solidFill>
-                  <a:schemeClr val="bg1"/>
+                  <a:prstClr val="white"/>
                 </a:solidFill>
                 <a:latin typeface="GeoSlab703 MdCn BT" panose="02060506020205050403" pitchFamily="18" charset="0"/>
               </a:rPr>
@@ -5345,7 +5063,7 @@
             <a:r>
               <a:rPr lang="pt-BR" b="1" dirty="0" err="1">
                 <a:solidFill>
-                  <a:schemeClr val="bg1"/>
+                  <a:prstClr val="white"/>
                 </a:solidFill>
                 <a:latin typeface="GeoSlab703 MdCn BT" panose="02060506020205050403" pitchFamily="18" charset="0"/>
               </a:rPr>
@@ -5354,7 +5072,7 @@
             <a:r>
               <a:rPr lang="pt-BR" b="1" dirty="0">
                 <a:solidFill>
-                  <a:schemeClr val="bg1"/>
+                  <a:prstClr val="white"/>
                 </a:solidFill>
                 <a:latin typeface="GeoSlab703 MdCn BT" panose="02060506020205050403" pitchFamily="18" charset="0"/>
               </a:rPr>
@@ -5363,7 +5081,7 @@
             <a:r>
               <a:rPr lang="pt-BR" b="1" dirty="0" err="1">
                 <a:solidFill>
-                  <a:schemeClr val="bg1"/>
+                  <a:prstClr val="white"/>
                 </a:solidFill>
                 <a:latin typeface="GeoSlab703 MdCn BT" panose="02060506020205050403" pitchFamily="18" charset="0"/>
               </a:rPr>
@@ -5372,7 +5090,7 @@
             <a:r>
               <a:rPr lang="pt-BR" b="1" dirty="0">
                 <a:solidFill>
-                  <a:schemeClr val="bg1"/>
+                  <a:prstClr val="white"/>
                 </a:solidFill>
                 <a:latin typeface="GeoSlab703 MdCn BT" panose="02060506020205050403" pitchFamily="18" charset="0"/>
               </a:rPr>
@@ -5381,7 +5099,7 @@
             <a:r>
               <a:rPr lang="pt-BR" b="1" dirty="0" err="1">
                 <a:solidFill>
-                  <a:schemeClr val="bg1"/>
+                  <a:prstClr val="white"/>
                 </a:solidFill>
                 <a:latin typeface="GeoSlab703 MdCn BT" panose="02060506020205050403" pitchFamily="18" charset="0"/>
               </a:rPr>
@@ -5390,7 +5108,7 @@
             <a:r>
               <a:rPr lang="pt-BR" b="1" dirty="0">
                 <a:solidFill>
-                  <a:schemeClr val="bg1"/>
+                  <a:prstClr val="white"/>
                 </a:solidFill>
                 <a:latin typeface="GeoSlab703 MdCn BT" panose="02060506020205050403" pitchFamily="18" charset="0"/>
               </a:rPr>
@@ -5399,7 +5117,7 @@
             <a:r>
               <a:rPr lang="pt-BR" b="1" dirty="0" err="1">
                 <a:solidFill>
-                  <a:schemeClr val="bg1"/>
+                  <a:prstClr val="white"/>
                 </a:solidFill>
                 <a:latin typeface="GeoSlab703 MdCn BT" panose="02060506020205050403" pitchFamily="18" charset="0"/>
               </a:rPr>
@@ -5408,7 +5126,7 @@
             <a:r>
               <a:rPr lang="pt-BR" b="1" dirty="0">
                 <a:solidFill>
-                  <a:schemeClr val="bg1"/>
+                  <a:prstClr val="white"/>
                 </a:solidFill>
                 <a:latin typeface="GeoSlab703 MdCn BT" panose="02060506020205050403" pitchFamily="18" charset="0"/>
               </a:rPr>
@@ -5417,7 +5135,7 @@
             <a:r>
               <a:rPr lang="pt-BR" b="1" dirty="0" err="1">
                 <a:solidFill>
-                  <a:schemeClr val="bg1"/>
+                  <a:prstClr val="white"/>
                 </a:solidFill>
                 <a:latin typeface="GeoSlab703 MdCn BT" panose="02060506020205050403" pitchFamily="18" charset="0"/>
               </a:rPr>
@@ -5426,7 +5144,7 @@
             <a:r>
               <a:rPr lang="pt-BR" b="1" dirty="0">
                 <a:solidFill>
-                  <a:schemeClr val="bg1"/>
+                  <a:prstClr val="white"/>
                 </a:solidFill>
                 <a:latin typeface="GeoSlab703 MdCn BT" panose="02060506020205050403" pitchFamily="18" charset="0"/>
               </a:rPr>
@@ -5435,7 +5153,7 @@
             <a:r>
               <a:rPr lang="pt-BR" b="1" dirty="0" err="1">
                 <a:solidFill>
-                  <a:schemeClr val="bg1"/>
+                  <a:prstClr val="white"/>
                 </a:solidFill>
                 <a:latin typeface="GeoSlab703 MdCn BT" panose="02060506020205050403" pitchFamily="18" charset="0"/>
               </a:rPr>
@@ -5444,7 +5162,7 @@
             <a:r>
               <a:rPr lang="pt-BR" b="1" dirty="0">
                 <a:solidFill>
-                  <a:schemeClr val="bg1"/>
+                  <a:prstClr val="white"/>
                 </a:solidFill>
                 <a:latin typeface="GeoSlab703 MdCn BT" panose="02060506020205050403" pitchFamily="18" charset="0"/>
               </a:rPr>
@@ -5453,7 +5171,7 @@
             <a:r>
               <a:rPr lang="pt-BR" b="1" dirty="0" err="1">
                 <a:solidFill>
-                  <a:schemeClr val="bg1"/>
+                  <a:prstClr val="white"/>
                 </a:solidFill>
                 <a:latin typeface="GeoSlab703 MdCn BT" panose="02060506020205050403" pitchFamily="18" charset="0"/>
               </a:rPr>
@@ -5462,7 +5180,7 @@
             <a:r>
               <a:rPr lang="pt-BR" b="1" dirty="0">
                 <a:solidFill>
-                  <a:schemeClr val="bg1"/>
+                  <a:prstClr val="white"/>
                 </a:solidFill>
                 <a:latin typeface="GeoSlab703 MdCn BT" panose="02060506020205050403" pitchFamily="18" charset="0"/>
               </a:rPr>
@@ -5471,7 +5189,7 @@
             <a:r>
               <a:rPr lang="pt-BR" b="1" dirty="0" err="1">
                 <a:solidFill>
-                  <a:schemeClr val="bg1"/>
+                  <a:prstClr val="white"/>
                 </a:solidFill>
                 <a:latin typeface="GeoSlab703 MdCn BT" panose="02060506020205050403" pitchFamily="18" charset="0"/>
               </a:rPr>
@@ -5480,7 +5198,7 @@
             <a:r>
               <a:rPr lang="pt-BR" b="1" dirty="0">
                 <a:solidFill>
-                  <a:schemeClr val="bg1"/>
+                  <a:prstClr val="white"/>
                 </a:solidFill>
                 <a:latin typeface="GeoSlab703 MdCn BT" panose="02060506020205050403" pitchFamily="18" charset="0"/>
               </a:rPr>
@@ -5489,7 +5207,7 @@
             <a:r>
               <a:rPr lang="pt-BR" b="1" dirty="0" err="1">
                 <a:solidFill>
-                  <a:schemeClr val="bg1"/>
+                  <a:prstClr val="white"/>
                 </a:solidFill>
                 <a:latin typeface="GeoSlab703 MdCn BT" panose="02060506020205050403" pitchFamily="18" charset="0"/>
               </a:rPr>
@@ -5498,7 +5216,7 @@
             <a:r>
               <a:rPr lang="pt-BR" b="1" dirty="0">
                 <a:solidFill>
-                  <a:schemeClr val="bg1"/>
+                  <a:prstClr val="white"/>
                 </a:solidFill>
                 <a:latin typeface="GeoSlab703 MdCn BT" panose="02060506020205050403" pitchFamily="18" charset="0"/>
               </a:rPr>
@@ -5507,7 +5225,7 @@
             <a:r>
               <a:rPr lang="pt-BR" b="1" dirty="0" err="1">
                 <a:solidFill>
-                  <a:schemeClr val="bg1"/>
+                  <a:prstClr val="white"/>
                 </a:solidFill>
                 <a:latin typeface="GeoSlab703 MdCn BT" panose="02060506020205050403" pitchFamily="18" charset="0"/>
               </a:rPr>
@@ -5516,7 +5234,7 @@
             <a:r>
               <a:rPr lang="pt-BR" b="1" dirty="0">
                 <a:solidFill>
-                  <a:schemeClr val="bg1"/>
+                  <a:prstClr val="white"/>
                 </a:solidFill>
                 <a:latin typeface="GeoSlab703 MdCn BT" panose="02060506020205050403" pitchFamily="18" charset="0"/>
               </a:rPr>
@@ -5525,7 +5243,7 @@
             <a:r>
               <a:rPr lang="pt-BR" b="1" dirty="0" err="1">
                 <a:solidFill>
-                  <a:schemeClr val="bg1"/>
+                  <a:prstClr val="white"/>
                 </a:solidFill>
                 <a:latin typeface="GeoSlab703 MdCn BT" panose="02060506020205050403" pitchFamily="18" charset="0"/>
               </a:rPr>
@@ -5534,7 +5252,7 @@
             <a:r>
               <a:rPr lang="pt-BR" b="1" dirty="0">
                 <a:solidFill>
-                  <a:schemeClr val="bg1"/>
+                  <a:prstClr val="white"/>
                 </a:solidFill>
                 <a:latin typeface="GeoSlab703 MdCn BT" panose="02060506020205050403" pitchFamily="18" charset="0"/>
               </a:rPr>
@@ -5543,16 +5261,16 @@
             <a:r>
               <a:rPr lang="pt-BR" b="1" dirty="0" err="1">
                 <a:solidFill>
-                  <a:schemeClr val="bg1"/>
+                  <a:prstClr val="white"/>
                 </a:solidFill>
                 <a:latin typeface="GeoSlab703 MdCn BT" panose="02060506020205050403" pitchFamily="18" charset="0"/>
               </a:rPr>
               <a:t>cursus</a:t>
             </a:r>
             <a:r>
-              <a:rPr lang="pt-BR" b="1" dirty="0" smtClean="0">
-                <a:solidFill>
-                  <a:schemeClr val="bg1"/>
+              <a:rPr lang="pt-BR" b="1" dirty="0">
+                <a:solidFill>
+                  <a:prstClr val="white"/>
                 </a:solidFill>
                 <a:latin typeface="GeoSlab703 MdCn BT" panose="02060506020205050403" pitchFamily="18" charset="0"/>
               </a:rPr>
@@ -5561,18 +5279,18 @@
           </a:p>
           <a:p>
             <a:r>
-              <a:rPr lang="pt-BR" b="1" dirty="0" err="1" smtClean="0">
-                <a:solidFill>
-                  <a:schemeClr val="bg1"/>
+              <a:rPr lang="pt-BR" b="1" dirty="0" err="1">
+                <a:solidFill>
+                  <a:prstClr val="white"/>
                 </a:solidFill>
                 <a:latin typeface="GeoSlab703 MdCn BT" panose="02060506020205050403" pitchFamily="18" charset="0"/>
               </a:rPr>
               <a:t>Morbi</a:t>
             </a:r>
             <a:r>
-              <a:rPr lang="pt-BR" b="1" dirty="0" smtClean="0">
-                <a:solidFill>
-                  <a:schemeClr val="bg1"/>
+              <a:rPr lang="pt-BR" b="1" dirty="0">
+                <a:solidFill>
+                  <a:prstClr val="white"/>
                 </a:solidFill>
                 <a:latin typeface="GeoSlab703 MdCn BT" panose="02060506020205050403" pitchFamily="18" charset="0"/>
               </a:rPr>
@@ -5581,7 +5299,7 @@
             <a:r>
               <a:rPr lang="pt-BR" b="1" dirty="0" err="1">
                 <a:solidFill>
-                  <a:schemeClr val="bg1"/>
+                  <a:prstClr val="white"/>
                 </a:solidFill>
                 <a:latin typeface="GeoSlab703 MdCn BT" panose="02060506020205050403" pitchFamily="18" charset="0"/>
               </a:rPr>
@@ -5590,7 +5308,7 @@
             <a:r>
               <a:rPr lang="pt-BR" b="1" dirty="0">
                 <a:solidFill>
-                  <a:schemeClr val="bg1"/>
+                  <a:prstClr val="white"/>
                 </a:solidFill>
                 <a:latin typeface="GeoSlab703 MdCn BT" panose="02060506020205050403" pitchFamily="18" charset="0"/>
               </a:rPr>
@@ -5599,7 +5317,7 @@
             <a:r>
               <a:rPr lang="pt-BR" b="1" dirty="0" err="1">
                 <a:solidFill>
-                  <a:schemeClr val="bg1"/>
+                  <a:prstClr val="white"/>
                 </a:solidFill>
                 <a:latin typeface="GeoSlab703 MdCn BT" panose="02060506020205050403" pitchFamily="18" charset="0"/>
               </a:rPr>
@@ -5608,7 +5326,7 @@
             <a:r>
               <a:rPr lang="pt-BR" b="1" dirty="0">
                 <a:solidFill>
-                  <a:schemeClr val="bg1"/>
+                  <a:prstClr val="white"/>
                 </a:solidFill>
                 <a:latin typeface="GeoSlab703 MdCn BT" panose="02060506020205050403" pitchFamily="18" charset="0"/>
               </a:rPr>
@@ -5617,7 +5335,7 @@
             <a:r>
               <a:rPr lang="pt-BR" b="1" dirty="0" err="1">
                 <a:solidFill>
-                  <a:schemeClr val="bg1"/>
+                  <a:prstClr val="white"/>
                 </a:solidFill>
                 <a:latin typeface="GeoSlab703 MdCn BT" panose="02060506020205050403" pitchFamily="18" charset="0"/>
               </a:rPr>
@@ -5626,7 +5344,7 @@
             <a:r>
               <a:rPr lang="pt-BR" b="1" dirty="0">
                 <a:solidFill>
-                  <a:schemeClr val="bg1"/>
+                  <a:prstClr val="white"/>
                 </a:solidFill>
                 <a:latin typeface="GeoSlab703 MdCn BT" panose="02060506020205050403" pitchFamily="18" charset="0"/>
               </a:rPr>
@@ -5635,7 +5353,7 @@
             <a:r>
               <a:rPr lang="pt-BR" b="1" dirty="0" err="1">
                 <a:solidFill>
-                  <a:schemeClr val="bg1"/>
+                  <a:prstClr val="white"/>
                 </a:solidFill>
                 <a:latin typeface="GeoSlab703 MdCn BT" panose="02060506020205050403" pitchFamily="18" charset="0"/>
               </a:rPr>
@@ -5644,7 +5362,7 @@
             <a:r>
               <a:rPr lang="pt-BR" b="1" dirty="0">
                 <a:solidFill>
-                  <a:schemeClr val="bg1"/>
+                  <a:prstClr val="white"/>
                 </a:solidFill>
                 <a:latin typeface="GeoSlab703 MdCn BT" panose="02060506020205050403" pitchFamily="18" charset="0"/>
               </a:rPr>
@@ -5653,7 +5371,7 @@
             <a:r>
               <a:rPr lang="pt-BR" b="1" dirty="0" err="1">
                 <a:solidFill>
-                  <a:schemeClr val="bg1"/>
+                  <a:prstClr val="white"/>
                 </a:solidFill>
                 <a:latin typeface="GeoSlab703 MdCn BT" panose="02060506020205050403" pitchFamily="18" charset="0"/>
               </a:rPr>
@@ -5662,7 +5380,7 @@
             <a:r>
               <a:rPr lang="pt-BR" b="1" dirty="0">
                 <a:solidFill>
-                  <a:schemeClr val="bg1"/>
+                  <a:prstClr val="white"/>
                 </a:solidFill>
                 <a:latin typeface="GeoSlab703 MdCn BT" panose="02060506020205050403" pitchFamily="18" charset="0"/>
               </a:rPr>
@@ -5671,7 +5389,7 @@
             <a:r>
               <a:rPr lang="pt-BR" b="1" dirty="0" err="1">
                 <a:solidFill>
-                  <a:schemeClr val="bg1"/>
+                  <a:prstClr val="white"/>
                 </a:solidFill>
                 <a:latin typeface="GeoSlab703 MdCn BT" panose="02060506020205050403" pitchFamily="18" charset="0"/>
               </a:rPr>
@@ -5680,7 +5398,7 @@
             <a:r>
               <a:rPr lang="pt-BR" b="1" dirty="0">
                 <a:solidFill>
-                  <a:schemeClr val="bg1"/>
+                  <a:prstClr val="white"/>
                 </a:solidFill>
                 <a:latin typeface="GeoSlab703 MdCn BT" panose="02060506020205050403" pitchFamily="18" charset="0"/>
               </a:rPr>
@@ -5689,7 +5407,7 @@
             <a:r>
               <a:rPr lang="pt-BR" b="1" dirty="0" err="1">
                 <a:solidFill>
-                  <a:schemeClr val="bg1"/>
+                  <a:prstClr val="white"/>
                 </a:solidFill>
                 <a:latin typeface="GeoSlab703 MdCn BT" panose="02060506020205050403" pitchFamily="18" charset="0"/>
               </a:rPr>
@@ -5698,18 +5416,12 @@
             <a:r>
               <a:rPr lang="pt-BR" b="1" dirty="0">
                 <a:solidFill>
-                  <a:schemeClr val="bg1"/>
+                  <a:prstClr val="white"/>
                 </a:solidFill>
                 <a:latin typeface="GeoSlab703 MdCn BT" panose="02060506020205050403" pitchFamily="18" charset="0"/>
               </a:rPr>
               <a:t>.</a:t>
             </a:r>
-            <a:endParaRPr lang="pt-BR" b="1" dirty="0" smtClean="0">
-              <a:solidFill>
-                <a:schemeClr val="bg1"/>
-              </a:solidFill>
-              <a:latin typeface="GeoSlab703 MdCn BT" panose="02060506020205050403" pitchFamily="18" charset="0"/>
-            </a:endParaRPr>
           </a:p>
         </p:txBody>
       </p:sp>
@@ -5781,6 +5493,769 @@
         </p:nvSpPr>
         <p:spPr>
           <a:xfrm>
+            <a:off x="2475624" y="1037360"/>
+            <a:ext cx="4192751" cy="584775"/>
+          </a:xfrm>
+          <a:prstGeom prst="rect">
+            <a:avLst/>
+          </a:prstGeom>
+          <a:noFill/>
+        </p:spPr>
+        <p:txBody>
+          <a:bodyPr wrap="none" rtlCol="0">
+            <a:spAutoFit/>
+          </a:bodyPr>
+          <a:lstStyle/>
+          <a:p>
+            <a:pPr algn="ctr"/>
+            <a:r>
+              <a:rPr lang="pt-BR" sz="3200" b="1" dirty="0">
+                <a:solidFill>
+                  <a:prstClr val="white"/>
+                </a:solidFill>
+                <a:latin typeface="GeoSlab703 MdCn BT" panose="02060506020205050403" pitchFamily="18" charset="0"/>
+              </a:rPr>
+              <a:t>AGRADECIMENTOS</a:t>
+            </a:r>
+          </a:p>
+        </p:txBody>
+      </p:sp>
+      <p:sp>
+        <p:nvSpPr>
+          <p:cNvPr id="6" name="CaixaDeTexto 5"/>
+          <p:cNvSpPr txBox="1"/>
+          <p:nvPr/>
+        </p:nvSpPr>
+        <p:spPr>
+          <a:xfrm>
+            <a:off x="707801" y="1781828"/>
+            <a:ext cx="7728398" cy="400110"/>
+          </a:xfrm>
+          <a:prstGeom prst="rect">
+            <a:avLst/>
+          </a:prstGeom>
+          <a:noFill/>
+        </p:spPr>
+        <p:txBody>
+          <a:bodyPr wrap="square" rtlCol="0">
+            <a:spAutoFit/>
+          </a:bodyPr>
+          <a:lstStyle/>
+          <a:p>
+            <a:r>
+              <a:rPr lang="pt-BR" sz="2000" b="1" dirty="0">
+                <a:solidFill>
+                  <a:schemeClr val="bg1"/>
+                </a:solidFill>
+                <a:latin typeface="GeoSlab703 MdCn BT" panose="02060506020205050403" pitchFamily="18" charset="0"/>
+              </a:rPr>
+              <a:t>	</a:t>
+            </a:r>
+            <a:endParaRPr lang="pt-BR" b="1" dirty="0">
+              <a:solidFill>
+                <a:schemeClr val="bg1"/>
+              </a:solidFill>
+              <a:latin typeface="GeoSlab703 MdCn BT" panose="02060506020205050403" pitchFamily="18" charset="0"/>
+            </a:endParaRPr>
+          </a:p>
+        </p:txBody>
+      </p:sp>
+      <p:sp>
+        <p:nvSpPr>
+          <p:cNvPr id="8" name="CaixaDeTexto 7"/>
+          <p:cNvSpPr txBox="1"/>
+          <p:nvPr/>
+        </p:nvSpPr>
+        <p:spPr>
+          <a:xfrm>
+            <a:off x="632052" y="1811730"/>
+            <a:ext cx="7709195" cy="4154984"/>
+          </a:xfrm>
+          <a:prstGeom prst="rect">
+            <a:avLst/>
+          </a:prstGeom>
+          <a:noFill/>
+        </p:spPr>
+        <p:txBody>
+          <a:bodyPr wrap="square" rtlCol="0">
+            <a:spAutoFit/>
+          </a:bodyPr>
+          <a:lstStyle/>
+          <a:p>
+            <a:r>
+              <a:rPr lang="pt-BR" sz="2400" b="1" dirty="0">
+                <a:solidFill>
+                  <a:schemeClr val="bg1"/>
+                </a:solidFill>
+                <a:latin typeface="GeoSlab703 MdCn BT" panose="02060506020205050403" pitchFamily="18" charset="0"/>
+              </a:rPr>
+              <a:t>A BANCA, PELAS COLABORAÇÕES QUE POR VENTURA SERÃO DADAS AO </a:t>
+            </a:r>
+            <a:r>
+              <a:rPr lang="pt-BR" sz="2400" b="1">
+                <a:solidFill>
+                  <a:schemeClr val="bg1"/>
+                </a:solidFill>
+                <a:latin typeface="GeoSlab703 MdCn BT" panose="02060506020205050403" pitchFamily="18" charset="0"/>
+              </a:rPr>
+              <a:t>MEU TRABALHO.</a:t>
+            </a:r>
+            <a:endParaRPr lang="pt-BR" sz="2400" b="1" dirty="0">
+              <a:solidFill>
+                <a:schemeClr val="bg1"/>
+              </a:solidFill>
+              <a:latin typeface="GeoSlab703 MdCn BT" panose="02060506020205050403" pitchFamily="18" charset="0"/>
+            </a:endParaRPr>
+          </a:p>
+          <a:p>
+            <a:r>
+              <a:rPr lang="pt-BR" sz="2400" b="1" dirty="0">
+                <a:solidFill>
+                  <a:schemeClr val="bg1"/>
+                </a:solidFill>
+                <a:latin typeface="GeoSlab703 MdCn BT" panose="02060506020205050403" pitchFamily="18" charset="0"/>
+              </a:rPr>
+              <a:t>AO ORIENTADOR, EDUARDO HENRIQUE, PELAS ÓTIMAS ORIENTAÇÕES E TEMPO DEDICADO AO MEU TRABALHO. SUA AJUDA FOI GRANDIOSA! </a:t>
+            </a:r>
+          </a:p>
+          <a:p>
+            <a:r>
+              <a:rPr lang="pt-BR" sz="2400" b="1" dirty="0">
+                <a:solidFill>
+                  <a:schemeClr val="bg1"/>
+                </a:solidFill>
+                <a:latin typeface="GeoSlab703 MdCn BT" panose="02060506020205050403" pitchFamily="18" charset="0"/>
+              </a:rPr>
+              <a:t>AOS MEUS PAIS, POR ACREDITAREM EM MIM E SEMPRE ESTAREM AO MEU LADO!</a:t>
+            </a:r>
+          </a:p>
+          <a:p>
+            <a:r>
+              <a:rPr lang="pt-BR" sz="2400" b="1" dirty="0">
+                <a:solidFill>
+                  <a:schemeClr val="bg1"/>
+                </a:solidFill>
+                <a:latin typeface="GeoSlab703 MdCn BT" panose="02060506020205050403" pitchFamily="18" charset="0"/>
+              </a:rPr>
+              <a:t>AOS MEUS COLEGAS DE SALA, PELO APOIO E ÓTIMOS MOMENTOS QUE TIVEMOS AO DECORRER DESTE CURSO!</a:t>
+            </a:r>
+          </a:p>
+          <a:p>
+            <a:r>
+              <a:rPr lang="pt-BR" sz="2400" b="1" dirty="0">
+                <a:solidFill>
+                  <a:schemeClr val="bg1"/>
+                </a:solidFill>
+                <a:latin typeface="GeoSlab703 MdCn BT" panose="02060506020205050403" pitchFamily="18" charset="0"/>
+              </a:rPr>
+              <a:t>E À INSTITUIÇÃO DE ENSINO UNIPAM, PELO ESPAÇO E RECURSOS DE ÓTIMA QUALIDADE QUE DISPONIBILIZA À SEUS ALUNOS.</a:t>
+            </a:r>
+          </a:p>
+        </p:txBody>
+      </p:sp>
+    </p:spTree>
+    <p:extLst>
+      <p:ext uri="{BB962C8B-B14F-4D97-AF65-F5344CB8AC3E}">
+        <p14:creationId xmlns:p14="http://schemas.microsoft.com/office/powerpoint/2010/main" val="3418088302"/>
+      </p:ext>
+    </p:extLst>
+  </p:cSld>
+  <p:clrMapOvr>
+    <a:masterClrMapping/>
+  </p:clrMapOvr>
+</p:sld>
+</file>
+
+<file path=ppt/slides/slide15.xml><?xml version="1.0" encoding="utf-8"?>
+<p:sld xmlns:a="http://schemas.openxmlformats.org/drawingml/2006/main" xmlns:r="http://schemas.openxmlformats.org/officeDocument/2006/relationships" xmlns:p="http://schemas.openxmlformats.org/presentationml/2006/main">
+  <p:cSld>
+    <p:spTree>
+      <p:nvGrpSpPr>
+        <p:cNvPr id="1" name=""/>
+        <p:cNvGrpSpPr/>
+        <p:nvPr/>
+      </p:nvGrpSpPr>
+      <p:grpSpPr>
+        <a:xfrm>
+          <a:off x="0" y="0"/>
+          <a:ext cx="0" cy="0"/>
+          <a:chOff x="0" y="0"/>
+          <a:chExt cx="0" cy="0"/>
+        </a:xfrm>
+      </p:grpSpPr>
+      <p:pic>
+        <p:nvPicPr>
+          <p:cNvPr id="3" name="Imagem 2"/>
+          <p:cNvPicPr>
+            <a:picLocks noChangeAspect="1"/>
+          </p:cNvPicPr>
+          <p:nvPr/>
+        </p:nvPicPr>
+        <p:blipFill>
+          <a:blip r:embed="rId2">
+            <a:extLst>
+              <a:ext uri="{28A0092B-C50C-407E-A947-70E740481C1C}">
+                <a14:useLocalDpi xmlns:a14="http://schemas.microsoft.com/office/drawing/2010/main" val="0"/>
+              </a:ext>
+            </a:extLst>
+          </a:blip>
+          <a:stretch>
+            <a:fillRect/>
+          </a:stretch>
+        </p:blipFill>
+        <p:spPr>
+          <a:xfrm>
+            <a:off x="0" y="0"/>
+            <a:ext cx="9144000" cy="6858000"/>
+          </a:xfrm>
+          <a:prstGeom prst="rect">
+            <a:avLst/>
+          </a:prstGeom>
+        </p:spPr>
+      </p:pic>
+      <p:sp>
+        <p:nvSpPr>
+          <p:cNvPr id="4" name="CaixaDeTexto 3"/>
+          <p:cNvSpPr txBox="1"/>
+          <p:nvPr/>
+        </p:nvSpPr>
+        <p:spPr>
+          <a:xfrm>
+            <a:off x="1635074" y="2705725"/>
+            <a:ext cx="5873852" cy="1446550"/>
+          </a:xfrm>
+          <a:prstGeom prst="rect">
+            <a:avLst/>
+          </a:prstGeom>
+          <a:noFill/>
+        </p:spPr>
+        <p:txBody>
+          <a:bodyPr wrap="none" rtlCol="0">
+            <a:spAutoFit/>
+          </a:bodyPr>
+          <a:lstStyle/>
+          <a:p>
+            <a:r>
+              <a:rPr lang="da-DK" sz="8800" b="1" dirty="0">
+                <a:solidFill>
+                  <a:schemeClr val="bg1"/>
+                </a:solidFill>
+                <a:latin typeface="GeoSlab703 MdCn BT" panose="02060506020205050403" pitchFamily="18" charset="0"/>
+              </a:rPr>
+              <a:t>OBRIGADO(A)!</a:t>
+            </a:r>
+            <a:endParaRPr lang="pt-BR" sz="8800" b="1" dirty="0">
+              <a:solidFill>
+                <a:schemeClr val="bg1"/>
+              </a:solidFill>
+              <a:latin typeface="GeoSlab703 MdCn BT" panose="02060506020205050403" pitchFamily="18" charset="0"/>
+            </a:endParaRPr>
+          </a:p>
+        </p:txBody>
+      </p:sp>
+    </p:spTree>
+    <p:extLst>
+      <p:ext uri="{BB962C8B-B14F-4D97-AF65-F5344CB8AC3E}">
+        <p14:creationId xmlns:p14="http://schemas.microsoft.com/office/powerpoint/2010/main" val="3936532705"/>
+      </p:ext>
+    </p:extLst>
+  </p:cSld>
+  <p:clrMapOvr>
+    <a:masterClrMapping/>
+  </p:clrMapOvr>
+</p:sld>
+</file>
+
+<file path=ppt/slides/slide2.xml><?xml version="1.0" encoding="utf-8"?>
+<p:sld xmlns:a="http://schemas.openxmlformats.org/drawingml/2006/main" xmlns:r="http://schemas.openxmlformats.org/officeDocument/2006/relationships" xmlns:p="http://schemas.openxmlformats.org/presentationml/2006/main">
+  <p:cSld>
+    <p:spTree>
+      <p:nvGrpSpPr>
+        <p:cNvPr id="1" name=""/>
+        <p:cNvGrpSpPr/>
+        <p:nvPr/>
+      </p:nvGrpSpPr>
+      <p:grpSpPr>
+        <a:xfrm>
+          <a:off x="0" y="0"/>
+          <a:ext cx="0" cy="0"/>
+          <a:chOff x="0" y="0"/>
+          <a:chExt cx="0" cy="0"/>
+        </a:xfrm>
+      </p:grpSpPr>
+      <p:sp>
+        <p:nvSpPr>
+          <p:cNvPr id="7" name="CaixaDeTexto 6"/>
+          <p:cNvSpPr txBox="1"/>
+          <p:nvPr/>
+        </p:nvSpPr>
+        <p:spPr>
+          <a:xfrm>
+            <a:off x="938416" y="1134622"/>
+            <a:ext cx="7728398" cy="646331"/>
+          </a:xfrm>
+          <a:prstGeom prst="rect">
+            <a:avLst/>
+          </a:prstGeom>
+          <a:noFill/>
+        </p:spPr>
+        <p:txBody>
+          <a:bodyPr wrap="none" rtlCol="0">
+            <a:spAutoFit/>
+          </a:bodyPr>
+          <a:lstStyle/>
+          <a:p>
+            <a:r>
+              <a:rPr lang="pt-BR" b="1" dirty="0" err="1">
+                <a:solidFill>
+                  <a:schemeClr val="bg1"/>
+                </a:solidFill>
+                <a:latin typeface="GeoSlab703 MdCn BT" panose="02060506020205050403" pitchFamily="18" charset="0"/>
+              </a:rPr>
+              <a:t>Lorem</a:t>
+            </a:r>
+            <a:r>
+              <a:rPr lang="pt-BR" b="1" dirty="0">
+                <a:solidFill>
+                  <a:schemeClr val="bg1"/>
+                </a:solidFill>
+                <a:latin typeface="GeoSlab703 MdCn BT" panose="02060506020205050403" pitchFamily="18" charset="0"/>
+              </a:rPr>
+              <a:t> ipsum </a:t>
+            </a:r>
+            <a:r>
+              <a:rPr lang="pt-BR" b="1" dirty="0" err="1">
+                <a:solidFill>
+                  <a:schemeClr val="bg1"/>
+                </a:solidFill>
+                <a:latin typeface="GeoSlab703 MdCn BT" panose="02060506020205050403" pitchFamily="18" charset="0"/>
+              </a:rPr>
+              <a:t>dolor</a:t>
+            </a:r>
+            <a:r>
+              <a:rPr lang="pt-BR" b="1" dirty="0">
+                <a:solidFill>
+                  <a:schemeClr val="bg1"/>
+                </a:solidFill>
+                <a:latin typeface="GeoSlab703 MdCn BT" panose="02060506020205050403" pitchFamily="18" charset="0"/>
+              </a:rPr>
+              <a:t> </a:t>
+            </a:r>
+            <a:r>
+              <a:rPr lang="pt-BR" b="1" dirty="0" err="1">
+                <a:solidFill>
+                  <a:schemeClr val="bg1"/>
+                </a:solidFill>
+                <a:latin typeface="GeoSlab703 MdCn BT" panose="02060506020205050403" pitchFamily="18" charset="0"/>
+              </a:rPr>
+              <a:t>sit</a:t>
+            </a:r>
+            <a:r>
+              <a:rPr lang="pt-BR" b="1" dirty="0">
+                <a:solidFill>
+                  <a:schemeClr val="bg1"/>
+                </a:solidFill>
+                <a:latin typeface="GeoSlab703 MdCn BT" panose="02060506020205050403" pitchFamily="18" charset="0"/>
+              </a:rPr>
+              <a:t> </a:t>
+            </a:r>
+            <a:r>
+              <a:rPr lang="pt-BR" b="1" dirty="0" err="1">
+                <a:solidFill>
+                  <a:schemeClr val="bg1"/>
+                </a:solidFill>
+                <a:latin typeface="GeoSlab703 MdCn BT" panose="02060506020205050403" pitchFamily="18" charset="0"/>
+              </a:rPr>
+              <a:t>amet</a:t>
+            </a:r>
+            <a:r>
+              <a:rPr lang="pt-BR" b="1" dirty="0">
+                <a:solidFill>
+                  <a:schemeClr val="bg1"/>
+                </a:solidFill>
+                <a:latin typeface="GeoSlab703 MdCn BT" panose="02060506020205050403" pitchFamily="18" charset="0"/>
+              </a:rPr>
+              <a:t>, </a:t>
+            </a:r>
+            <a:r>
+              <a:rPr lang="pt-BR" b="1" dirty="0" err="1">
+                <a:solidFill>
+                  <a:schemeClr val="bg1"/>
+                </a:solidFill>
+                <a:latin typeface="GeoSlab703 MdCn BT" panose="02060506020205050403" pitchFamily="18" charset="0"/>
+              </a:rPr>
+              <a:t>consectetur</a:t>
+            </a:r>
+            <a:r>
+              <a:rPr lang="pt-BR" b="1" dirty="0">
+                <a:solidFill>
+                  <a:schemeClr val="bg1"/>
+                </a:solidFill>
+                <a:latin typeface="GeoSlab703 MdCn BT" panose="02060506020205050403" pitchFamily="18" charset="0"/>
+              </a:rPr>
+              <a:t> </a:t>
+            </a:r>
+            <a:r>
+              <a:rPr lang="pt-BR" b="1" dirty="0" err="1">
+                <a:solidFill>
+                  <a:schemeClr val="bg1"/>
+                </a:solidFill>
+                <a:latin typeface="GeoSlab703 MdCn BT" panose="02060506020205050403" pitchFamily="18" charset="0"/>
+              </a:rPr>
+              <a:t>adipiscing</a:t>
+            </a:r>
+            <a:r>
+              <a:rPr lang="pt-BR" b="1" dirty="0">
+                <a:solidFill>
+                  <a:schemeClr val="bg1"/>
+                </a:solidFill>
+                <a:latin typeface="GeoSlab703 MdCn BT" panose="02060506020205050403" pitchFamily="18" charset="0"/>
+              </a:rPr>
+              <a:t> </a:t>
+            </a:r>
+            <a:r>
+              <a:rPr lang="pt-BR" b="1" dirty="0" err="1">
+                <a:solidFill>
+                  <a:schemeClr val="bg1"/>
+                </a:solidFill>
+                <a:latin typeface="GeoSlab703 MdCn BT" panose="02060506020205050403" pitchFamily="18" charset="0"/>
+              </a:rPr>
+              <a:t>elit</a:t>
+            </a:r>
+            <a:r>
+              <a:rPr lang="pt-BR" b="1" dirty="0">
+                <a:solidFill>
+                  <a:schemeClr val="bg1"/>
+                </a:solidFill>
+                <a:latin typeface="GeoSlab703 MdCn BT" panose="02060506020205050403" pitchFamily="18" charset="0"/>
+              </a:rPr>
+              <a:t>. </a:t>
+            </a:r>
+            <a:r>
+              <a:rPr lang="pt-BR" b="1" dirty="0" err="1">
+                <a:solidFill>
+                  <a:schemeClr val="bg1"/>
+                </a:solidFill>
+                <a:latin typeface="GeoSlab703 MdCn BT" panose="02060506020205050403" pitchFamily="18" charset="0"/>
+              </a:rPr>
+              <a:t>Praesent</a:t>
+            </a:r>
+            <a:r>
+              <a:rPr lang="pt-BR" b="1" dirty="0">
+                <a:solidFill>
+                  <a:schemeClr val="bg1"/>
+                </a:solidFill>
+                <a:latin typeface="GeoSlab703 MdCn BT" panose="02060506020205050403" pitchFamily="18" charset="0"/>
+              </a:rPr>
+              <a:t> </a:t>
+            </a:r>
+            <a:r>
+              <a:rPr lang="pt-BR" b="1" dirty="0" err="1">
+                <a:solidFill>
+                  <a:schemeClr val="bg1"/>
+                </a:solidFill>
+                <a:latin typeface="GeoSlab703 MdCn BT" panose="02060506020205050403" pitchFamily="18" charset="0"/>
+              </a:rPr>
+              <a:t>iaculis</a:t>
+            </a:r>
+            <a:r>
+              <a:rPr lang="pt-BR" b="1" dirty="0">
+                <a:solidFill>
+                  <a:schemeClr val="bg1"/>
+                </a:solidFill>
+                <a:latin typeface="GeoSlab703 MdCn BT" panose="02060506020205050403" pitchFamily="18" charset="0"/>
+              </a:rPr>
+              <a:t> </a:t>
+            </a:r>
+            <a:r>
+              <a:rPr lang="pt-BR" b="1" dirty="0" err="1">
+                <a:solidFill>
+                  <a:schemeClr val="bg1"/>
+                </a:solidFill>
+                <a:latin typeface="GeoSlab703 MdCn BT" panose="02060506020205050403" pitchFamily="18" charset="0"/>
+              </a:rPr>
+              <a:t>pellentesque</a:t>
+            </a:r>
+            <a:r>
+              <a:rPr lang="pt-BR" b="1" dirty="0">
+                <a:solidFill>
+                  <a:schemeClr val="bg1"/>
+                </a:solidFill>
+                <a:latin typeface="GeoSlab703 MdCn BT" panose="02060506020205050403" pitchFamily="18" charset="0"/>
+              </a:rPr>
+              <a:t> </a:t>
+            </a:r>
+            <a:r>
+              <a:rPr lang="pt-BR" b="1" dirty="0" err="1">
+                <a:solidFill>
+                  <a:schemeClr val="bg1"/>
+                </a:solidFill>
+                <a:latin typeface="GeoSlab703 MdCn BT" panose="02060506020205050403" pitchFamily="18" charset="0"/>
+              </a:rPr>
+              <a:t>nisi</a:t>
+            </a:r>
+            <a:r>
+              <a:rPr lang="pt-BR" b="1" dirty="0">
+                <a:solidFill>
+                  <a:schemeClr val="bg1"/>
+                </a:solidFill>
+                <a:latin typeface="GeoSlab703 MdCn BT" panose="02060506020205050403" pitchFamily="18" charset="0"/>
+              </a:rPr>
+              <a:t> </a:t>
+            </a:r>
+            <a:r>
+              <a:rPr lang="pt-BR" b="1" dirty="0" err="1">
+                <a:solidFill>
+                  <a:schemeClr val="bg1"/>
+                </a:solidFill>
+                <a:latin typeface="GeoSlab703 MdCn BT" panose="02060506020205050403" pitchFamily="18" charset="0"/>
+              </a:rPr>
+              <a:t>at</a:t>
+            </a:r>
+            <a:r>
+              <a:rPr lang="pt-BR" b="1" dirty="0">
+                <a:solidFill>
+                  <a:schemeClr val="bg1"/>
+                </a:solidFill>
+                <a:latin typeface="GeoSlab703 MdCn BT" panose="02060506020205050403" pitchFamily="18" charset="0"/>
+              </a:rPr>
+              <a:t> </a:t>
+            </a:r>
+            <a:r>
+              <a:rPr lang="pt-BR" b="1" dirty="0" err="1">
+                <a:solidFill>
+                  <a:schemeClr val="bg1"/>
+                </a:solidFill>
+                <a:latin typeface="GeoSlab703 MdCn BT" panose="02060506020205050403" pitchFamily="18" charset="0"/>
+              </a:rPr>
+              <a:t>cursus</a:t>
+            </a:r>
+            <a:r>
+              <a:rPr lang="pt-BR" b="1" dirty="0">
+                <a:solidFill>
+                  <a:schemeClr val="bg1"/>
+                </a:solidFill>
+                <a:latin typeface="GeoSlab703 MdCn BT" panose="02060506020205050403" pitchFamily="18" charset="0"/>
+              </a:rPr>
+              <a:t>. </a:t>
+            </a:r>
+          </a:p>
+          <a:p>
+            <a:r>
+              <a:rPr lang="pt-BR" b="1" dirty="0" err="1">
+                <a:solidFill>
+                  <a:schemeClr val="bg1"/>
+                </a:solidFill>
+                <a:latin typeface="GeoSlab703 MdCn BT" panose="02060506020205050403" pitchFamily="18" charset="0"/>
+              </a:rPr>
+              <a:t>Morbi</a:t>
+            </a:r>
+            <a:r>
+              <a:rPr lang="pt-BR" b="1" dirty="0">
+                <a:solidFill>
+                  <a:schemeClr val="bg1"/>
+                </a:solidFill>
+                <a:latin typeface="GeoSlab703 MdCn BT" panose="02060506020205050403" pitchFamily="18" charset="0"/>
+              </a:rPr>
+              <a:t> </a:t>
+            </a:r>
+            <a:r>
+              <a:rPr lang="pt-BR" b="1" dirty="0" err="1">
+                <a:solidFill>
+                  <a:schemeClr val="bg1"/>
+                </a:solidFill>
+                <a:latin typeface="GeoSlab703 MdCn BT" panose="02060506020205050403" pitchFamily="18" charset="0"/>
+              </a:rPr>
+              <a:t>sit</a:t>
+            </a:r>
+            <a:r>
+              <a:rPr lang="pt-BR" b="1" dirty="0">
+                <a:solidFill>
+                  <a:schemeClr val="bg1"/>
+                </a:solidFill>
+                <a:latin typeface="GeoSlab703 MdCn BT" panose="02060506020205050403" pitchFamily="18" charset="0"/>
+              </a:rPr>
+              <a:t> </a:t>
+            </a:r>
+            <a:r>
+              <a:rPr lang="pt-BR" b="1" dirty="0" err="1">
+                <a:solidFill>
+                  <a:schemeClr val="bg1"/>
+                </a:solidFill>
+                <a:latin typeface="GeoSlab703 MdCn BT" panose="02060506020205050403" pitchFamily="18" charset="0"/>
+              </a:rPr>
+              <a:t>amet</a:t>
+            </a:r>
+            <a:r>
+              <a:rPr lang="pt-BR" b="1" dirty="0">
+                <a:solidFill>
+                  <a:schemeClr val="bg1"/>
+                </a:solidFill>
+                <a:latin typeface="GeoSlab703 MdCn BT" panose="02060506020205050403" pitchFamily="18" charset="0"/>
+              </a:rPr>
+              <a:t> erat </a:t>
+            </a:r>
+            <a:r>
+              <a:rPr lang="pt-BR" b="1" dirty="0" err="1">
+                <a:solidFill>
+                  <a:schemeClr val="bg1"/>
+                </a:solidFill>
+                <a:latin typeface="GeoSlab703 MdCn BT" panose="02060506020205050403" pitchFamily="18" charset="0"/>
+              </a:rPr>
+              <a:t>molestie</a:t>
+            </a:r>
+            <a:r>
+              <a:rPr lang="pt-BR" b="1" dirty="0">
+                <a:solidFill>
+                  <a:schemeClr val="bg1"/>
+                </a:solidFill>
+                <a:latin typeface="GeoSlab703 MdCn BT" panose="02060506020205050403" pitchFamily="18" charset="0"/>
+              </a:rPr>
+              <a:t>, tempus </a:t>
+            </a:r>
+            <a:r>
+              <a:rPr lang="pt-BR" b="1" dirty="0" err="1">
+                <a:solidFill>
+                  <a:schemeClr val="bg1"/>
+                </a:solidFill>
+                <a:latin typeface="GeoSlab703 MdCn BT" panose="02060506020205050403" pitchFamily="18" charset="0"/>
+              </a:rPr>
+              <a:t>nulla</a:t>
+            </a:r>
+            <a:r>
+              <a:rPr lang="pt-BR" b="1" dirty="0">
+                <a:solidFill>
+                  <a:schemeClr val="bg1"/>
+                </a:solidFill>
+                <a:latin typeface="GeoSlab703 MdCn BT" panose="02060506020205050403" pitchFamily="18" charset="0"/>
+              </a:rPr>
+              <a:t> </a:t>
+            </a:r>
+            <a:r>
+              <a:rPr lang="pt-BR" b="1" dirty="0" err="1">
+                <a:solidFill>
+                  <a:schemeClr val="bg1"/>
+                </a:solidFill>
+                <a:latin typeface="GeoSlab703 MdCn BT" panose="02060506020205050403" pitchFamily="18" charset="0"/>
+              </a:rPr>
+              <a:t>nec</a:t>
+            </a:r>
+            <a:r>
+              <a:rPr lang="pt-BR" b="1" dirty="0">
+                <a:solidFill>
+                  <a:schemeClr val="bg1"/>
+                </a:solidFill>
+                <a:latin typeface="GeoSlab703 MdCn BT" panose="02060506020205050403" pitchFamily="18" charset="0"/>
+              </a:rPr>
+              <a:t>, </a:t>
+            </a:r>
+            <a:r>
+              <a:rPr lang="pt-BR" b="1" dirty="0" err="1">
+                <a:solidFill>
+                  <a:schemeClr val="bg1"/>
+                </a:solidFill>
+                <a:latin typeface="GeoSlab703 MdCn BT" panose="02060506020205050403" pitchFamily="18" charset="0"/>
+              </a:rPr>
+              <a:t>lobortis</a:t>
+            </a:r>
+            <a:r>
+              <a:rPr lang="pt-BR" b="1" dirty="0">
+                <a:solidFill>
+                  <a:schemeClr val="bg1"/>
+                </a:solidFill>
+                <a:latin typeface="GeoSlab703 MdCn BT" panose="02060506020205050403" pitchFamily="18" charset="0"/>
+              </a:rPr>
+              <a:t> </a:t>
+            </a:r>
+            <a:r>
+              <a:rPr lang="pt-BR" b="1" dirty="0" err="1">
+                <a:solidFill>
+                  <a:schemeClr val="bg1"/>
+                </a:solidFill>
+                <a:latin typeface="GeoSlab703 MdCn BT" panose="02060506020205050403" pitchFamily="18" charset="0"/>
+              </a:rPr>
+              <a:t>enim</a:t>
+            </a:r>
+            <a:r>
+              <a:rPr lang="pt-BR" b="1" dirty="0">
+                <a:solidFill>
+                  <a:schemeClr val="bg1"/>
+                </a:solidFill>
+                <a:latin typeface="GeoSlab703 MdCn BT" panose="02060506020205050403" pitchFamily="18" charset="0"/>
+              </a:rPr>
+              <a:t>.</a:t>
+            </a:r>
+          </a:p>
+        </p:txBody>
+      </p:sp>
+      <p:pic>
+        <p:nvPicPr>
+          <p:cNvPr id="3" name="Imagem 2"/>
+          <p:cNvPicPr>
+            <a:picLocks noChangeAspect="1"/>
+          </p:cNvPicPr>
+          <p:nvPr/>
+        </p:nvPicPr>
+        <p:blipFill>
+          <a:blip r:embed="rId2">
+            <a:extLst>
+              <a:ext uri="{28A0092B-C50C-407E-A947-70E740481C1C}">
+                <a14:useLocalDpi xmlns:a14="http://schemas.microsoft.com/office/drawing/2010/main" val="0"/>
+              </a:ext>
+            </a:extLst>
+          </a:blip>
+          <a:stretch>
+            <a:fillRect/>
+          </a:stretch>
+        </p:blipFill>
+        <p:spPr>
+          <a:xfrm>
+            <a:off x="632052" y="6310312"/>
+            <a:ext cx="1095375" cy="333375"/>
+          </a:xfrm>
+          <a:prstGeom prst="rect">
+            <a:avLst/>
+          </a:prstGeom>
+        </p:spPr>
+      </p:pic>
+      <p:pic>
+        <p:nvPicPr>
+          <p:cNvPr id="4" name="Imagem 3"/>
+          <p:cNvPicPr>
+            <a:picLocks noChangeAspect="1"/>
+          </p:cNvPicPr>
+          <p:nvPr/>
+        </p:nvPicPr>
+        <p:blipFill>
+          <a:blip r:embed="rId3">
+            <a:extLst>
+              <a:ext uri="{28A0092B-C50C-407E-A947-70E740481C1C}">
+                <a14:useLocalDpi xmlns:a14="http://schemas.microsoft.com/office/drawing/2010/main" val="0"/>
+              </a:ext>
+            </a:extLst>
+          </a:blip>
+          <a:stretch>
+            <a:fillRect/>
+          </a:stretch>
+        </p:blipFill>
+        <p:spPr>
+          <a:xfrm>
+            <a:off x="0" y="0"/>
+            <a:ext cx="9144000" cy="6858000"/>
+          </a:xfrm>
+          <a:prstGeom prst="rect">
+            <a:avLst/>
+          </a:prstGeom>
+        </p:spPr>
+      </p:pic>
+      <p:sp>
+        <p:nvSpPr>
+          <p:cNvPr id="5" name="CaixaDeTexto 4"/>
+          <p:cNvSpPr txBox="1"/>
+          <p:nvPr/>
+        </p:nvSpPr>
+        <p:spPr>
+          <a:xfrm>
             <a:off x="632052" y="629357"/>
             <a:ext cx="4595361" cy="584775"/>
           </a:xfrm>
@@ -5804,7 +6279,7 @@
               </a:rPr>
               <a:t>ORGANIZAÇÃO DO RELATÓRIO</a:t>
             </a:r>
-            <a:endParaRPr lang="pt-BR" sz="3200" b="1" dirty="0" smtClean="0">
+            <a:endParaRPr lang="pt-BR" sz="3200" b="1" dirty="0">
               <a:solidFill>
                 <a:schemeClr val="bg1"/>
               </a:solidFill>
@@ -5835,7 +6310,7 @@
           </a:bodyPr>
           <a:lstStyle/>
           <a:p>
-            <a:endParaRPr lang="pt-BR" b="1" dirty="0" smtClean="0">
+            <a:endParaRPr lang="pt-BR" b="1" dirty="0">
               <a:solidFill>
                 <a:schemeClr val="bg1"/>
               </a:solidFill>
@@ -5843,7 +6318,7 @@
             </a:endParaRPr>
           </a:p>
           <a:p>
-            <a:endParaRPr lang="pt-BR" b="1" dirty="0" smtClean="0">
+            <a:endParaRPr lang="pt-BR" b="1" dirty="0">
               <a:solidFill>
                 <a:schemeClr val="bg1"/>
               </a:solidFill>
@@ -5899,7 +6374,7 @@
           <a:lstStyle/>
           <a:p>
             <a:r>
-              <a:rPr lang="pt-BR" sz="2800" b="1" dirty="0" smtClean="0">
+              <a:rPr lang="pt-BR" sz="2800" b="1" dirty="0">
                 <a:solidFill>
                   <a:schemeClr val="bg1"/>
                 </a:solidFill>
@@ -6030,7 +6505,7 @@
           <p:spPr>
             <a:xfrm>
               <a:off x="938415" y="3768621"/>
-              <a:ext cx="4753161" cy="523220"/>
+              <a:ext cx="1600118" cy="523220"/>
             </a:xfrm>
             <a:prstGeom prst="rect">
               <a:avLst/>
@@ -6050,7 +6525,7 @@
                   </a:solidFill>
                   <a:latin typeface="GeoSlab703 MdCn BT" panose="02060506020205050403" pitchFamily="18" charset="0"/>
                 </a:rPr>
-                <a:t>Procedimentos Metodológicos</a:t>
+                <a:t>Metodologia</a:t>
               </a:r>
             </a:p>
           </p:txBody>
@@ -6155,7 +6630,7 @@
         <p:spPr>
           <a:xfrm>
             <a:off x="841533" y="5133777"/>
-            <a:ext cx="6154249" cy="984885"/>
+            <a:ext cx="1382110" cy="984885"/>
           </a:xfrm>
           <a:prstGeom prst="rect">
             <a:avLst/>
@@ -6175,7 +6650,7 @@
                 </a:solidFill>
                 <a:latin typeface="GeoSlab703 MdCn BT" panose="02060506020205050403" pitchFamily="18" charset="0"/>
               </a:rPr>
-              <a:t>Conclusões, Limitações e Recomendações </a:t>
+              <a:t>Conclusões</a:t>
             </a:r>
           </a:p>
           <a:p>
@@ -6222,13 +6697,6 @@
   <p:clrMapOvr>
     <a:masterClrMapping/>
   </p:clrMapOvr>
-  <p:timing>
-    <p:tnLst>
-      <p:par>
-        <p:cTn id="1" dur="indefinite" restart="never" nodeType="tmRoot"/>
-      </p:par>
-    </p:tnLst>
-  </p:timing>
 </p:sld>
 </file>
 
@@ -6302,7 +6770,7 @@
           <a:lstStyle/>
           <a:p>
             <a:r>
-              <a:rPr lang="da-DK" sz="3200" b="1" dirty="0" smtClean="0">
+              <a:rPr lang="da-DK" sz="3200" b="1" dirty="0">
                 <a:solidFill>
                   <a:schemeClr val="bg1"/>
                 </a:solidFill>
@@ -6342,34 +6810,16 @@
           <a:lstStyle/>
           <a:p>
             <a:r>
-              <a:rPr lang="pt-BR" sz="2400" b="1" dirty="0" smtClean="0">
-                <a:solidFill>
-                  <a:schemeClr val="bg1"/>
-                </a:solidFill>
-                <a:latin typeface="GeoSlab703 MdCn BT" panose="02060506020205050403" pitchFamily="18" charset="0"/>
-              </a:rPr>
-              <a:t>	Existem </a:t>
-            </a:r>
-            <a:r>
               <a:rPr lang="pt-BR" sz="2400" b="1" dirty="0">
                 <a:solidFill>
                   <a:schemeClr val="bg1"/>
                 </a:solidFill>
                 <a:latin typeface="GeoSlab703 MdCn BT" panose="02060506020205050403" pitchFamily="18" charset="0"/>
               </a:rPr>
-              <a:t>hoje no mercado diversos softwares gerenciadores de biblioteca, alguns são proprietários como, por exemplo, o Pergamum e o Sophia; e outros são open source, como o BibLivre. </a:t>
-            </a:r>
-          </a:p>
-          <a:p>
-            <a:r>
-              <a:rPr lang="pt-BR" sz="2400" b="1" dirty="0" smtClean="0">
-                <a:solidFill>
-                  <a:schemeClr val="bg1"/>
-                </a:solidFill>
-                <a:latin typeface="GeoSlab703 MdCn BT" panose="02060506020205050403" pitchFamily="18" charset="0"/>
-              </a:rPr>
-              <a:t>	Softwares </a:t>
-            </a:r>
+              <a:t>	Existem hoje no mercado diversos softwares gerenciadores de biblioteca, alguns são proprietários como, por exemplo, o Pergamum e o Sophia; e outros são open source, como o BibLivre. </a:t>
+            </a:r>
+          </a:p>
+          <a:p>
             <a:r>
               <a:rPr lang="pt-BR" sz="2400" b="1" dirty="0">
                 <a:solidFill>
@@ -6377,7 +6827,7 @@
                 </a:solidFill>
                 <a:latin typeface="GeoSlab703 MdCn BT" panose="02060506020205050403" pitchFamily="18" charset="0"/>
               </a:rPr>
-              <a:t>gerenciadores de biblioteca, como os citados acima, são ferramentas importantíssimas que agilizam diversos processos da área, auxiliando nas principais funções desde a aquisição, catalogação, controle de usuários até a realização de empréstimos e devoluções. </a:t>
+              <a:t>	Softwares gerenciadores de biblioteca, como os citados acima, são ferramentas importantíssimas que agilizam diversos processos da área, auxiliando nas principais funções desde a aquisição, catalogação, controle de usuários até a realização de empréstimos e devoluções. </a:t>
             </a:r>
           </a:p>
         </p:txBody>
@@ -6392,13 +6842,6 @@
   <p:clrMapOvr>
     <a:masterClrMapping/>
   </p:clrMapOvr>
-  <p:timing>
-    <p:tnLst>
-      <p:par>
-        <p:cTn id="1" dur="indefinite" restart="never" nodeType="tmRoot"/>
-      </p:par>
-    </p:tnLst>
-  </p:timing>
 </p:sld>
 </file>
 
@@ -6667,7 +7110,7 @@
               <a:t>cursus</a:t>
             </a:r>
             <a:r>
-              <a:rPr lang="pt-BR" b="1" dirty="0" smtClean="0">
+              <a:rPr lang="pt-BR" b="1" dirty="0">
                 <a:solidFill>
                   <a:schemeClr val="bg1"/>
                 </a:solidFill>
@@ -6678,7 +7121,7 @@
           </a:p>
           <a:p>
             <a:r>
-              <a:rPr lang="pt-BR" b="1" dirty="0" err="1" smtClean="0">
+              <a:rPr lang="pt-BR" b="1" dirty="0" err="1">
                 <a:solidFill>
                   <a:schemeClr val="bg1"/>
                 </a:solidFill>
@@ -6687,7 +7130,7 @@
               <a:t>Morbi</a:t>
             </a:r>
             <a:r>
-              <a:rPr lang="pt-BR" b="1" dirty="0" smtClean="0">
+              <a:rPr lang="pt-BR" b="1" dirty="0">
                 <a:solidFill>
                   <a:schemeClr val="bg1"/>
                 </a:solidFill>
@@ -6821,12 +7264,6 @@
               </a:rPr>
               <a:t>.</a:t>
             </a:r>
-            <a:endParaRPr lang="pt-BR" b="1" dirty="0" smtClean="0">
-              <a:solidFill>
-                <a:schemeClr val="bg1"/>
-              </a:solidFill>
-              <a:latin typeface="GeoSlab703 MdCn BT" panose="02060506020205050403" pitchFamily="18" charset="0"/>
-            </a:endParaRPr>
           </a:p>
         </p:txBody>
       </p:sp>
@@ -6930,7 +7367,7 @@
           </a:p>
           <a:p>
             <a:r>
-              <a:rPr lang="da-DK" sz="3200" b="1" dirty="0" smtClean="0">
+              <a:rPr lang="da-DK" sz="3200" b="1" dirty="0">
                 <a:solidFill>
                   <a:schemeClr val="bg1"/>
                 </a:solidFill>
@@ -6940,7 +7377,7 @@
             </a:r>
           </a:p>
           <a:p>
-            <a:endParaRPr lang="pt-BR" sz="3200" b="1" dirty="0" smtClean="0">
+            <a:endParaRPr lang="pt-BR" sz="3200" b="1" dirty="0">
               <a:solidFill>
                 <a:schemeClr val="bg1"/>
               </a:solidFill>
@@ -6957,8 +7394,8 @@
         </p:nvSpPr>
         <p:spPr>
           <a:xfrm>
-            <a:off x="938416" y="1422250"/>
-            <a:ext cx="7728398" cy="2062103"/>
+            <a:off x="938416" y="1884523"/>
+            <a:ext cx="7728398" cy="1569660"/>
           </a:xfrm>
           <a:prstGeom prst="rect">
             <a:avLst/>
@@ -6971,10 +7408,6 @@
           </a:bodyPr>
           <a:lstStyle/>
           <a:p>
-            <a:pPr marL="285750" indent="-285750">
-              <a:buFont typeface="Arial" panose="020B0604020202020204" pitchFamily="34" charset="0"/>
-              <a:buChar char="•"/>
-            </a:pPr>
             <a:r>
               <a:rPr lang="pt-BR" sz="3200" b="1" dirty="0">
                 <a:solidFill>
@@ -6982,52 +7415,7 @@
                 </a:solidFill>
                 <a:latin typeface="GeoSlab703 MdCn BT" panose="02060506020205050403" pitchFamily="18" charset="0"/>
               </a:rPr>
-              <a:t>G</a:t>
-            </a:r>
-            <a:r>
-              <a:rPr lang="pt-BR" sz="3200" b="1" dirty="0" smtClean="0">
-                <a:solidFill>
-                  <a:schemeClr val="bg1"/>
-                </a:solidFill>
-                <a:latin typeface="GeoSlab703 MdCn BT" panose="02060506020205050403" pitchFamily="18" charset="0"/>
-              </a:rPr>
-              <a:t>rande </a:t>
-            </a:r>
-            <a:r>
-              <a:rPr lang="pt-BR" sz="3200" b="1" dirty="0">
-                <a:solidFill>
-                  <a:schemeClr val="bg1"/>
-                </a:solidFill>
-                <a:latin typeface="GeoSlab703 MdCn BT" panose="02060506020205050403" pitchFamily="18" charset="0"/>
-              </a:rPr>
-              <a:t>parte </a:t>
-            </a:r>
-            <a:r>
-              <a:rPr lang="pt-BR" sz="3200" b="1" dirty="0" smtClean="0">
-                <a:solidFill>
-                  <a:schemeClr val="bg1"/>
-                </a:solidFill>
-                <a:latin typeface="GeoSlab703 MdCn BT" panose="02060506020205050403" pitchFamily="18" charset="0"/>
-              </a:rPr>
-              <a:t>dos softwares gerenciadores de biblioteca disponíveis </a:t>
-            </a:r>
-            <a:r>
-              <a:rPr lang="pt-BR" sz="3200" b="1" dirty="0">
-                <a:solidFill>
-                  <a:schemeClr val="bg1"/>
-                </a:solidFill>
-                <a:latin typeface="GeoSlab703 MdCn BT" panose="02060506020205050403" pitchFamily="18" charset="0"/>
-              </a:rPr>
-              <a:t>hoje no mercado não oferece um item como diferencial: a colaboração entre os </a:t>
-            </a:r>
-            <a:r>
-              <a:rPr lang="pt-BR" sz="3200" b="1" dirty="0" smtClean="0">
-                <a:solidFill>
-                  <a:schemeClr val="bg1"/>
-                </a:solidFill>
-                <a:latin typeface="GeoSlab703 MdCn BT" panose="02060506020205050403" pitchFamily="18" charset="0"/>
-              </a:rPr>
-              <a:t>usuários.</a:t>
+              <a:t>Grande parte dos softwares gerenciadores de biblioteca disponíveis hoje no mercado não oferece um item como diferencial: a colaboração entre os usuários.</a:t>
             </a:r>
             <a:endParaRPr lang="pt-BR" sz="2800" b="1" dirty="0">
               <a:solidFill>
@@ -7048,13 +7436,6 @@
   <p:clrMapOvr>
     <a:masterClrMapping/>
   </p:clrMapOvr>
-  <p:timing>
-    <p:tnLst>
-      <p:par>
-        <p:cTn id="1" dur="indefinite" restart="never" nodeType="tmRoot"/>
-      </p:par>
-    </p:tnLst>
-  </p:timing>
 </p:sld>
 </file>
 
@@ -7128,7 +7509,7 @@
           <a:lstStyle/>
           <a:p>
             <a:r>
-              <a:rPr lang="da-DK" sz="3200" b="1" dirty="0" smtClean="0">
+              <a:rPr lang="da-DK" sz="3200" b="1" dirty="0">
                 <a:solidFill>
                   <a:schemeClr val="bg1"/>
                 </a:solidFill>
@@ -7136,7 +7517,7 @@
               </a:rPr>
               <a:t>OBJETIVO GERAL</a:t>
             </a:r>
-            <a:endParaRPr lang="pt-BR" sz="3200" b="1" dirty="0" smtClean="0">
+            <a:endParaRPr lang="pt-BR" sz="3200" b="1" dirty="0">
               <a:solidFill>
                 <a:schemeClr val="bg1"/>
               </a:solidFill>
@@ -7153,7 +7534,7 @@
         </p:nvSpPr>
         <p:spPr>
           <a:xfrm>
-            <a:off x="938415" y="1422250"/>
+            <a:off x="1002809" y="1976041"/>
             <a:ext cx="7709195" cy="1569660"/>
           </a:xfrm>
           <a:prstGeom prst="rect">
@@ -7168,29 +7549,14 @@
           <a:lstStyle/>
           <a:p>
             <a:r>
-              <a:rPr lang="pt-BR" sz="3200" b="1" dirty="0" smtClean="0">
-                <a:solidFill>
-                  <a:schemeClr val="bg1"/>
-                </a:solidFill>
-                <a:latin typeface="GeoSlab703 MdCn BT" panose="02060506020205050403" pitchFamily="18" charset="0"/>
-              </a:rPr>
-              <a:t>Descrever um </a:t>
-            </a:r>
-            <a:r>
               <a:rPr lang="pt-BR" sz="3200" b="1" dirty="0">
                 <a:solidFill>
                   <a:schemeClr val="bg1"/>
                 </a:solidFill>
                 <a:latin typeface="GeoSlab703 MdCn BT" panose="02060506020205050403" pitchFamily="18" charset="0"/>
               </a:rPr>
-              <a:t>sistema bibliotecário colaborativo que atraia pessoas e facilite o acesso às bibliotecas e à leitura. </a:t>
-            </a:r>
-            <a:endParaRPr lang="pt-BR" sz="3200" b="1" dirty="0" smtClean="0">
-              <a:solidFill>
-                <a:schemeClr val="bg1"/>
-              </a:solidFill>
-              <a:latin typeface="GeoSlab703 MdCn BT" panose="02060506020205050403" pitchFamily="18" charset="0"/>
-            </a:endParaRPr>
+              <a:t>Descrever um sistema bibliotecário colaborativo que atraia pessoas e facilite o acesso às bibliotecas e à leitura. </a:t>
+            </a:r>
           </a:p>
         </p:txBody>
       </p:sp>
@@ -7204,13 +7570,6 @@
   <p:clrMapOvr>
     <a:masterClrMapping/>
   </p:clrMapOvr>
-  <p:timing>
-    <p:tnLst>
-      <p:par>
-        <p:cTn id="1" dur="indefinite" restart="never" nodeType="tmRoot"/>
-      </p:par>
-    </p:tnLst>
-  </p:timing>
 </p:sld>
 </file>
 
@@ -7479,7 +7838,7 @@
               <a:t>cursus</a:t>
             </a:r>
             <a:r>
-              <a:rPr lang="pt-BR" b="1" dirty="0" smtClean="0">
+              <a:rPr lang="pt-BR" b="1" dirty="0">
                 <a:solidFill>
                   <a:schemeClr val="bg1"/>
                 </a:solidFill>
@@ -7490,7 +7849,7 @@
           </a:p>
           <a:p>
             <a:r>
-              <a:rPr lang="pt-BR" b="1" dirty="0" err="1" smtClean="0">
+              <a:rPr lang="pt-BR" b="1" dirty="0" err="1">
                 <a:solidFill>
                   <a:schemeClr val="bg1"/>
                 </a:solidFill>
@@ -7499,7 +7858,7 @@
               <a:t>Morbi</a:t>
             </a:r>
             <a:r>
-              <a:rPr lang="pt-BR" b="1" dirty="0" smtClean="0">
+              <a:rPr lang="pt-BR" b="1" dirty="0">
                 <a:solidFill>
                   <a:schemeClr val="bg1"/>
                 </a:solidFill>
@@ -7633,12 +7992,6 @@
               </a:rPr>
               <a:t>.</a:t>
             </a:r>
-            <a:endParaRPr lang="pt-BR" b="1" dirty="0" smtClean="0">
-              <a:solidFill>
-                <a:schemeClr val="bg1"/>
-              </a:solidFill>
-              <a:latin typeface="GeoSlab703 MdCn BT" panose="02060506020205050403" pitchFamily="18" charset="0"/>
-            </a:endParaRPr>
           </a:p>
         </p:txBody>
       </p:sp>
@@ -7725,7 +8078,7 @@
           <a:lstStyle/>
           <a:p>
             <a:r>
-              <a:rPr lang="da-DK" sz="3200" b="1" dirty="0" smtClean="0">
+              <a:rPr lang="da-DK" sz="3200" b="1" dirty="0">
                 <a:solidFill>
                   <a:schemeClr val="bg1"/>
                 </a:solidFill>
@@ -7733,7 +8086,7 @@
               </a:rPr>
               <a:t>OBJETIVOS ESPECÍFICOS</a:t>
             </a:r>
-            <a:endParaRPr lang="pt-BR" sz="3200" b="1" dirty="0" smtClean="0">
+            <a:endParaRPr lang="pt-BR" sz="3200" b="1" dirty="0">
               <a:solidFill>
                 <a:schemeClr val="bg1"/>
               </a:solidFill>
@@ -7750,8 +8103,8 @@
         </p:nvSpPr>
         <p:spPr>
           <a:xfrm>
-            <a:off x="632052" y="1508998"/>
-            <a:ext cx="7728398" cy="4247317"/>
+            <a:off x="632052" y="1595880"/>
+            <a:ext cx="8228613" cy="3816429"/>
           </a:xfrm>
           <a:prstGeom prst="rect">
             <a:avLst/>
@@ -7775,7 +8128,7 @@
                 </a:solidFill>
                 <a:latin typeface="GeoSlab703 MdCn BT" panose="02060506020205050403" pitchFamily="18" charset="0"/>
               </a:rPr>
-              <a:t>Realizar o estudo de como funciona uma biblioteca e quais suas regras;</a:t>
+              <a:t>Realizar o estudo de funcionamento e regras de uma biblioteca;</a:t>
             </a:r>
           </a:p>
           <a:p>
@@ -7790,7 +8143,7 @@
                 </a:solidFill>
                 <a:latin typeface="GeoSlab703 MdCn BT" panose="02060506020205050403" pitchFamily="18" charset="0"/>
               </a:rPr>
-              <a:t>Analisar os softwares disponíveis no mercado;</a:t>
+              <a:t>Desenvolver o sistema bibliotecário;</a:t>
             </a:r>
           </a:p>
           <a:p>
@@ -7805,7 +8158,7 @@
                 </a:solidFill>
                 <a:latin typeface="GeoSlab703 MdCn BT" panose="02060506020205050403" pitchFamily="18" charset="0"/>
               </a:rPr>
-              <a:t>Analisar as ferramentas mais apropriadas para o desenvolvimento do software;</a:t>
+              <a:t>Permitir que usuários possam se cadastrar no sistema;</a:t>
             </a:r>
           </a:p>
           <a:p>
@@ -7820,7 +8173,7 @@
                 </a:solidFill>
                 <a:latin typeface="GeoSlab703 MdCn BT" panose="02060506020205050403" pitchFamily="18" charset="0"/>
               </a:rPr>
-              <a:t>Realizar o estudo de como será feita a colaboração entre os usuários;</a:t>
+              <a:t>Permitir a catalogação (cadastro) de livros, multimídias e periódicos;</a:t>
             </a:r>
           </a:p>
           <a:p>
@@ -7835,7 +8188,7 @@
                 </a:solidFill>
                 <a:latin typeface="GeoSlab703 MdCn BT" panose="02060506020205050403" pitchFamily="18" charset="0"/>
               </a:rPr>
-              <a:t>Desenvolver o sistema bibliotecário;</a:t>
+              <a:t>Permitir empréstimos e devoluções de obras catalogadas;</a:t>
             </a:r>
           </a:p>
           <a:p>
@@ -7850,7 +8203,7 @@
                 </a:solidFill>
                 <a:latin typeface="GeoSlab703 MdCn BT" panose="02060506020205050403" pitchFamily="18" charset="0"/>
               </a:rPr>
-              <a:t>Permitir a colaboração entre os usuários.</a:t>
+              <a:t>Permitir que os usuários possam comentar, curtir e marcar como favoritos os materiais catalogados;</a:t>
             </a:r>
           </a:p>
           <a:p>
@@ -7873,13 +8226,6 @@
   <p:clrMapOvr>
     <a:masterClrMapping/>
   </p:clrMapOvr>
-  <p:timing>
-    <p:tnLst>
-      <p:par>
-        <p:cTn id="1" dur="indefinite" restart="never" nodeType="tmRoot"/>
-      </p:par>
-    </p:tnLst>
-  </p:timing>
 </p:sld>
 </file>
 
@@ -7961,7 +8307,7 @@
               </a:rPr>
               <a:t>JUSTIFICATIVA</a:t>
             </a:r>
-            <a:endParaRPr lang="pt-BR" sz="3200" b="1" dirty="0" smtClean="0">
+            <a:endParaRPr lang="pt-BR" sz="3200" b="1" dirty="0">
               <a:solidFill>
                 <a:schemeClr val="bg1"/>
               </a:solidFill>
@@ -7978,8 +8324,8 @@
         </p:nvSpPr>
         <p:spPr>
           <a:xfrm>
-            <a:off x="938415" y="1422250"/>
-            <a:ext cx="7709195" cy="3539430"/>
+            <a:off x="838114" y="2194983"/>
+            <a:ext cx="7352849" cy="2554545"/>
           </a:xfrm>
           <a:prstGeom prst="rect">
             <a:avLst/>
@@ -7999,16 +8345,8 @@
                 </a:solidFill>
                 <a:latin typeface="GeoSlab703 MdCn BT" panose="02060506020205050403" pitchFamily="18" charset="0"/>
               </a:rPr>
-              <a:t>Digite aqui sua justificativa, o porquê de desenvolver este trabalho, qual a importância para a empresa  (quando for o caso), qual a importância para você, qual a importância do trabalho para a comunidade acadêmica etc.</a:t>
-            </a:r>
-          </a:p>
-          <a:p>
-            <a:endParaRPr lang="pt-BR" sz="3200" b="1" dirty="0" smtClean="0">
-              <a:solidFill>
-                <a:schemeClr val="bg1"/>
-              </a:solidFill>
-              <a:latin typeface="GeoSlab703 MdCn BT" panose="02060506020205050403" pitchFamily="18" charset="0"/>
-            </a:endParaRPr>
+              <a:t>Acredita-se que o sistema possa ser implementado em instituições de ensino tanto privadas como públicas, como um meio de atrair pessoas à leitura por meio da interação entre elas, tornando-se assim um ótimo agregador socio-educacional.</a:t>
+            </a:r>
           </a:p>
         </p:txBody>
       </p:sp>
@@ -8022,13 +8360,6 @@
   <p:clrMapOvr>
     <a:masterClrMapping/>
   </p:clrMapOvr>
-  <p:timing>
-    <p:tnLst>
-      <p:par>
-        <p:cTn id="1" dur="indefinite" restart="never" nodeType="tmRoot"/>
-      </p:par>
-    </p:tnLst>
-  </p:timing>
 </p:sld>
 </file>
 
@@ -8110,7 +8441,7 @@
               </a:rPr>
               <a:t>FUNDAMENTAÇÃO TEÓRICA</a:t>
             </a:r>
-            <a:endParaRPr lang="pt-BR" sz="3200" b="1" dirty="0" smtClean="0">
+            <a:endParaRPr lang="pt-BR" sz="3200" b="1" dirty="0">
               <a:solidFill>
                 <a:schemeClr val="bg1"/>
               </a:solidFill>
@@ -8127,8 +8458,8 @@
         </p:nvSpPr>
         <p:spPr>
           <a:xfrm>
-            <a:off x="938415" y="1422250"/>
-            <a:ext cx="7709195" cy="1200329"/>
+            <a:off x="717402" y="1976042"/>
+            <a:ext cx="7709195" cy="1938992"/>
           </a:xfrm>
           <a:prstGeom prst="rect">
             <a:avLst/>
@@ -8146,7 +8477,7 @@
               <a:buChar char="•"/>
             </a:pPr>
             <a:r>
-              <a:rPr lang="pt-BR" b="1" dirty="0" smtClean="0">
+              <a:rPr lang="pt-BR" sz="2800" b="1" dirty="0">
                 <a:solidFill>
                   <a:schemeClr val="bg1"/>
                 </a:solidFill>
@@ -8161,7 +8492,7 @@
               <a:buChar char="•"/>
             </a:pPr>
             <a:r>
-              <a:rPr lang="pt-BR" b="1" dirty="0" smtClean="0">
+              <a:rPr lang="pt-BR" sz="2800" b="1" dirty="0">
                 <a:solidFill>
                   <a:schemeClr val="bg1"/>
                 </a:solidFill>
@@ -8169,6 +8500,8 @@
               </a:rPr>
               <a:t>Barros (2017), Estabel (2014), Mourão (2013), Prado (2000), Vieira (2014)</a:t>
             </a:r>
+          </a:p>
+          <a:p>
             <a:endParaRPr lang="pt-BR" b="1" dirty="0">
               <a:solidFill>
                 <a:schemeClr val="bg1"/>
@@ -8178,14 +8511,6 @@
           </a:p>
           <a:p>
             <a:endParaRPr lang="pt-BR" b="1" dirty="0">
-              <a:solidFill>
-                <a:schemeClr val="bg1"/>
-              </a:solidFill>
-              <a:latin typeface="GeoSlab703 MdCn BT" panose="02060506020205050403" pitchFamily="18" charset="0"/>
-            </a:endParaRPr>
-          </a:p>
-          <a:p>
-            <a:endParaRPr lang="pt-BR" b="1" dirty="0" smtClean="0">
               <a:solidFill>
                 <a:schemeClr val="bg1"/>
               </a:solidFill>
@@ -8204,13 +8529,6 @@
   <p:clrMapOvr>
     <a:masterClrMapping/>
   </p:clrMapOvr>
-  <p:timing>
-    <p:tnLst>
-      <p:par>
-        <p:cTn id="1" dur="indefinite" restart="never" nodeType="tmRoot"/>
-      </p:par>
-    </p:tnLst>
-  </p:timing>
 </p:sld>
 </file>
 
@@ -8479,7 +8797,7 @@
               <a:t>cursus</a:t>
             </a:r>
             <a:r>
-              <a:rPr lang="pt-BR" b="1" dirty="0" smtClean="0">
+              <a:rPr lang="pt-BR" b="1" dirty="0">
                 <a:solidFill>
                   <a:schemeClr val="bg1"/>
                 </a:solidFill>
@@ -8490,7 +8808,7 @@
           </a:p>
           <a:p>
             <a:r>
-              <a:rPr lang="pt-BR" b="1" dirty="0" err="1" smtClean="0">
+              <a:rPr lang="pt-BR" b="1" dirty="0" err="1">
                 <a:solidFill>
                   <a:schemeClr val="bg1"/>
                 </a:solidFill>
@@ -8499,7 +8817,7 @@
               <a:t>Morbi</a:t>
             </a:r>
             <a:r>
-              <a:rPr lang="pt-BR" b="1" dirty="0" smtClean="0">
+              <a:rPr lang="pt-BR" b="1" dirty="0">
                 <a:solidFill>
                   <a:schemeClr val="bg1"/>
                 </a:solidFill>
@@ -8633,12 +8951,6 @@
               </a:rPr>
               <a:t>.</a:t>
             </a:r>
-            <a:endParaRPr lang="pt-BR" b="1" dirty="0" smtClean="0">
-              <a:solidFill>
-                <a:schemeClr val="bg1"/>
-              </a:solidFill>
-              <a:latin typeface="GeoSlab703 MdCn BT" panose="02060506020205050403" pitchFamily="18" charset="0"/>
-            </a:endParaRPr>
           </a:p>
         </p:txBody>
       </p:sp>
@@ -8725,7 +9037,7 @@
           <a:lstStyle/>
           <a:p>
             <a:r>
-              <a:rPr lang="da-DK" sz="3200" b="1" dirty="0" smtClean="0">
+              <a:rPr lang="da-DK" sz="3200" b="1" dirty="0">
                 <a:solidFill>
                   <a:schemeClr val="bg1"/>
                 </a:solidFill>
@@ -8733,7 +9045,7 @@
               </a:rPr>
               <a:t>METODOLOGIA</a:t>
             </a:r>
-            <a:endParaRPr lang="pt-BR" sz="3200" b="1" dirty="0" smtClean="0">
+            <a:endParaRPr lang="pt-BR" sz="3200" b="1" dirty="0">
               <a:solidFill>
                 <a:schemeClr val="bg1"/>
               </a:solidFill>
@@ -8750,8 +9062,8 @@
         </p:nvSpPr>
         <p:spPr>
           <a:xfrm>
-            <a:off x="710449" y="1196364"/>
-            <a:ext cx="7728398" cy="5139869"/>
+            <a:off x="707801" y="1215564"/>
+            <a:ext cx="7728398" cy="646331"/>
           </a:xfrm>
           <a:prstGeom prst="rect">
             <a:avLst/>
@@ -8763,28 +9075,6 @@
             <a:spAutoFit/>
           </a:bodyPr>
           <a:lstStyle/>
-          <a:p>
-            <a:r>
-              <a:rPr lang="pt-BR" b="1" dirty="0">
-                <a:solidFill>
-                  <a:schemeClr val="bg1"/>
-                </a:solidFill>
-                <a:latin typeface="GeoSlab703 MdCn BT" panose="02060506020205050403" pitchFamily="18" charset="0"/>
-              </a:rPr>
-              <a:t>Primeiramente, foi realizada a análise e definição dos requisitos, onde foram definidos os objetivos e limitações do sistema Novateca, e produzida toda a documentação necessária para que o projeto prosseguisse.</a:t>
-            </a:r>
-          </a:p>
-          <a:p>
-            <a:r>
-              <a:rPr lang="pt-BR" b="1" dirty="0">
-                <a:solidFill>
-                  <a:schemeClr val="bg1"/>
-                </a:solidFill>
-                <a:latin typeface="GeoSlab703 MdCn BT" panose="02060506020205050403" pitchFamily="18" charset="0"/>
-              </a:rPr>
-              <a:t>Durante o desenvolvimento do projeto, foi projetada a estrutura dos dados, a arquitetura do software, detalhes e características das interfaces, e a cada etapa, testes de funcionalidades, desempenho, correções de layout e bugs também foram sendo realizados, até a implantação do sistema. </a:t>
-            </a:r>
-          </a:p>
           <a:p>
             <a:pPr marL="285750" indent="-285750">
               <a:buFont typeface="Arial" panose="020B0604020202020204" pitchFamily="34" charset="0"/>
@@ -8798,134 +9088,103 @@
             </a:endParaRPr>
           </a:p>
           <a:p>
-            <a:r>
-              <a:rPr lang="pt-BR" b="1" dirty="0">
-                <a:solidFill>
-                  <a:schemeClr val="bg1"/>
-                </a:solidFill>
-                <a:latin typeface="GeoSlab703 MdCn BT" panose="02060506020205050403" pitchFamily="18" charset="0"/>
-              </a:rPr>
-              <a:t>Ferramentas que foram utilizadas: </a:t>
-            </a:r>
-          </a:p>
-          <a:p>
-            <a:r>
-              <a:rPr lang="pt-BR" b="1" dirty="0">
-                <a:solidFill>
-                  <a:schemeClr val="bg1"/>
-                </a:solidFill>
-                <a:latin typeface="GeoSlab703 MdCn BT" panose="02060506020205050403" pitchFamily="18" charset="0"/>
-              </a:rPr>
-              <a:t>	</a:t>
-            </a:r>
-            <a:r>
-              <a:rPr lang="pt-BR" sz="1600" b="1" dirty="0">
-                <a:solidFill>
-                  <a:schemeClr val="bg1"/>
-                </a:solidFill>
-                <a:latin typeface="GeoSlab703 MdCn BT" panose="02060506020205050403" pitchFamily="18" charset="0"/>
-              </a:rPr>
-              <a:t>C# – Como linguagem de programação.</a:t>
-            </a:r>
-          </a:p>
-          <a:p>
-            <a:r>
-              <a:rPr lang="pt-BR" sz="1600" b="1" dirty="0">
-                <a:solidFill>
-                  <a:schemeClr val="bg1"/>
-                </a:solidFill>
-                <a:latin typeface="GeoSlab703 MdCn BT" panose="02060506020205050403" pitchFamily="18" charset="0"/>
-              </a:rPr>
-              <a:t>	ASP.NET Core 2.1 – Como framework web.</a:t>
-            </a:r>
-          </a:p>
-          <a:p>
-            <a:r>
-              <a:rPr lang="pt-BR" sz="1600" b="1" dirty="0">
-                <a:solidFill>
-                  <a:schemeClr val="bg1"/>
-                </a:solidFill>
-                <a:latin typeface="GeoSlab703 MdCn BT" panose="02060506020205050403" pitchFamily="18" charset="0"/>
-              </a:rPr>
-              <a:t>	ASP.NET Core Identity 2.1 – como sistema de associação.</a:t>
-            </a:r>
-          </a:p>
-          <a:p>
-            <a:r>
-              <a:rPr lang="pt-BR" sz="1600" b="1" dirty="0">
-                <a:solidFill>
-                  <a:schemeClr val="bg1"/>
-                </a:solidFill>
-                <a:latin typeface="GeoSlab703 MdCn BT" panose="02060506020205050403" pitchFamily="18" charset="0"/>
-              </a:rPr>
-              <a:t>	Bootstrap 4.1 – Como framework front-end.</a:t>
-            </a:r>
-          </a:p>
-          <a:p>
-            <a:r>
-              <a:rPr lang="pt-BR" sz="1600" b="1" dirty="0">
-                <a:solidFill>
-                  <a:schemeClr val="bg1"/>
-                </a:solidFill>
-                <a:latin typeface="GeoSlab703 MdCn BT" panose="02060506020205050403" pitchFamily="18" charset="0"/>
-              </a:rPr>
-              <a:t>	Visual Studio 2017 – como IDE de desenvolvimento.</a:t>
-            </a:r>
-          </a:p>
-          <a:p>
-            <a:r>
-              <a:rPr lang="pt-BR" sz="1600" b="1" dirty="0">
-                <a:solidFill>
-                  <a:schemeClr val="bg1"/>
-                </a:solidFill>
-                <a:latin typeface="GeoSlab703 MdCn BT" panose="02060506020205050403" pitchFamily="18" charset="0"/>
-              </a:rPr>
-              <a:t>	Entity Framework Core 2.1 – para persistência de dados.</a:t>
-            </a:r>
-          </a:p>
-          <a:p>
-            <a:r>
-              <a:rPr lang="pt-BR" sz="1600" b="1" dirty="0">
-                <a:solidFill>
-                  <a:schemeClr val="bg1"/>
-                </a:solidFill>
-                <a:latin typeface="GeoSlab703 MdCn BT" panose="02060506020205050403" pitchFamily="18" charset="0"/>
-              </a:rPr>
-              <a:t>	Git – para versionamento do código.</a:t>
-            </a:r>
-          </a:p>
-          <a:p>
-            <a:r>
-              <a:rPr lang="pt-BR" sz="1600" b="1" dirty="0">
-                <a:solidFill>
-                  <a:schemeClr val="bg1"/>
-                </a:solidFill>
-                <a:latin typeface="GeoSlab703 MdCn BT" panose="02060506020205050403" pitchFamily="18" charset="0"/>
-              </a:rPr>
-              <a:t>	SQL Server 2016 – como SGBD.</a:t>
-            </a:r>
-          </a:p>
-          <a:p>
-            <a:r>
-              <a:rPr lang="pt-BR" sz="1600" b="1" dirty="0">
-                <a:solidFill>
-                  <a:schemeClr val="bg1"/>
-                </a:solidFill>
-                <a:latin typeface="GeoSlab703 MdCn BT" panose="02060506020205050403" pitchFamily="18" charset="0"/>
-              </a:rPr>
-              <a:t>	Corel Draw X8 – para criar e trabalhar o layout, imagens ou texturas.</a:t>
-            </a:r>
-          </a:p>
-          <a:p>
-            <a:r>
-              <a:rPr lang="pt-BR" sz="1600" b="1" dirty="0">
-                <a:solidFill>
-                  <a:schemeClr val="bg1"/>
-                </a:solidFill>
-                <a:latin typeface="GeoSlab703 MdCn BT" panose="02060506020205050403" pitchFamily="18" charset="0"/>
-              </a:rPr>
-              <a:t>	Lighthouse – para medir o desempenho das páginas no navegador. </a:t>
-            </a:r>
+            <a:endParaRPr lang="pt-BR" b="1" dirty="0">
+              <a:solidFill>
+                <a:schemeClr val="bg1"/>
+              </a:solidFill>
+              <a:latin typeface="GeoSlab703 MdCn BT" panose="02060506020205050403" pitchFamily="18" charset="0"/>
+            </a:endParaRPr>
+          </a:p>
+        </p:txBody>
+      </p:sp>
+      <p:sp>
+        <p:nvSpPr>
+          <p:cNvPr id="8" name="CaixaDeTexto 7">
+            <a:extLst>
+              <a:ext uri="{FF2B5EF4-FFF2-40B4-BE49-F238E27FC236}">
+                <a16:creationId xmlns:a16="http://schemas.microsoft.com/office/drawing/2014/main" id="{8883624B-AAB6-4BC6-92C2-24FB028099B8}"/>
+              </a:ext>
+            </a:extLst>
+          </p:cNvPr>
+          <p:cNvSpPr txBox="1"/>
+          <p:nvPr/>
+        </p:nvSpPr>
+        <p:spPr>
+          <a:xfrm>
+            <a:off x="1179739" y="2286218"/>
+            <a:ext cx="7709195" cy="2954655"/>
+          </a:xfrm>
+          <a:prstGeom prst="rect">
+            <a:avLst/>
+          </a:prstGeom>
+          <a:noFill/>
+        </p:spPr>
+        <p:txBody>
+          <a:bodyPr wrap="square" rtlCol="0">
+            <a:spAutoFit/>
+          </a:bodyPr>
+          <a:lstStyle/>
+          <a:p>
+            <a:r>
+              <a:rPr lang="pt-BR" sz="2800" b="1" dirty="0">
+                <a:solidFill>
+                  <a:schemeClr val="bg1"/>
+                </a:solidFill>
+                <a:latin typeface="GeoSlab703 MdCn BT" panose="02060506020205050403" pitchFamily="18" charset="0"/>
+              </a:rPr>
+              <a:t>Análise e definição dos requisitos</a:t>
+            </a:r>
+          </a:p>
+          <a:p>
+            <a:r>
+              <a:rPr lang="pt-BR" sz="2800" b="1" dirty="0">
+                <a:solidFill>
+                  <a:schemeClr val="bg1"/>
+                </a:solidFill>
+                <a:latin typeface="GeoSlab703 MdCn BT" panose="02060506020205050403" pitchFamily="18" charset="0"/>
+              </a:rPr>
+              <a:t>Desenvolvimento Iterativo e Incremental</a:t>
+            </a:r>
+          </a:p>
+          <a:p>
+            <a:r>
+              <a:rPr lang="pt-BR" sz="2800" b="1" dirty="0">
+                <a:solidFill>
+                  <a:schemeClr val="bg1"/>
+                </a:solidFill>
+                <a:latin typeface="GeoSlab703 MdCn BT" panose="02060506020205050403" pitchFamily="18" charset="0"/>
+              </a:rPr>
+              <a:t>Testes a cada passo do desenvolvimento</a:t>
+            </a:r>
+          </a:p>
+          <a:p>
+            <a:r>
+              <a:rPr lang="pt-BR" sz="2800" b="1" dirty="0">
+                <a:solidFill>
+                  <a:schemeClr val="bg1"/>
+                </a:solidFill>
+                <a:latin typeface="GeoSlab703 MdCn BT" panose="02060506020205050403" pitchFamily="18" charset="0"/>
+              </a:rPr>
+              <a:t>Implementação com análise de desempenho</a:t>
+            </a:r>
+          </a:p>
+          <a:p>
+            <a:pPr algn="ctr"/>
+            <a:endParaRPr lang="pt-BR" sz="3200" b="1" dirty="0">
+              <a:solidFill>
+                <a:schemeClr val="bg1"/>
+              </a:solidFill>
+              <a:latin typeface="GeoSlab703 MdCn BT" panose="02060506020205050403" pitchFamily="18" charset="0"/>
+            </a:endParaRPr>
+          </a:p>
+          <a:p>
+            <a:pPr algn="ctr"/>
+            <a:endParaRPr lang="pt-BR" sz="2400" b="1" dirty="0">
+              <a:solidFill>
+                <a:schemeClr val="bg1"/>
+              </a:solidFill>
+              <a:latin typeface="GeoSlab703 MdCn BT" panose="02060506020205050403" pitchFamily="18" charset="0"/>
+            </a:endParaRPr>
           </a:p>
           <a:p>
             <a:endParaRPr lang="pt-BR" b="1" dirty="0">
@@ -8947,13 +9206,6 @@
   <p:clrMapOvr>
     <a:masterClrMapping/>
   </p:clrMapOvr>
-  <p:timing>
-    <p:tnLst>
-      <p:par>
-        <p:cTn id="1" dur="indefinite" restart="never" nodeType="tmRoot"/>
-      </p:par>
-    </p:tnLst>
-  </p:timing>
 </p:sld>
 </file>
 

--- a/Apresentação/Apresentação defesa Novateca.pptx
+++ b/Apresentação/Apresentação defesa Novateca.pptx
@@ -16,30 +16,31 @@
     <p:sldId id="265" r:id="rId10"/>
     <p:sldId id="273" r:id="rId11"/>
     <p:sldId id="266" r:id="rId12"/>
-    <p:sldId id="267" r:id="rId13"/>
-    <p:sldId id="268" r:id="rId14"/>
-    <p:sldId id="269" r:id="rId15"/>
-    <p:sldId id="262" r:id="rId16"/>
+    <p:sldId id="274" r:id="rId13"/>
+    <p:sldId id="267" r:id="rId14"/>
+    <p:sldId id="268" r:id="rId15"/>
+    <p:sldId id="269" r:id="rId16"/>
+    <p:sldId id="262" r:id="rId17"/>
   </p:sldIdLst>
   <p:sldSz cx="9144000" cy="6858000" type="screen4x3"/>
   <p:notesSz cx="6858000" cy="9144000"/>
   <p:embeddedFontLst>
     <p:embeddedFont>
       <p:font typeface="Calibri" panose="020F0502020204030204" pitchFamily="34" charset="0"/>
-      <p:regular r:id="rId17"/>
-      <p:bold r:id="rId18"/>
-      <p:italic r:id="rId19"/>
-      <p:boldItalic r:id="rId20"/>
+      <p:regular r:id="rId18"/>
+      <p:bold r:id="rId19"/>
+      <p:italic r:id="rId20"/>
+      <p:boldItalic r:id="rId21"/>
     </p:embeddedFont>
     <p:embeddedFont>
       <p:font typeface="Calibri Light" panose="020F0302020204030204" pitchFamily="34" charset="0"/>
-      <p:regular r:id="rId21"/>
-      <p:italic r:id="rId22"/>
+      <p:regular r:id="rId22"/>
+      <p:italic r:id="rId23"/>
     </p:embeddedFont>
     <p:embeddedFont>
       <p:font typeface="GeoSlab703 MdCn BT" panose="02060506020205050403" pitchFamily="18" charset="0"/>
-      <p:regular r:id="rId23"/>
-      <p:bold r:id="rId24"/>
+      <p:regular r:id="rId24"/>
+      <p:bold r:id="rId25"/>
     </p:embeddedFont>
   </p:embeddedFontLst>
   <p:defaultTextStyle>
@@ -287,7 +288,7 @@
           <a:p>
             <a:fld id="{A7C58400-6E85-449E-AFF7-9F946FB2A379}" type="datetimeFigureOut">
               <a:rPr lang="pt-BR" smtClean="0"/>
-              <a:t>27/10/2018</a:t>
+              <a:t>29/10/2018</a:t>
             </a:fld>
             <a:endParaRPr lang="pt-BR"/>
           </a:p>
@@ -457,7 +458,7 @@
           <a:p>
             <a:fld id="{A7C58400-6E85-449E-AFF7-9F946FB2A379}" type="datetimeFigureOut">
               <a:rPr lang="pt-BR" smtClean="0"/>
-              <a:t>27/10/2018</a:t>
+              <a:t>29/10/2018</a:t>
             </a:fld>
             <a:endParaRPr lang="pt-BR"/>
           </a:p>
@@ -637,7 +638,7 @@
           <a:p>
             <a:fld id="{A7C58400-6E85-449E-AFF7-9F946FB2A379}" type="datetimeFigureOut">
               <a:rPr lang="pt-BR" smtClean="0"/>
-              <a:t>27/10/2018</a:t>
+              <a:t>29/10/2018</a:t>
             </a:fld>
             <a:endParaRPr lang="pt-BR"/>
           </a:p>
@@ -807,7 +808,7 @@
           <a:p>
             <a:fld id="{A7C58400-6E85-449E-AFF7-9F946FB2A379}" type="datetimeFigureOut">
               <a:rPr lang="pt-BR" smtClean="0"/>
-              <a:t>27/10/2018</a:t>
+              <a:t>29/10/2018</a:t>
             </a:fld>
             <a:endParaRPr lang="pt-BR"/>
           </a:p>
@@ -1051,7 +1052,7 @@
           <a:p>
             <a:fld id="{A7C58400-6E85-449E-AFF7-9F946FB2A379}" type="datetimeFigureOut">
               <a:rPr lang="pt-BR" smtClean="0"/>
-              <a:t>27/10/2018</a:t>
+              <a:t>29/10/2018</a:t>
             </a:fld>
             <a:endParaRPr lang="pt-BR"/>
           </a:p>
@@ -1283,7 +1284,7 @@
           <a:p>
             <a:fld id="{A7C58400-6E85-449E-AFF7-9F946FB2A379}" type="datetimeFigureOut">
               <a:rPr lang="pt-BR" smtClean="0"/>
-              <a:t>27/10/2018</a:t>
+              <a:t>29/10/2018</a:t>
             </a:fld>
             <a:endParaRPr lang="pt-BR"/>
           </a:p>
@@ -1650,7 +1651,7 @@
           <a:p>
             <a:fld id="{A7C58400-6E85-449E-AFF7-9F946FB2A379}" type="datetimeFigureOut">
               <a:rPr lang="pt-BR" smtClean="0"/>
-              <a:t>27/10/2018</a:t>
+              <a:t>29/10/2018</a:t>
             </a:fld>
             <a:endParaRPr lang="pt-BR"/>
           </a:p>
@@ -1768,7 +1769,7 @@
           <a:p>
             <a:fld id="{A7C58400-6E85-449E-AFF7-9F946FB2A379}" type="datetimeFigureOut">
               <a:rPr lang="pt-BR" smtClean="0"/>
-              <a:t>27/10/2018</a:t>
+              <a:t>29/10/2018</a:t>
             </a:fld>
             <a:endParaRPr lang="pt-BR"/>
           </a:p>
@@ -1863,7 +1864,7 @@
           <a:p>
             <a:fld id="{A7C58400-6E85-449E-AFF7-9F946FB2A379}" type="datetimeFigureOut">
               <a:rPr lang="pt-BR" smtClean="0"/>
-              <a:t>27/10/2018</a:t>
+              <a:t>29/10/2018</a:t>
             </a:fld>
             <a:endParaRPr lang="pt-BR"/>
           </a:p>
@@ -2140,7 +2141,7 @@
           <a:p>
             <a:fld id="{A7C58400-6E85-449E-AFF7-9F946FB2A379}" type="datetimeFigureOut">
               <a:rPr lang="pt-BR" smtClean="0"/>
-              <a:t>27/10/2018</a:t>
+              <a:t>29/10/2018</a:t>
             </a:fld>
             <a:endParaRPr lang="pt-BR"/>
           </a:p>
@@ -2397,7 +2398,7 @@
           <a:p>
             <a:fld id="{A7C58400-6E85-449E-AFF7-9F946FB2A379}" type="datetimeFigureOut">
               <a:rPr lang="pt-BR" smtClean="0"/>
-              <a:t>27/10/2018</a:t>
+              <a:t>29/10/2018</a:t>
             </a:fld>
             <a:endParaRPr lang="pt-BR"/>
           </a:p>
@@ -2610,7 +2611,7 @@
           <a:p>
             <a:fld id="{A7C58400-6E85-449E-AFF7-9F946FB2A379}" type="datetimeFigureOut">
               <a:rPr lang="pt-BR" smtClean="0"/>
-              <a:t>27/10/2018</a:t>
+              <a:t>29/10/2018</a:t>
             </a:fld>
             <a:endParaRPr lang="pt-BR"/>
           </a:p>
@@ -3083,8 +3084,8 @@
         </p:nvSpPr>
         <p:spPr>
           <a:xfrm>
-            <a:off x="3073037" y="2830273"/>
-            <a:ext cx="6485641" cy="1723549"/>
+            <a:off x="2593965" y="2505670"/>
+            <a:ext cx="6485641" cy="1908215"/>
           </a:xfrm>
           <a:prstGeom prst="rect">
             <a:avLst/>
@@ -3098,7 +3099,7 @@
           <a:lstStyle/>
           <a:p>
             <a:r>
-              <a:rPr lang="pt-BR" sz="3200" b="1" dirty="0">
+              <a:rPr lang="pt-BR" sz="4000" b="1" dirty="0">
                 <a:solidFill>
                   <a:schemeClr val="bg1"/>
                 </a:solidFill>
@@ -3109,7 +3110,7 @@
           </a:p>
           <a:p>
             <a:r>
-              <a:rPr lang="pt-BR" sz="2000" b="1" dirty="0">
+              <a:rPr lang="pt-BR" sz="2400" b="1" dirty="0">
                 <a:solidFill>
                   <a:schemeClr val="bg1"/>
                 </a:solidFill>
@@ -3120,7 +3121,7 @@
           </a:p>
           <a:p>
             <a:r>
-              <a:rPr lang="pt-BR" sz="1600" b="1" dirty="0">
+              <a:rPr lang="pt-BR" b="1" dirty="0">
                 <a:solidFill>
                   <a:schemeClr val="bg1"/>
                 </a:solidFill>
@@ -3131,7 +3132,7 @@
           </a:p>
           <a:p>
             <a:r>
-              <a:rPr lang="pt-BR" sz="1600" b="1" dirty="0">
+              <a:rPr lang="pt-BR" b="1" dirty="0">
                 <a:solidFill>
                   <a:schemeClr val="bg1"/>
                 </a:solidFill>
@@ -3139,7 +3140,7 @@
               </a:rPr>
               <a:t>PROF. ORIENTADOR: EDUARDO HENRIQUE SILVA</a:t>
             </a:r>
-            <a:endParaRPr lang="pt-BR" sz="1600" dirty="0">
+            <a:endParaRPr lang="pt-BR" dirty="0">
               <a:solidFill>
                 <a:schemeClr val="bg1"/>
               </a:solidFill>
@@ -3743,7 +3744,7 @@
         </p:nvSpPr>
         <p:spPr>
           <a:xfrm>
-            <a:off x="1802212" y="2093773"/>
+            <a:off x="999215" y="2260460"/>
             <a:ext cx="7709195" cy="4216539"/>
           </a:xfrm>
           <a:prstGeom prst="rect">
@@ -4075,52 +4076,45 @@
           </a:p>
         </p:txBody>
       </p:sp>
-      <p:sp>
-        <p:nvSpPr>
-          <p:cNvPr id="6" name="CaixaDeTexto 5">
+      <p:pic>
+        <p:nvPicPr>
+          <p:cNvPr id="5" name="Imagem 4" descr="C:\Users\cesar\Documents\GitHub\Novateca\Artigo\Imagens\MVC-VM.png">
             <a:extLst>
               <a:ext uri="{FF2B5EF4-FFF2-40B4-BE49-F238E27FC236}">
-                <a16:creationId xmlns:a16="http://schemas.microsoft.com/office/drawing/2014/main" id="{61EE9FFD-33CD-4547-99B0-AC57D6BA8917}"/>
+                <a16:creationId xmlns:a16="http://schemas.microsoft.com/office/drawing/2014/main" id="{83B400B8-80DB-4E1F-A33F-01A80CBF1CE9}"/>
               </a:ext>
             </a:extLst>
           </p:cNvPr>
-          <p:cNvSpPr txBox="1"/>
+          <p:cNvPicPr/>
           <p:nvPr/>
-        </p:nvSpPr>
-        <p:spPr>
-          <a:xfrm>
-            <a:off x="1675911" y="2614030"/>
-            <a:ext cx="4014240" cy="646331"/>
+        </p:nvPicPr>
+        <p:blipFill>
+          <a:blip r:embed="rId3">
+            <a:extLst>
+              <a:ext uri="{28A0092B-C50C-407E-A947-70E740481C1C}">
+                <a14:useLocalDpi xmlns:a14="http://schemas.microsoft.com/office/drawing/2010/main" val="0"/>
+              </a:ext>
+            </a:extLst>
+          </a:blip>
+          <a:srcRect/>
+          <a:stretch>
+            <a:fillRect/>
+          </a:stretch>
+        </p:blipFill>
+        <p:spPr bwMode="auto">
+          <a:xfrm>
+            <a:off x="1068946" y="2137893"/>
+            <a:ext cx="7006107" cy="3314715"/>
           </a:xfrm>
           <a:prstGeom prst="rect">
             <a:avLst/>
           </a:prstGeom>
           <a:noFill/>
+          <a:ln>
+            <a:noFill/>
+          </a:ln>
         </p:spPr>
-        <p:txBody>
-          <a:bodyPr wrap="none" rtlCol="0">
-            <a:spAutoFit/>
-          </a:bodyPr>
-          <a:lstStyle/>
-          <a:p>
-            <a:r>
-              <a:rPr lang="da-DK" sz="3600" b="1" dirty="0">
-                <a:solidFill>
-                  <a:schemeClr val="bg1"/>
-                </a:solidFill>
-                <a:latin typeface="GeoSlab703 MdCn BT" panose="02060506020205050403" pitchFamily="18" charset="0"/>
-              </a:rPr>
-              <a:t>Apresentação do sistema.</a:t>
-            </a:r>
-            <a:endParaRPr lang="pt-BR" sz="3600" b="1" dirty="0">
-              <a:solidFill>
-                <a:schemeClr val="bg1"/>
-              </a:solidFill>
-              <a:latin typeface="GeoSlab703 MdCn BT" panose="02060506020205050403" pitchFamily="18" charset="0"/>
-            </a:endParaRPr>
-          </a:p>
-        </p:txBody>
-      </p:sp>
+      </p:pic>
     </p:spTree>
     <p:extLst>
       <p:ext uri="{BB962C8B-B14F-4D97-AF65-F5344CB8AC3E}">
@@ -4135,614 +4129,6 @@
 </file>
 
 <file path=ppt/slides/slide12.xml><?xml version="1.0" encoding="utf-8"?>
-<p:sld xmlns:a="http://schemas.openxmlformats.org/drawingml/2006/main" xmlns:r="http://schemas.openxmlformats.org/officeDocument/2006/relationships" xmlns:p="http://schemas.openxmlformats.org/presentationml/2006/main">
-  <p:cSld>
-    <p:spTree>
-      <p:nvGrpSpPr>
-        <p:cNvPr id="1" name=""/>
-        <p:cNvGrpSpPr/>
-        <p:nvPr/>
-      </p:nvGrpSpPr>
-      <p:grpSpPr>
-        <a:xfrm>
-          <a:off x="0" y="0"/>
-          <a:ext cx="0" cy="0"/>
-          <a:chOff x="0" y="0"/>
-          <a:chExt cx="0" cy="0"/>
-        </a:xfrm>
-      </p:grpSpPr>
-      <p:sp>
-        <p:nvSpPr>
-          <p:cNvPr id="7" name="CaixaDeTexto 6"/>
-          <p:cNvSpPr txBox="1"/>
-          <p:nvPr/>
-        </p:nvSpPr>
-        <p:spPr>
-          <a:xfrm>
-            <a:off x="938416" y="1134622"/>
-            <a:ext cx="7728398" cy="646331"/>
-          </a:xfrm>
-          <a:prstGeom prst="rect">
-            <a:avLst/>
-          </a:prstGeom>
-          <a:noFill/>
-        </p:spPr>
-        <p:txBody>
-          <a:bodyPr wrap="none" rtlCol="0">
-            <a:spAutoFit/>
-          </a:bodyPr>
-          <a:lstStyle/>
-          <a:p>
-            <a:r>
-              <a:rPr lang="pt-BR" b="1" dirty="0" err="1">
-                <a:solidFill>
-                  <a:schemeClr val="bg1"/>
-                </a:solidFill>
-                <a:latin typeface="GeoSlab703 MdCn BT" panose="02060506020205050403" pitchFamily="18" charset="0"/>
-              </a:rPr>
-              <a:t>Lorem</a:t>
-            </a:r>
-            <a:r>
-              <a:rPr lang="pt-BR" b="1" dirty="0">
-                <a:solidFill>
-                  <a:schemeClr val="bg1"/>
-                </a:solidFill>
-                <a:latin typeface="GeoSlab703 MdCn BT" panose="02060506020205050403" pitchFamily="18" charset="0"/>
-              </a:rPr>
-              <a:t> ipsum </a:t>
-            </a:r>
-            <a:r>
-              <a:rPr lang="pt-BR" b="1" dirty="0" err="1">
-                <a:solidFill>
-                  <a:schemeClr val="bg1"/>
-                </a:solidFill>
-                <a:latin typeface="GeoSlab703 MdCn BT" panose="02060506020205050403" pitchFamily="18" charset="0"/>
-              </a:rPr>
-              <a:t>dolor</a:t>
-            </a:r>
-            <a:r>
-              <a:rPr lang="pt-BR" b="1" dirty="0">
-                <a:solidFill>
-                  <a:schemeClr val="bg1"/>
-                </a:solidFill>
-                <a:latin typeface="GeoSlab703 MdCn BT" panose="02060506020205050403" pitchFamily="18" charset="0"/>
-              </a:rPr>
-              <a:t> </a:t>
-            </a:r>
-            <a:r>
-              <a:rPr lang="pt-BR" b="1" dirty="0" err="1">
-                <a:solidFill>
-                  <a:schemeClr val="bg1"/>
-                </a:solidFill>
-                <a:latin typeface="GeoSlab703 MdCn BT" panose="02060506020205050403" pitchFamily="18" charset="0"/>
-              </a:rPr>
-              <a:t>sit</a:t>
-            </a:r>
-            <a:r>
-              <a:rPr lang="pt-BR" b="1" dirty="0">
-                <a:solidFill>
-                  <a:schemeClr val="bg1"/>
-                </a:solidFill>
-                <a:latin typeface="GeoSlab703 MdCn BT" panose="02060506020205050403" pitchFamily="18" charset="0"/>
-              </a:rPr>
-              <a:t> </a:t>
-            </a:r>
-            <a:r>
-              <a:rPr lang="pt-BR" b="1" dirty="0" err="1">
-                <a:solidFill>
-                  <a:schemeClr val="bg1"/>
-                </a:solidFill>
-                <a:latin typeface="GeoSlab703 MdCn BT" panose="02060506020205050403" pitchFamily="18" charset="0"/>
-              </a:rPr>
-              <a:t>amet</a:t>
-            </a:r>
-            <a:r>
-              <a:rPr lang="pt-BR" b="1" dirty="0">
-                <a:solidFill>
-                  <a:schemeClr val="bg1"/>
-                </a:solidFill>
-                <a:latin typeface="GeoSlab703 MdCn BT" panose="02060506020205050403" pitchFamily="18" charset="0"/>
-              </a:rPr>
-              <a:t>, </a:t>
-            </a:r>
-            <a:r>
-              <a:rPr lang="pt-BR" b="1" dirty="0" err="1">
-                <a:solidFill>
-                  <a:schemeClr val="bg1"/>
-                </a:solidFill>
-                <a:latin typeface="GeoSlab703 MdCn BT" panose="02060506020205050403" pitchFamily="18" charset="0"/>
-              </a:rPr>
-              <a:t>consectetur</a:t>
-            </a:r>
-            <a:r>
-              <a:rPr lang="pt-BR" b="1" dirty="0">
-                <a:solidFill>
-                  <a:schemeClr val="bg1"/>
-                </a:solidFill>
-                <a:latin typeface="GeoSlab703 MdCn BT" panose="02060506020205050403" pitchFamily="18" charset="0"/>
-              </a:rPr>
-              <a:t> </a:t>
-            </a:r>
-            <a:r>
-              <a:rPr lang="pt-BR" b="1" dirty="0" err="1">
-                <a:solidFill>
-                  <a:schemeClr val="bg1"/>
-                </a:solidFill>
-                <a:latin typeface="GeoSlab703 MdCn BT" panose="02060506020205050403" pitchFamily="18" charset="0"/>
-              </a:rPr>
-              <a:t>adipiscing</a:t>
-            </a:r>
-            <a:r>
-              <a:rPr lang="pt-BR" b="1" dirty="0">
-                <a:solidFill>
-                  <a:schemeClr val="bg1"/>
-                </a:solidFill>
-                <a:latin typeface="GeoSlab703 MdCn BT" panose="02060506020205050403" pitchFamily="18" charset="0"/>
-              </a:rPr>
-              <a:t> </a:t>
-            </a:r>
-            <a:r>
-              <a:rPr lang="pt-BR" b="1" dirty="0" err="1">
-                <a:solidFill>
-                  <a:schemeClr val="bg1"/>
-                </a:solidFill>
-                <a:latin typeface="GeoSlab703 MdCn BT" panose="02060506020205050403" pitchFamily="18" charset="0"/>
-              </a:rPr>
-              <a:t>elit</a:t>
-            </a:r>
-            <a:r>
-              <a:rPr lang="pt-BR" b="1" dirty="0">
-                <a:solidFill>
-                  <a:schemeClr val="bg1"/>
-                </a:solidFill>
-                <a:latin typeface="GeoSlab703 MdCn BT" panose="02060506020205050403" pitchFamily="18" charset="0"/>
-              </a:rPr>
-              <a:t>. </a:t>
-            </a:r>
-            <a:r>
-              <a:rPr lang="pt-BR" b="1" dirty="0" err="1">
-                <a:solidFill>
-                  <a:schemeClr val="bg1"/>
-                </a:solidFill>
-                <a:latin typeface="GeoSlab703 MdCn BT" panose="02060506020205050403" pitchFamily="18" charset="0"/>
-              </a:rPr>
-              <a:t>Praesent</a:t>
-            </a:r>
-            <a:r>
-              <a:rPr lang="pt-BR" b="1" dirty="0">
-                <a:solidFill>
-                  <a:schemeClr val="bg1"/>
-                </a:solidFill>
-                <a:latin typeface="GeoSlab703 MdCn BT" panose="02060506020205050403" pitchFamily="18" charset="0"/>
-              </a:rPr>
-              <a:t> </a:t>
-            </a:r>
-            <a:r>
-              <a:rPr lang="pt-BR" b="1" dirty="0" err="1">
-                <a:solidFill>
-                  <a:schemeClr val="bg1"/>
-                </a:solidFill>
-                <a:latin typeface="GeoSlab703 MdCn BT" panose="02060506020205050403" pitchFamily="18" charset="0"/>
-              </a:rPr>
-              <a:t>iaculis</a:t>
-            </a:r>
-            <a:r>
-              <a:rPr lang="pt-BR" b="1" dirty="0">
-                <a:solidFill>
-                  <a:schemeClr val="bg1"/>
-                </a:solidFill>
-                <a:latin typeface="GeoSlab703 MdCn BT" panose="02060506020205050403" pitchFamily="18" charset="0"/>
-              </a:rPr>
-              <a:t> </a:t>
-            </a:r>
-            <a:r>
-              <a:rPr lang="pt-BR" b="1" dirty="0" err="1">
-                <a:solidFill>
-                  <a:schemeClr val="bg1"/>
-                </a:solidFill>
-                <a:latin typeface="GeoSlab703 MdCn BT" panose="02060506020205050403" pitchFamily="18" charset="0"/>
-              </a:rPr>
-              <a:t>pellentesque</a:t>
-            </a:r>
-            <a:r>
-              <a:rPr lang="pt-BR" b="1" dirty="0">
-                <a:solidFill>
-                  <a:schemeClr val="bg1"/>
-                </a:solidFill>
-                <a:latin typeface="GeoSlab703 MdCn BT" panose="02060506020205050403" pitchFamily="18" charset="0"/>
-              </a:rPr>
-              <a:t> </a:t>
-            </a:r>
-            <a:r>
-              <a:rPr lang="pt-BR" b="1" dirty="0" err="1">
-                <a:solidFill>
-                  <a:schemeClr val="bg1"/>
-                </a:solidFill>
-                <a:latin typeface="GeoSlab703 MdCn BT" panose="02060506020205050403" pitchFamily="18" charset="0"/>
-              </a:rPr>
-              <a:t>nisi</a:t>
-            </a:r>
-            <a:r>
-              <a:rPr lang="pt-BR" b="1" dirty="0">
-                <a:solidFill>
-                  <a:schemeClr val="bg1"/>
-                </a:solidFill>
-                <a:latin typeface="GeoSlab703 MdCn BT" panose="02060506020205050403" pitchFamily="18" charset="0"/>
-              </a:rPr>
-              <a:t> </a:t>
-            </a:r>
-            <a:r>
-              <a:rPr lang="pt-BR" b="1" dirty="0" err="1">
-                <a:solidFill>
-                  <a:schemeClr val="bg1"/>
-                </a:solidFill>
-                <a:latin typeface="GeoSlab703 MdCn BT" panose="02060506020205050403" pitchFamily="18" charset="0"/>
-              </a:rPr>
-              <a:t>at</a:t>
-            </a:r>
-            <a:r>
-              <a:rPr lang="pt-BR" b="1" dirty="0">
-                <a:solidFill>
-                  <a:schemeClr val="bg1"/>
-                </a:solidFill>
-                <a:latin typeface="GeoSlab703 MdCn BT" panose="02060506020205050403" pitchFamily="18" charset="0"/>
-              </a:rPr>
-              <a:t> </a:t>
-            </a:r>
-            <a:r>
-              <a:rPr lang="pt-BR" b="1" dirty="0" err="1">
-                <a:solidFill>
-                  <a:schemeClr val="bg1"/>
-                </a:solidFill>
-                <a:latin typeface="GeoSlab703 MdCn BT" panose="02060506020205050403" pitchFamily="18" charset="0"/>
-              </a:rPr>
-              <a:t>cursus</a:t>
-            </a:r>
-            <a:r>
-              <a:rPr lang="pt-BR" b="1" dirty="0">
-                <a:solidFill>
-                  <a:schemeClr val="bg1"/>
-                </a:solidFill>
-                <a:latin typeface="GeoSlab703 MdCn BT" panose="02060506020205050403" pitchFamily="18" charset="0"/>
-              </a:rPr>
-              <a:t>. </a:t>
-            </a:r>
-          </a:p>
-          <a:p>
-            <a:r>
-              <a:rPr lang="pt-BR" b="1" dirty="0" err="1">
-                <a:solidFill>
-                  <a:schemeClr val="bg1"/>
-                </a:solidFill>
-                <a:latin typeface="GeoSlab703 MdCn BT" panose="02060506020205050403" pitchFamily="18" charset="0"/>
-              </a:rPr>
-              <a:t>Morbi</a:t>
-            </a:r>
-            <a:r>
-              <a:rPr lang="pt-BR" b="1" dirty="0">
-                <a:solidFill>
-                  <a:schemeClr val="bg1"/>
-                </a:solidFill>
-                <a:latin typeface="GeoSlab703 MdCn BT" panose="02060506020205050403" pitchFamily="18" charset="0"/>
-              </a:rPr>
-              <a:t> </a:t>
-            </a:r>
-            <a:r>
-              <a:rPr lang="pt-BR" b="1" dirty="0" err="1">
-                <a:solidFill>
-                  <a:schemeClr val="bg1"/>
-                </a:solidFill>
-                <a:latin typeface="GeoSlab703 MdCn BT" panose="02060506020205050403" pitchFamily="18" charset="0"/>
-              </a:rPr>
-              <a:t>sit</a:t>
-            </a:r>
-            <a:r>
-              <a:rPr lang="pt-BR" b="1" dirty="0">
-                <a:solidFill>
-                  <a:schemeClr val="bg1"/>
-                </a:solidFill>
-                <a:latin typeface="GeoSlab703 MdCn BT" panose="02060506020205050403" pitchFamily="18" charset="0"/>
-              </a:rPr>
-              <a:t> </a:t>
-            </a:r>
-            <a:r>
-              <a:rPr lang="pt-BR" b="1" dirty="0" err="1">
-                <a:solidFill>
-                  <a:schemeClr val="bg1"/>
-                </a:solidFill>
-                <a:latin typeface="GeoSlab703 MdCn BT" panose="02060506020205050403" pitchFamily="18" charset="0"/>
-              </a:rPr>
-              <a:t>amet</a:t>
-            </a:r>
-            <a:r>
-              <a:rPr lang="pt-BR" b="1" dirty="0">
-                <a:solidFill>
-                  <a:schemeClr val="bg1"/>
-                </a:solidFill>
-                <a:latin typeface="GeoSlab703 MdCn BT" panose="02060506020205050403" pitchFamily="18" charset="0"/>
-              </a:rPr>
-              <a:t> erat </a:t>
-            </a:r>
-            <a:r>
-              <a:rPr lang="pt-BR" b="1" dirty="0" err="1">
-                <a:solidFill>
-                  <a:schemeClr val="bg1"/>
-                </a:solidFill>
-                <a:latin typeface="GeoSlab703 MdCn BT" panose="02060506020205050403" pitchFamily="18" charset="0"/>
-              </a:rPr>
-              <a:t>molestie</a:t>
-            </a:r>
-            <a:r>
-              <a:rPr lang="pt-BR" b="1" dirty="0">
-                <a:solidFill>
-                  <a:schemeClr val="bg1"/>
-                </a:solidFill>
-                <a:latin typeface="GeoSlab703 MdCn BT" panose="02060506020205050403" pitchFamily="18" charset="0"/>
-              </a:rPr>
-              <a:t>, tempus </a:t>
-            </a:r>
-            <a:r>
-              <a:rPr lang="pt-BR" b="1" dirty="0" err="1">
-                <a:solidFill>
-                  <a:schemeClr val="bg1"/>
-                </a:solidFill>
-                <a:latin typeface="GeoSlab703 MdCn BT" panose="02060506020205050403" pitchFamily="18" charset="0"/>
-              </a:rPr>
-              <a:t>nulla</a:t>
-            </a:r>
-            <a:r>
-              <a:rPr lang="pt-BR" b="1" dirty="0">
-                <a:solidFill>
-                  <a:schemeClr val="bg1"/>
-                </a:solidFill>
-                <a:latin typeface="GeoSlab703 MdCn BT" panose="02060506020205050403" pitchFamily="18" charset="0"/>
-              </a:rPr>
-              <a:t> </a:t>
-            </a:r>
-            <a:r>
-              <a:rPr lang="pt-BR" b="1" dirty="0" err="1">
-                <a:solidFill>
-                  <a:schemeClr val="bg1"/>
-                </a:solidFill>
-                <a:latin typeface="GeoSlab703 MdCn BT" panose="02060506020205050403" pitchFamily="18" charset="0"/>
-              </a:rPr>
-              <a:t>nec</a:t>
-            </a:r>
-            <a:r>
-              <a:rPr lang="pt-BR" b="1" dirty="0">
-                <a:solidFill>
-                  <a:schemeClr val="bg1"/>
-                </a:solidFill>
-                <a:latin typeface="GeoSlab703 MdCn BT" panose="02060506020205050403" pitchFamily="18" charset="0"/>
-              </a:rPr>
-              <a:t>, </a:t>
-            </a:r>
-            <a:r>
-              <a:rPr lang="pt-BR" b="1" dirty="0" err="1">
-                <a:solidFill>
-                  <a:schemeClr val="bg1"/>
-                </a:solidFill>
-                <a:latin typeface="GeoSlab703 MdCn BT" panose="02060506020205050403" pitchFamily="18" charset="0"/>
-              </a:rPr>
-              <a:t>lobortis</a:t>
-            </a:r>
-            <a:r>
-              <a:rPr lang="pt-BR" b="1" dirty="0">
-                <a:solidFill>
-                  <a:schemeClr val="bg1"/>
-                </a:solidFill>
-                <a:latin typeface="GeoSlab703 MdCn BT" panose="02060506020205050403" pitchFamily="18" charset="0"/>
-              </a:rPr>
-              <a:t> </a:t>
-            </a:r>
-            <a:r>
-              <a:rPr lang="pt-BR" b="1" dirty="0" err="1">
-                <a:solidFill>
-                  <a:schemeClr val="bg1"/>
-                </a:solidFill>
-                <a:latin typeface="GeoSlab703 MdCn BT" panose="02060506020205050403" pitchFamily="18" charset="0"/>
-              </a:rPr>
-              <a:t>enim</a:t>
-            </a:r>
-            <a:r>
-              <a:rPr lang="pt-BR" b="1" dirty="0">
-                <a:solidFill>
-                  <a:schemeClr val="bg1"/>
-                </a:solidFill>
-                <a:latin typeface="GeoSlab703 MdCn BT" panose="02060506020205050403" pitchFamily="18" charset="0"/>
-              </a:rPr>
-              <a:t>.</a:t>
-            </a:r>
-          </a:p>
-        </p:txBody>
-      </p:sp>
-      <p:pic>
-        <p:nvPicPr>
-          <p:cNvPr id="3" name="Imagem 2"/>
-          <p:cNvPicPr>
-            <a:picLocks noChangeAspect="1"/>
-          </p:cNvPicPr>
-          <p:nvPr/>
-        </p:nvPicPr>
-        <p:blipFill>
-          <a:blip r:embed="rId2">
-            <a:extLst>
-              <a:ext uri="{28A0092B-C50C-407E-A947-70E740481C1C}">
-                <a14:useLocalDpi xmlns:a14="http://schemas.microsoft.com/office/drawing/2010/main" val="0"/>
-              </a:ext>
-            </a:extLst>
-          </a:blip>
-          <a:stretch>
-            <a:fillRect/>
-          </a:stretch>
-        </p:blipFill>
-        <p:spPr>
-          <a:xfrm>
-            <a:off x="632052" y="6310312"/>
-            <a:ext cx="1095375" cy="333375"/>
-          </a:xfrm>
-          <a:prstGeom prst="rect">
-            <a:avLst/>
-          </a:prstGeom>
-        </p:spPr>
-      </p:pic>
-      <p:pic>
-        <p:nvPicPr>
-          <p:cNvPr id="4" name="Imagem 3"/>
-          <p:cNvPicPr>
-            <a:picLocks noChangeAspect="1"/>
-          </p:cNvPicPr>
-          <p:nvPr/>
-        </p:nvPicPr>
-        <p:blipFill>
-          <a:blip r:embed="rId3">
-            <a:extLst>
-              <a:ext uri="{28A0092B-C50C-407E-A947-70E740481C1C}">
-                <a14:useLocalDpi xmlns:a14="http://schemas.microsoft.com/office/drawing/2010/main" val="0"/>
-              </a:ext>
-            </a:extLst>
-          </a:blip>
-          <a:stretch>
-            <a:fillRect/>
-          </a:stretch>
-        </p:blipFill>
-        <p:spPr>
-          <a:xfrm>
-            <a:off x="0" y="0"/>
-            <a:ext cx="9144000" cy="6858000"/>
-          </a:xfrm>
-          <a:prstGeom prst="rect">
-            <a:avLst/>
-          </a:prstGeom>
-        </p:spPr>
-      </p:pic>
-      <p:sp>
-        <p:nvSpPr>
-          <p:cNvPr id="5" name="CaixaDeTexto 4"/>
-          <p:cNvSpPr txBox="1"/>
-          <p:nvPr/>
-        </p:nvSpPr>
-        <p:spPr>
-          <a:xfrm>
-            <a:off x="631515" y="658699"/>
-            <a:ext cx="1861279" cy="523220"/>
-          </a:xfrm>
-          <a:prstGeom prst="rect">
-            <a:avLst/>
-          </a:prstGeom>
-          <a:noFill/>
-        </p:spPr>
-        <p:txBody>
-          <a:bodyPr wrap="none" rtlCol="0">
-            <a:spAutoFit/>
-          </a:bodyPr>
-          <a:lstStyle/>
-          <a:p>
-            <a:r>
-              <a:rPr lang="da-DK" sz="2800" b="1" dirty="0">
-                <a:solidFill>
-                  <a:schemeClr val="bg1"/>
-                </a:solidFill>
-                <a:latin typeface="GeoSlab703 MdCn BT" panose="02060506020205050403" pitchFamily="18" charset="0"/>
-              </a:rPr>
-              <a:t>CONCLUSÕES</a:t>
-            </a:r>
-            <a:endParaRPr lang="pt-BR" sz="2800" b="1" dirty="0">
-              <a:solidFill>
-                <a:schemeClr val="bg1"/>
-              </a:solidFill>
-              <a:latin typeface="GeoSlab703 MdCn BT" panose="02060506020205050403" pitchFamily="18" charset="0"/>
-            </a:endParaRPr>
-          </a:p>
-        </p:txBody>
-      </p:sp>
-      <p:sp>
-        <p:nvSpPr>
-          <p:cNvPr id="9" name="CaixaDeTexto 8"/>
-          <p:cNvSpPr txBox="1"/>
-          <p:nvPr/>
-        </p:nvSpPr>
-        <p:spPr>
-          <a:xfrm>
-            <a:off x="707801" y="1324332"/>
-            <a:ext cx="7728398" cy="4555093"/>
-          </a:xfrm>
-          <a:prstGeom prst="rect">
-            <a:avLst/>
-          </a:prstGeom>
-          <a:noFill/>
-        </p:spPr>
-        <p:txBody>
-          <a:bodyPr wrap="square" rtlCol="0">
-            <a:spAutoFit/>
-          </a:bodyPr>
-          <a:lstStyle/>
-          <a:p>
-            <a:r>
-              <a:rPr lang="pt-BR" sz="2000" b="1" dirty="0">
-                <a:solidFill>
-                  <a:schemeClr val="bg1"/>
-                </a:solidFill>
-                <a:latin typeface="GeoSlab703 MdCn BT" panose="02060506020205050403" pitchFamily="18" charset="0"/>
-              </a:rPr>
-              <a:t>	.</a:t>
-            </a:r>
-          </a:p>
-          <a:p>
-            <a:r>
-              <a:rPr lang="pt-BR" sz="2000" b="1" dirty="0">
-                <a:solidFill>
-                  <a:schemeClr val="bg1"/>
-                </a:solidFill>
-                <a:latin typeface="GeoSlab703 MdCn BT" panose="02060506020205050403" pitchFamily="18" charset="0"/>
-              </a:rPr>
-              <a:t>	</a:t>
-            </a:r>
-            <a:r>
-              <a:rPr lang="pt-BR" sz="2800" b="1" dirty="0">
-                <a:solidFill>
-                  <a:schemeClr val="bg1"/>
-                </a:solidFill>
-                <a:latin typeface="GeoSlab703 MdCn BT" panose="02060506020205050403" pitchFamily="18" charset="0"/>
-              </a:rPr>
-              <a:t>Acredita que o sistema possa se expandir para o mercado atraindo o interesse de instituições de ensino tanto privadas como públicas, além de ter o potencial para ser um bom agregador socioeducacional.</a:t>
-            </a:r>
-          </a:p>
-          <a:p>
-            <a:r>
-              <a:rPr lang="pt-BR" sz="2800" b="1" dirty="0">
-                <a:solidFill>
-                  <a:schemeClr val="bg1"/>
-                </a:solidFill>
-                <a:latin typeface="GeoSlab703 MdCn BT" panose="02060506020205050403" pitchFamily="18" charset="0"/>
-              </a:rPr>
-              <a:t>	Futuramente pretende-se desenvolver um app mobile do sistema Novateca, tanto para Android como para iOS, além de estar integrando a autenticação através de contas de redes sociais, como Google, Facebook, etc. e aprimorando ainda mais o desempenho e a experiência do usuário.</a:t>
-            </a:r>
-          </a:p>
-          <a:p>
-            <a:endParaRPr lang="pt-BR" b="1" dirty="0">
-              <a:solidFill>
-                <a:schemeClr val="bg1"/>
-              </a:solidFill>
-              <a:latin typeface="GeoSlab703 MdCn BT" panose="02060506020205050403" pitchFamily="18" charset="0"/>
-            </a:endParaRPr>
-          </a:p>
-        </p:txBody>
-      </p:sp>
-    </p:spTree>
-    <p:extLst>
-      <p:ext uri="{BB962C8B-B14F-4D97-AF65-F5344CB8AC3E}">
-        <p14:creationId xmlns:p14="http://schemas.microsoft.com/office/powerpoint/2010/main" val="3568580986"/>
-      </p:ext>
-    </p:extLst>
-  </p:cSld>
-  <p:clrMapOvr>
-    <a:masterClrMapping/>
-  </p:clrMapOvr>
-</p:sld>
-</file>
-
-<file path=ppt/slides/slide13.xml><?xml version="1.0" encoding="utf-8"?>
 <p:sld xmlns:a="http://schemas.openxmlformats.org/drawingml/2006/main" xmlns:r="http://schemas.openxmlformats.org/officeDocument/2006/relationships" xmlns:p="http://schemas.openxmlformats.org/presentationml/2006/main">
   <p:cSld>
     <p:spTree>
@@ -4798,7 +4184,7 @@
         <p:spPr>
           <a:xfrm>
             <a:off x="632052" y="629357"/>
-            <a:ext cx="2345514" cy="584775"/>
+            <a:ext cx="4160883" cy="584775"/>
           </a:xfrm>
           <a:prstGeom prst="rect">
             <a:avLst/>
@@ -4818,7 +4204,7 @@
                 </a:solidFill>
                 <a:latin typeface="GeoSlab703 MdCn BT" panose="02060506020205050403" pitchFamily="18" charset="0"/>
               </a:rPr>
-              <a:t>REFERÊNCIAS</a:t>
+              <a:t>RESULTADOS E DISCUSSÃO</a:t>
             </a:r>
             <a:endParaRPr lang="pt-BR" sz="3200" b="1" dirty="0">
               <a:solidFill>
@@ -4831,14 +4217,20 @@
       </p:sp>
       <p:sp>
         <p:nvSpPr>
-          <p:cNvPr id="5" name="CaixaDeTexto 4"/>
+          <p:cNvPr id="6" name="CaixaDeTexto 5">
+            <a:extLst>
+              <a:ext uri="{FF2B5EF4-FFF2-40B4-BE49-F238E27FC236}">
+                <a16:creationId xmlns:a16="http://schemas.microsoft.com/office/drawing/2014/main" id="{61EE9FFD-33CD-4547-99B0-AC57D6BA8917}"/>
+              </a:ext>
+            </a:extLst>
+          </p:cNvPr>
           <p:cNvSpPr txBox="1"/>
           <p:nvPr/>
         </p:nvSpPr>
         <p:spPr>
           <a:xfrm>
-            <a:off x="938415" y="1422250"/>
-            <a:ext cx="7709195" cy="5016758"/>
+            <a:off x="1675911" y="2614030"/>
+            <a:ext cx="4014240" cy="646331"/>
           </a:xfrm>
           <a:prstGeom prst="rect">
             <a:avLst/>
@@ -4846,154 +4238,641 @@
           <a:noFill/>
         </p:spPr>
         <p:txBody>
+          <a:bodyPr wrap="none" rtlCol="0">
+            <a:spAutoFit/>
+          </a:bodyPr>
+          <a:lstStyle/>
+          <a:p>
+            <a:r>
+              <a:rPr lang="da-DK" sz="3600" b="1" dirty="0">
+                <a:solidFill>
+                  <a:schemeClr val="bg1"/>
+                </a:solidFill>
+                <a:latin typeface="GeoSlab703 MdCn BT" panose="02060506020205050403" pitchFamily="18" charset="0"/>
+              </a:rPr>
+              <a:t>Apresentação do sistema.</a:t>
+            </a:r>
+            <a:endParaRPr lang="pt-BR" sz="3600" b="1" dirty="0">
+              <a:solidFill>
+                <a:schemeClr val="bg1"/>
+              </a:solidFill>
+              <a:latin typeface="GeoSlab703 MdCn BT" panose="02060506020205050403" pitchFamily="18" charset="0"/>
+            </a:endParaRPr>
+          </a:p>
+        </p:txBody>
+      </p:sp>
+    </p:spTree>
+    <p:extLst>
+      <p:ext uri="{BB962C8B-B14F-4D97-AF65-F5344CB8AC3E}">
+        <p14:creationId xmlns:p14="http://schemas.microsoft.com/office/powerpoint/2010/main" val="3905512560"/>
+      </p:ext>
+    </p:extLst>
+  </p:cSld>
+  <p:clrMapOvr>
+    <a:masterClrMapping/>
+  </p:clrMapOvr>
+</p:sld>
+</file>
+
+<file path=ppt/slides/slide13.xml><?xml version="1.0" encoding="utf-8"?>
+<p:sld xmlns:a="http://schemas.openxmlformats.org/drawingml/2006/main" xmlns:r="http://schemas.openxmlformats.org/officeDocument/2006/relationships" xmlns:p="http://schemas.openxmlformats.org/presentationml/2006/main">
+  <p:cSld>
+    <p:spTree>
+      <p:nvGrpSpPr>
+        <p:cNvPr id="1" name=""/>
+        <p:cNvGrpSpPr/>
+        <p:nvPr/>
+      </p:nvGrpSpPr>
+      <p:grpSpPr>
+        <a:xfrm>
+          <a:off x="0" y="0"/>
+          <a:ext cx="0" cy="0"/>
+          <a:chOff x="0" y="0"/>
+          <a:chExt cx="0" cy="0"/>
+        </a:xfrm>
+      </p:grpSpPr>
+      <p:sp>
+        <p:nvSpPr>
+          <p:cNvPr id="7" name="CaixaDeTexto 6"/>
+          <p:cNvSpPr txBox="1"/>
+          <p:nvPr/>
+        </p:nvSpPr>
+        <p:spPr>
+          <a:xfrm>
+            <a:off x="938416" y="1134622"/>
+            <a:ext cx="7728398" cy="646331"/>
+          </a:xfrm>
+          <a:prstGeom prst="rect">
+            <a:avLst/>
+          </a:prstGeom>
+          <a:noFill/>
+        </p:spPr>
+        <p:txBody>
+          <a:bodyPr wrap="none" rtlCol="0">
+            <a:spAutoFit/>
+          </a:bodyPr>
+          <a:lstStyle/>
+          <a:p>
+            <a:r>
+              <a:rPr lang="pt-BR" b="1" dirty="0" err="1">
+                <a:solidFill>
+                  <a:schemeClr val="bg1"/>
+                </a:solidFill>
+                <a:latin typeface="GeoSlab703 MdCn BT" panose="02060506020205050403" pitchFamily="18" charset="0"/>
+              </a:rPr>
+              <a:t>Lorem</a:t>
+            </a:r>
+            <a:r>
+              <a:rPr lang="pt-BR" b="1" dirty="0">
+                <a:solidFill>
+                  <a:schemeClr val="bg1"/>
+                </a:solidFill>
+                <a:latin typeface="GeoSlab703 MdCn BT" panose="02060506020205050403" pitchFamily="18" charset="0"/>
+              </a:rPr>
+              <a:t> ipsum </a:t>
+            </a:r>
+            <a:r>
+              <a:rPr lang="pt-BR" b="1" dirty="0" err="1">
+                <a:solidFill>
+                  <a:schemeClr val="bg1"/>
+                </a:solidFill>
+                <a:latin typeface="GeoSlab703 MdCn BT" panose="02060506020205050403" pitchFamily="18" charset="0"/>
+              </a:rPr>
+              <a:t>dolor</a:t>
+            </a:r>
+            <a:r>
+              <a:rPr lang="pt-BR" b="1" dirty="0">
+                <a:solidFill>
+                  <a:schemeClr val="bg1"/>
+                </a:solidFill>
+                <a:latin typeface="GeoSlab703 MdCn BT" panose="02060506020205050403" pitchFamily="18" charset="0"/>
+              </a:rPr>
+              <a:t> </a:t>
+            </a:r>
+            <a:r>
+              <a:rPr lang="pt-BR" b="1" dirty="0" err="1">
+                <a:solidFill>
+                  <a:schemeClr val="bg1"/>
+                </a:solidFill>
+                <a:latin typeface="GeoSlab703 MdCn BT" panose="02060506020205050403" pitchFamily="18" charset="0"/>
+              </a:rPr>
+              <a:t>sit</a:t>
+            </a:r>
+            <a:r>
+              <a:rPr lang="pt-BR" b="1" dirty="0">
+                <a:solidFill>
+                  <a:schemeClr val="bg1"/>
+                </a:solidFill>
+                <a:latin typeface="GeoSlab703 MdCn BT" panose="02060506020205050403" pitchFamily="18" charset="0"/>
+              </a:rPr>
+              <a:t> </a:t>
+            </a:r>
+            <a:r>
+              <a:rPr lang="pt-BR" b="1" dirty="0" err="1">
+                <a:solidFill>
+                  <a:schemeClr val="bg1"/>
+                </a:solidFill>
+                <a:latin typeface="GeoSlab703 MdCn BT" panose="02060506020205050403" pitchFamily="18" charset="0"/>
+              </a:rPr>
+              <a:t>amet</a:t>
+            </a:r>
+            <a:r>
+              <a:rPr lang="pt-BR" b="1" dirty="0">
+                <a:solidFill>
+                  <a:schemeClr val="bg1"/>
+                </a:solidFill>
+                <a:latin typeface="GeoSlab703 MdCn BT" panose="02060506020205050403" pitchFamily="18" charset="0"/>
+              </a:rPr>
+              <a:t>, </a:t>
+            </a:r>
+            <a:r>
+              <a:rPr lang="pt-BR" b="1" dirty="0" err="1">
+                <a:solidFill>
+                  <a:schemeClr val="bg1"/>
+                </a:solidFill>
+                <a:latin typeface="GeoSlab703 MdCn BT" panose="02060506020205050403" pitchFamily="18" charset="0"/>
+              </a:rPr>
+              <a:t>consectetur</a:t>
+            </a:r>
+            <a:r>
+              <a:rPr lang="pt-BR" b="1" dirty="0">
+                <a:solidFill>
+                  <a:schemeClr val="bg1"/>
+                </a:solidFill>
+                <a:latin typeface="GeoSlab703 MdCn BT" panose="02060506020205050403" pitchFamily="18" charset="0"/>
+              </a:rPr>
+              <a:t> </a:t>
+            </a:r>
+            <a:r>
+              <a:rPr lang="pt-BR" b="1" dirty="0" err="1">
+                <a:solidFill>
+                  <a:schemeClr val="bg1"/>
+                </a:solidFill>
+                <a:latin typeface="GeoSlab703 MdCn BT" panose="02060506020205050403" pitchFamily="18" charset="0"/>
+              </a:rPr>
+              <a:t>adipiscing</a:t>
+            </a:r>
+            <a:r>
+              <a:rPr lang="pt-BR" b="1" dirty="0">
+                <a:solidFill>
+                  <a:schemeClr val="bg1"/>
+                </a:solidFill>
+                <a:latin typeface="GeoSlab703 MdCn BT" panose="02060506020205050403" pitchFamily="18" charset="0"/>
+              </a:rPr>
+              <a:t> </a:t>
+            </a:r>
+            <a:r>
+              <a:rPr lang="pt-BR" b="1" dirty="0" err="1">
+                <a:solidFill>
+                  <a:schemeClr val="bg1"/>
+                </a:solidFill>
+                <a:latin typeface="GeoSlab703 MdCn BT" panose="02060506020205050403" pitchFamily="18" charset="0"/>
+              </a:rPr>
+              <a:t>elit</a:t>
+            </a:r>
+            <a:r>
+              <a:rPr lang="pt-BR" b="1" dirty="0">
+                <a:solidFill>
+                  <a:schemeClr val="bg1"/>
+                </a:solidFill>
+                <a:latin typeface="GeoSlab703 MdCn BT" panose="02060506020205050403" pitchFamily="18" charset="0"/>
+              </a:rPr>
+              <a:t>. </a:t>
+            </a:r>
+            <a:r>
+              <a:rPr lang="pt-BR" b="1" dirty="0" err="1">
+                <a:solidFill>
+                  <a:schemeClr val="bg1"/>
+                </a:solidFill>
+                <a:latin typeface="GeoSlab703 MdCn BT" panose="02060506020205050403" pitchFamily="18" charset="0"/>
+              </a:rPr>
+              <a:t>Praesent</a:t>
+            </a:r>
+            <a:r>
+              <a:rPr lang="pt-BR" b="1" dirty="0">
+                <a:solidFill>
+                  <a:schemeClr val="bg1"/>
+                </a:solidFill>
+                <a:latin typeface="GeoSlab703 MdCn BT" panose="02060506020205050403" pitchFamily="18" charset="0"/>
+              </a:rPr>
+              <a:t> </a:t>
+            </a:r>
+            <a:r>
+              <a:rPr lang="pt-BR" b="1" dirty="0" err="1">
+                <a:solidFill>
+                  <a:schemeClr val="bg1"/>
+                </a:solidFill>
+                <a:latin typeface="GeoSlab703 MdCn BT" panose="02060506020205050403" pitchFamily="18" charset="0"/>
+              </a:rPr>
+              <a:t>iaculis</a:t>
+            </a:r>
+            <a:r>
+              <a:rPr lang="pt-BR" b="1" dirty="0">
+                <a:solidFill>
+                  <a:schemeClr val="bg1"/>
+                </a:solidFill>
+                <a:latin typeface="GeoSlab703 MdCn BT" panose="02060506020205050403" pitchFamily="18" charset="0"/>
+              </a:rPr>
+              <a:t> </a:t>
+            </a:r>
+            <a:r>
+              <a:rPr lang="pt-BR" b="1" dirty="0" err="1">
+                <a:solidFill>
+                  <a:schemeClr val="bg1"/>
+                </a:solidFill>
+                <a:latin typeface="GeoSlab703 MdCn BT" panose="02060506020205050403" pitchFamily="18" charset="0"/>
+              </a:rPr>
+              <a:t>pellentesque</a:t>
+            </a:r>
+            <a:r>
+              <a:rPr lang="pt-BR" b="1" dirty="0">
+                <a:solidFill>
+                  <a:schemeClr val="bg1"/>
+                </a:solidFill>
+                <a:latin typeface="GeoSlab703 MdCn BT" panose="02060506020205050403" pitchFamily="18" charset="0"/>
+              </a:rPr>
+              <a:t> </a:t>
+            </a:r>
+            <a:r>
+              <a:rPr lang="pt-BR" b="1" dirty="0" err="1">
+                <a:solidFill>
+                  <a:schemeClr val="bg1"/>
+                </a:solidFill>
+                <a:latin typeface="GeoSlab703 MdCn BT" panose="02060506020205050403" pitchFamily="18" charset="0"/>
+              </a:rPr>
+              <a:t>nisi</a:t>
+            </a:r>
+            <a:r>
+              <a:rPr lang="pt-BR" b="1" dirty="0">
+                <a:solidFill>
+                  <a:schemeClr val="bg1"/>
+                </a:solidFill>
+                <a:latin typeface="GeoSlab703 MdCn BT" panose="02060506020205050403" pitchFamily="18" charset="0"/>
+              </a:rPr>
+              <a:t> </a:t>
+            </a:r>
+            <a:r>
+              <a:rPr lang="pt-BR" b="1" dirty="0" err="1">
+                <a:solidFill>
+                  <a:schemeClr val="bg1"/>
+                </a:solidFill>
+                <a:latin typeface="GeoSlab703 MdCn BT" panose="02060506020205050403" pitchFamily="18" charset="0"/>
+              </a:rPr>
+              <a:t>at</a:t>
+            </a:r>
+            <a:r>
+              <a:rPr lang="pt-BR" b="1" dirty="0">
+                <a:solidFill>
+                  <a:schemeClr val="bg1"/>
+                </a:solidFill>
+                <a:latin typeface="GeoSlab703 MdCn BT" panose="02060506020205050403" pitchFamily="18" charset="0"/>
+              </a:rPr>
+              <a:t> </a:t>
+            </a:r>
+            <a:r>
+              <a:rPr lang="pt-BR" b="1" dirty="0" err="1">
+                <a:solidFill>
+                  <a:schemeClr val="bg1"/>
+                </a:solidFill>
+                <a:latin typeface="GeoSlab703 MdCn BT" panose="02060506020205050403" pitchFamily="18" charset="0"/>
+              </a:rPr>
+              <a:t>cursus</a:t>
+            </a:r>
+            <a:r>
+              <a:rPr lang="pt-BR" b="1" dirty="0">
+                <a:solidFill>
+                  <a:schemeClr val="bg1"/>
+                </a:solidFill>
+                <a:latin typeface="GeoSlab703 MdCn BT" panose="02060506020205050403" pitchFamily="18" charset="0"/>
+              </a:rPr>
+              <a:t>. </a:t>
+            </a:r>
+          </a:p>
+          <a:p>
+            <a:r>
+              <a:rPr lang="pt-BR" b="1" dirty="0" err="1">
+                <a:solidFill>
+                  <a:schemeClr val="bg1"/>
+                </a:solidFill>
+                <a:latin typeface="GeoSlab703 MdCn BT" panose="02060506020205050403" pitchFamily="18" charset="0"/>
+              </a:rPr>
+              <a:t>Morbi</a:t>
+            </a:r>
+            <a:r>
+              <a:rPr lang="pt-BR" b="1" dirty="0">
+                <a:solidFill>
+                  <a:schemeClr val="bg1"/>
+                </a:solidFill>
+                <a:latin typeface="GeoSlab703 MdCn BT" panose="02060506020205050403" pitchFamily="18" charset="0"/>
+              </a:rPr>
+              <a:t> </a:t>
+            </a:r>
+            <a:r>
+              <a:rPr lang="pt-BR" b="1" dirty="0" err="1">
+                <a:solidFill>
+                  <a:schemeClr val="bg1"/>
+                </a:solidFill>
+                <a:latin typeface="GeoSlab703 MdCn BT" panose="02060506020205050403" pitchFamily="18" charset="0"/>
+              </a:rPr>
+              <a:t>sit</a:t>
+            </a:r>
+            <a:r>
+              <a:rPr lang="pt-BR" b="1" dirty="0">
+                <a:solidFill>
+                  <a:schemeClr val="bg1"/>
+                </a:solidFill>
+                <a:latin typeface="GeoSlab703 MdCn BT" panose="02060506020205050403" pitchFamily="18" charset="0"/>
+              </a:rPr>
+              <a:t> </a:t>
+            </a:r>
+            <a:r>
+              <a:rPr lang="pt-BR" b="1" dirty="0" err="1">
+                <a:solidFill>
+                  <a:schemeClr val="bg1"/>
+                </a:solidFill>
+                <a:latin typeface="GeoSlab703 MdCn BT" panose="02060506020205050403" pitchFamily="18" charset="0"/>
+              </a:rPr>
+              <a:t>amet</a:t>
+            </a:r>
+            <a:r>
+              <a:rPr lang="pt-BR" b="1" dirty="0">
+                <a:solidFill>
+                  <a:schemeClr val="bg1"/>
+                </a:solidFill>
+                <a:latin typeface="GeoSlab703 MdCn BT" panose="02060506020205050403" pitchFamily="18" charset="0"/>
+              </a:rPr>
+              <a:t> erat </a:t>
+            </a:r>
+            <a:r>
+              <a:rPr lang="pt-BR" b="1" dirty="0" err="1">
+                <a:solidFill>
+                  <a:schemeClr val="bg1"/>
+                </a:solidFill>
+                <a:latin typeface="GeoSlab703 MdCn BT" panose="02060506020205050403" pitchFamily="18" charset="0"/>
+              </a:rPr>
+              <a:t>molestie</a:t>
+            </a:r>
+            <a:r>
+              <a:rPr lang="pt-BR" b="1" dirty="0">
+                <a:solidFill>
+                  <a:schemeClr val="bg1"/>
+                </a:solidFill>
+                <a:latin typeface="GeoSlab703 MdCn BT" panose="02060506020205050403" pitchFamily="18" charset="0"/>
+              </a:rPr>
+              <a:t>, tempus </a:t>
+            </a:r>
+            <a:r>
+              <a:rPr lang="pt-BR" b="1" dirty="0" err="1">
+                <a:solidFill>
+                  <a:schemeClr val="bg1"/>
+                </a:solidFill>
+                <a:latin typeface="GeoSlab703 MdCn BT" panose="02060506020205050403" pitchFamily="18" charset="0"/>
+              </a:rPr>
+              <a:t>nulla</a:t>
+            </a:r>
+            <a:r>
+              <a:rPr lang="pt-BR" b="1" dirty="0">
+                <a:solidFill>
+                  <a:schemeClr val="bg1"/>
+                </a:solidFill>
+                <a:latin typeface="GeoSlab703 MdCn BT" panose="02060506020205050403" pitchFamily="18" charset="0"/>
+              </a:rPr>
+              <a:t> </a:t>
+            </a:r>
+            <a:r>
+              <a:rPr lang="pt-BR" b="1" dirty="0" err="1">
+                <a:solidFill>
+                  <a:schemeClr val="bg1"/>
+                </a:solidFill>
+                <a:latin typeface="GeoSlab703 MdCn BT" panose="02060506020205050403" pitchFamily="18" charset="0"/>
+              </a:rPr>
+              <a:t>nec</a:t>
+            </a:r>
+            <a:r>
+              <a:rPr lang="pt-BR" b="1" dirty="0">
+                <a:solidFill>
+                  <a:schemeClr val="bg1"/>
+                </a:solidFill>
+                <a:latin typeface="GeoSlab703 MdCn BT" panose="02060506020205050403" pitchFamily="18" charset="0"/>
+              </a:rPr>
+              <a:t>, </a:t>
+            </a:r>
+            <a:r>
+              <a:rPr lang="pt-BR" b="1" dirty="0" err="1">
+                <a:solidFill>
+                  <a:schemeClr val="bg1"/>
+                </a:solidFill>
+                <a:latin typeface="GeoSlab703 MdCn BT" panose="02060506020205050403" pitchFamily="18" charset="0"/>
+              </a:rPr>
+              <a:t>lobortis</a:t>
+            </a:r>
+            <a:r>
+              <a:rPr lang="pt-BR" b="1" dirty="0">
+                <a:solidFill>
+                  <a:schemeClr val="bg1"/>
+                </a:solidFill>
+                <a:latin typeface="GeoSlab703 MdCn BT" panose="02060506020205050403" pitchFamily="18" charset="0"/>
+              </a:rPr>
+              <a:t> </a:t>
+            </a:r>
+            <a:r>
+              <a:rPr lang="pt-BR" b="1" dirty="0" err="1">
+                <a:solidFill>
+                  <a:schemeClr val="bg1"/>
+                </a:solidFill>
+                <a:latin typeface="GeoSlab703 MdCn BT" panose="02060506020205050403" pitchFamily="18" charset="0"/>
+              </a:rPr>
+              <a:t>enim</a:t>
+            </a:r>
+            <a:r>
+              <a:rPr lang="pt-BR" b="1" dirty="0">
+                <a:solidFill>
+                  <a:schemeClr val="bg1"/>
+                </a:solidFill>
+                <a:latin typeface="GeoSlab703 MdCn BT" panose="02060506020205050403" pitchFamily="18" charset="0"/>
+              </a:rPr>
+              <a:t>.</a:t>
+            </a:r>
+          </a:p>
+        </p:txBody>
+      </p:sp>
+      <p:pic>
+        <p:nvPicPr>
+          <p:cNvPr id="3" name="Imagem 2"/>
+          <p:cNvPicPr>
+            <a:picLocks noChangeAspect="1"/>
+          </p:cNvPicPr>
+          <p:nvPr/>
+        </p:nvPicPr>
+        <p:blipFill>
+          <a:blip r:embed="rId2">
+            <a:extLst>
+              <a:ext uri="{28A0092B-C50C-407E-A947-70E740481C1C}">
+                <a14:useLocalDpi xmlns:a14="http://schemas.microsoft.com/office/drawing/2010/main" val="0"/>
+              </a:ext>
+            </a:extLst>
+          </a:blip>
+          <a:stretch>
+            <a:fillRect/>
+          </a:stretch>
+        </p:blipFill>
+        <p:spPr>
+          <a:xfrm>
+            <a:off x="632052" y="6310312"/>
+            <a:ext cx="1095375" cy="333375"/>
+          </a:xfrm>
+          <a:prstGeom prst="rect">
+            <a:avLst/>
+          </a:prstGeom>
+        </p:spPr>
+      </p:pic>
+      <p:pic>
+        <p:nvPicPr>
+          <p:cNvPr id="4" name="Imagem 3"/>
+          <p:cNvPicPr>
+            <a:picLocks noChangeAspect="1"/>
+          </p:cNvPicPr>
+          <p:nvPr/>
+        </p:nvPicPr>
+        <p:blipFill>
+          <a:blip r:embed="rId3">
+            <a:extLst>
+              <a:ext uri="{28A0092B-C50C-407E-A947-70E740481C1C}">
+                <a14:useLocalDpi xmlns:a14="http://schemas.microsoft.com/office/drawing/2010/main" val="0"/>
+              </a:ext>
+            </a:extLst>
+          </a:blip>
+          <a:stretch>
+            <a:fillRect/>
+          </a:stretch>
+        </p:blipFill>
+        <p:spPr>
+          <a:xfrm>
+            <a:off x="0" y="0"/>
+            <a:ext cx="9144000" cy="6858000"/>
+          </a:xfrm>
+          <a:prstGeom prst="rect">
+            <a:avLst/>
+          </a:prstGeom>
+        </p:spPr>
+      </p:pic>
+      <p:sp>
+        <p:nvSpPr>
+          <p:cNvPr id="5" name="CaixaDeTexto 4"/>
+          <p:cNvSpPr txBox="1"/>
+          <p:nvPr/>
+        </p:nvSpPr>
+        <p:spPr>
+          <a:xfrm>
+            <a:off x="631515" y="658699"/>
+            <a:ext cx="1861279" cy="523220"/>
+          </a:xfrm>
+          <a:prstGeom prst="rect">
+            <a:avLst/>
+          </a:prstGeom>
+          <a:noFill/>
+        </p:spPr>
+        <p:txBody>
+          <a:bodyPr wrap="none" rtlCol="0">
+            <a:spAutoFit/>
+          </a:bodyPr>
+          <a:lstStyle/>
+          <a:p>
+            <a:r>
+              <a:rPr lang="da-DK" sz="2800" b="1" dirty="0">
+                <a:solidFill>
+                  <a:schemeClr val="bg1"/>
+                </a:solidFill>
+                <a:latin typeface="GeoSlab703 MdCn BT" panose="02060506020205050403" pitchFamily="18" charset="0"/>
+              </a:rPr>
+              <a:t>CONCLUSÕES</a:t>
+            </a:r>
+            <a:endParaRPr lang="pt-BR" sz="2800" b="1" dirty="0">
+              <a:solidFill>
+                <a:schemeClr val="bg1"/>
+              </a:solidFill>
+              <a:latin typeface="GeoSlab703 MdCn BT" panose="02060506020205050403" pitchFamily="18" charset="0"/>
+            </a:endParaRPr>
+          </a:p>
+        </p:txBody>
+      </p:sp>
+      <p:sp>
+        <p:nvSpPr>
+          <p:cNvPr id="9" name="CaixaDeTexto 8"/>
+          <p:cNvSpPr txBox="1"/>
+          <p:nvPr/>
+        </p:nvSpPr>
+        <p:spPr>
+          <a:xfrm>
+            <a:off x="707801" y="1324332"/>
+            <a:ext cx="7728398" cy="4555093"/>
+          </a:xfrm>
+          <a:prstGeom prst="rect">
+            <a:avLst/>
+          </a:prstGeom>
+          <a:noFill/>
+        </p:spPr>
+        <p:txBody>
           <a:bodyPr wrap="square" rtlCol="0">
             <a:spAutoFit/>
           </a:bodyPr>
           <a:lstStyle/>
           <a:p>
             <a:r>
-              <a:rPr lang="pt-BR" sz="1400" dirty="0">
-                <a:solidFill>
-                  <a:schemeClr val="bg1"/>
-                </a:solidFill>
-              </a:rPr>
-              <a:t>BARROS, Moreno. Software de Automação de Bibliotecas. Disponível em: &lt;https://bsf.org.br/2009/09/02/sistemas-softwares-de-organizacao-gerenciamento-automacao-de-bibliotecas/&gt; . Acesso em 19 de junho de 2017.</a:t>
-            </a:r>
-          </a:p>
-          <a:p>
-            <a:endParaRPr lang="pt-BR" sz="1400" dirty="0">
+              <a:rPr lang="pt-BR" sz="2000" b="1" dirty="0">
+                <a:solidFill>
+                  <a:schemeClr val="bg1"/>
+                </a:solidFill>
+                <a:latin typeface="GeoSlab703 MdCn BT" panose="02060506020205050403" pitchFamily="18" charset="0"/>
+              </a:rPr>
+              <a:t>	.</a:t>
+            </a:r>
+          </a:p>
+          <a:p>
+            <a:r>
+              <a:rPr lang="pt-BR" sz="2000" b="1" dirty="0">
+                <a:solidFill>
+                  <a:schemeClr val="bg1"/>
+                </a:solidFill>
+                <a:latin typeface="GeoSlab703 MdCn BT" panose="02060506020205050403" pitchFamily="18" charset="0"/>
+              </a:rPr>
+              <a:t>	</a:t>
+            </a:r>
+            <a:r>
+              <a:rPr lang="pt-BR" sz="2800" b="1" dirty="0">
+                <a:solidFill>
+                  <a:schemeClr val="bg1"/>
+                </a:solidFill>
+                <a:latin typeface="GeoSlab703 MdCn BT" panose="02060506020205050403" pitchFamily="18" charset="0"/>
+              </a:rPr>
+              <a:t>Acredita que o sistema possa se expandir para o mercado atraindo o interesse de instituições de ensino tanto privadas como públicas, além de ter o potencial para ser um bom agregador socioeducacional.</a:t>
+            </a:r>
+          </a:p>
+          <a:p>
+            <a:r>
+              <a:rPr lang="pt-BR" sz="2800" b="1" dirty="0">
+                <a:solidFill>
+                  <a:schemeClr val="bg1"/>
+                </a:solidFill>
+                <a:latin typeface="GeoSlab703 MdCn BT" panose="02060506020205050403" pitchFamily="18" charset="0"/>
+              </a:rPr>
+              <a:t>	Futuramente pretende-se desenvolver um app mobile do sistema Novateca, tanto para Android como para iOS, além de estar integrando a autenticação através de contas de redes sociais, como Google, Facebook, etc. e aprimorando ainda mais o desempenho e a experiência do usuário.</a:t>
+            </a:r>
+          </a:p>
+          <a:p>
+            <a:endParaRPr lang="pt-BR" b="1" dirty="0">
               <a:solidFill>
                 <a:schemeClr val="bg1"/>
               </a:solidFill>
+              <a:latin typeface="GeoSlab703 MdCn BT" panose="02060506020205050403" pitchFamily="18" charset="0"/>
             </a:endParaRPr>
-          </a:p>
-          <a:p>
-            <a:r>
-              <a:rPr lang="pt-BR" sz="1400" dirty="0">
-                <a:solidFill>
-                  <a:schemeClr val="bg1"/>
-                </a:solidFill>
-              </a:rPr>
-              <a:t>ESTABEL, Lizandra Brasil; MORO, Eliane Loures Da Silva. Biblioteca: Conhecimentos e Práticas. Porto Alegre: Penso, 2014. 180p.</a:t>
-            </a:r>
-          </a:p>
-          <a:p>
-            <a:endParaRPr lang="pt-BR" sz="1400" dirty="0">
-              <a:solidFill>
-                <a:schemeClr val="bg1"/>
-              </a:solidFill>
-            </a:endParaRPr>
-          </a:p>
-          <a:p>
-            <a:r>
-              <a:rPr lang="pt-BR" sz="1400" dirty="0">
-                <a:solidFill>
-                  <a:schemeClr val="bg1"/>
-                </a:solidFill>
-              </a:rPr>
-              <a:t>MOURÃO, Camila de Castro. Descarte de materiais em bibliotecas públicas do Rio Grande do Sul: caso de municípios com mais de 100 mil habitantes. 2013. 72 f. TCC ( Graduação em Biblioteconomia) - Universidade Federal do Rio Grande, Instituto de Ciências Humanas e da Informação. Rio Grande, 2013.</a:t>
-            </a:r>
-          </a:p>
-          <a:p>
-            <a:endParaRPr lang="pt-BR" sz="1400" dirty="0">
-              <a:solidFill>
-                <a:schemeClr val="bg1"/>
-              </a:solidFill>
-            </a:endParaRPr>
-          </a:p>
-          <a:p>
-            <a:r>
-              <a:rPr lang="pt-BR" sz="1400" dirty="0">
-                <a:solidFill>
-                  <a:schemeClr val="bg1"/>
-                </a:solidFill>
-              </a:rPr>
-              <a:t>PRADO, Heloísa de Almeida. Organização e Administração de Bibliotecas. 2º edição. São Paulo: T.A. Queiroz, EDITOR, LTDA, 2000. 209p.</a:t>
-            </a:r>
-          </a:p>
-          <a:p>
-            <a:endParaRPr lang="pt-BR" sz="1400" dirty="0">
-              <a:solidFill>
-                <a:schemeClr val="bg1"/>
-              </a:solidFill>
-            </a:endParaRPr>
-          </a:p>
-          <a:p>
-            <a:r>
-              <a:rPr lang="pt-BR" sz="1400" dirty="0">
-                <a:solidFill>
-                  <a:schemeClr val="bg1"/>
-                </a:solidFill>
-              </a:rPr>
-              <a:t>SALARELLI, Alberto; TAMMARO, Anna Maria. A Biblioteca Digital. Brasília: Bridge de Lemos, 2008. 378p.</a:t>
-            </a:r>
-          </a:p>
-          <a:p>
-            <a:endParaRPr lang="pt-BR" sz="1400" dirty="0">
-              <a:solidFill>
-                <a:schemeClr val="bg1"/>
-              </a:solidFill>
-            </a:endParaRPr>
-          </a:p>
-          <a:p>
-            <a:r>
-              <a:rPr lang="pt-BR" sz="1400" dirty="0">
-                <a:solidFill>
-                  <a:schemeClr val="bg1"/>
-                </a:solidFill>
-              </a:rPr>
-              <a:t>VIEIRA, Ronaldo. Introdução à Teoria Geral da Biblioteconomia. Rio de Janeiro: </a:t>
-            </a:r>
-            <a:r>
-              <a:rPr lang="pt-BR" sz="1400" dirty="0" err="1">
-                <a:solidFill>
-                  <a:schemeClr val="bg1"/>
-                </a:solidFill>
-              </a:rPr>
-              <a:t>Interciência</a:t>
-            </a:r>
-            <a:r>
-              <a:rPr lang="pt-BR" sz="1400" dirty="0">
-                <a:solidFill>
-                  <a:schemeClr val="bg1"/>
-                </a:solidFill>
-              </a:rPr>
-              <a:t> Ltda, 2014. 330p.</a:t>
-            </a:r>
-          </a:p>
-          <a:p>
-            <a:endParaRPr lang="pt-BR" sz="1400" dirty="0">
-              <a:solidFill>
-                <a:schemeClr val="bg1"/>
-              </a:solidFill>
-            </a:endParaRPr>
-          </a:p>
-          <a:p>
-            <a:endParaRPr lang="pt-BR" dirty="0">
-              <a:solidFill>
-                <a:schemeClr val="bg1"/>
-              </a:solidFill>
-            </a:endParaRPr>
-          </a:p>
-          <a:p>
-            <a:endParaRPr lang="pt-BR" dirty="0">
-              <a:solidFill>
-                <a:schemeClr val="bg1"/>
-              </a:solidFill>
-            </a:endParaRPr>
-          </a:p>
-          <a:p>
-            <a:r>
-              <a:rPr lang="pt-BR" dirty="0"/>
-              <a:t> </a:t>
-            </a:r>
           </a:p>
         </p:txBody>
       </p:sp>
     </p:spTree>
     <p:extLst>
       <p:ext uri="{BB962C8B-B14F-4D97-AF65-F5344CB8AC3E}">
-        <p14:creationId xmlns:p14="http://schemas.microsoft.com/office/powerpoint/2010/main" val="1251242744"/>
+        <p14:creationId xmlns:p14="http://schemas.microsoft.com/office/powerpoint/2010/main" val="3568580986"/>
       </p:ext>
     </p:extLst>
   </p:cSld>
@@ -5020,6 +4899,267 @@
           <a:chExt cx="0" cy="0"/>
         </a:xfrm>
       </p:grpSpPr>
+      <p:pic>
+        <p:nvPicPr>
+          <p:cNvPr id="2" name="Imagem 1"/>
+          <p:cNvPicPr>
+            <a:picLocks noChangeAspect="1"/>
+          </p:cNvPicPr>
+          <p:nvPr/>
+        </p:nvPicPr>
+        <p:blipFill>
+          <a:blip r:embed="rId2">
+            <a:extLst>
+              <a:ext uri="{28A0092B-C50C-407E-A947-70E740481C1C}">
+                <a14:useLocalDpi xmlns:a14="http://schemas.microsoft.com/office/drawing/2010/main" val="0"/>
+              </a:ext>
+            </a:extLst>
+          </a:blip>
+          <a:stretch>
+            <a:fillRect/>
+          </a:stretch>
+        </p:blipFill>
+        <p:spPr>
+          <a:xfrm>
+            <a:off x="0" y="0"/>
+            <a:ext cx="9144000" cy="6858000"/>
+          </a:xfrm>
+          <a:prstGeom prst="rect">
+            <a:avLst/>
+          </a:prstGeom>
+        </p:spPr>
+      </p:pic>
+      <p:sp>
+        <p:nvSpPr>
+          <p:cNvPr id="3" name="CaixaDeTexto 2"/>
+          <p:cNvSpPr txBox="1"/>
+          <p:nvPr/>
+        </p:nvSpPr>
+        <p:spPr>
+          <a:xfrm>
+            <a:off x="632052" y="629357"/>
+            <a:ext cx="2345514" cy="584775"/>
+          </a:xfrm>
+          <a:prstGeom prst="rect">
+            <a:avLst/>
+          </a:prstGeom>
+          <a:noFill/>
+        </p:spPr>
+        <p:txBody>
+          <a:bodyPr wrap="none" rtlCol="0">
+            <a:spAutoFit/>
+          </a:bodyPr>
+          <a:lstStyle/>
+          <a:p>
+            <a:r>
+              <a:rPr lang="da-DK" sz="3200" b="1" dirty="0">
+                <a:solidFill>
+                  <a:schemeClr val="bg1"/>
+                </a:solidFill>
+                <a:latin typeface="GeoSlab703 MdCn BT" panose="02060506020205050403" pitchFamily="18" charset="0"/>
+              </a:rPr>
+              <a:t>REFERÊNCIAS</a:t>
+            </a:r>
+            <a:endParaRPr lang="pt-BR" sz="3200" b="1" dirty="0">
+              <a:solidFill>
+                <a:schemeClr val="bg1"/>
+              </a:solidFill>
+              <a:latin typeface="GeoSlab703 MdCn BT" panose="02060506020205050403" pitchFamily="18" charset="0"/>
+            </a:endParaRPr>
+          </a:p>
+        </p:txBody>
+      </p:sp>
+      <p:sp>
+        <p:nvSpPr>
+          <p:cNvPr id="5" name="CaixaDeTexto 4"/>
+          <p:cNvSpPr txBox="1"/>
+          <p:nvPr/>
+        </p:nvSpPr>
+        <p:spPr>
+          <a:xfrm>
+            <a:off x="938415" y="1422250"/>
+            <a:ext cx="7709195" cy="5016758"/>
+          </a:xfrm>
+          <a:prstGeom prst="rect">
+            <a:avLst/>
+          </a:prstGeom>
+          <a:noFill/>
+        </p:spPr>
+        <p:txBody>
+          <a:bodyPr wrap="square" rtlCol="0">
+            <a:spAutoFit/>
+          </a:bodyPr>
+          <a:lstStyle/>
+          <a:p>
+            <a:r>
+              <a:rPr lang="pt-BR" sz="1400" dirty="0">
+                <a:solidFill>
+                  <a:schemeClr val="bg1"/>
+                </a:solidFill>
+              </a:rPr>
+              <a:t>BARROS, Moreno. Software de Automação de Bibliotecas. Disponível em: &lt;https://bsf.org.br/2009/09/02/sistemas-softwares-de-organizacao-gerenciamento-automacao-de-bibliotecas/&gt; . Acesso em 19 de junho de 2017.</a:t>
+            </a:r>
+          </a:p>
+          <a:p>
+            <a:endParaRPr lang="pt-BR" sz="1400" dirty="0">
+              <a:solidFill>
+                <a:schemeClr val="bg1"/>
+              </a:solidFill>
+            </a:endParaRPr>
+          </a:p>
+          <a:p>
+            <a:r>
+              <a:rPr lang="pt-BR" sz="1400" dirty="0">
+                <a:solidFill>
+                  <a:schemeClr val="bg1"/>
+                </a:solidFill>
+              </a:rPr>
+              <a:t>ESTABEL, Lizandra Brasil; MORO, Eliane Loures Da Silva. Biblioteca: Conhecimentos e Práticas. Porto Alegre: Penso, 2014. 180p.</a:t>
+            </a:r>
+          </a:p>
+          <a:p>
+            <a:endParaRPr lang="pt-BR" sz="1400" dirty="0">
+              <a:solidFill>
+                <a:schemeClr val="bg1"/>
+              </a:solidFill>
+            </a:endParaRPr>
+          </a:p>
+          <a:p>
+            <a:r>
+              <a:rPr lang="pt-BR" sz="1400" dirty="0">
+                <a:solidFill>
+                  <a:schemeClr val="bg1"/>
+                </a:solidFill>
+              </a:rPr>
+              <a:t>MOURÃO, Camila de Castro. Descarte de materiais em bibliotecas públicas do Rio Grande do Sul: caso de municípios com mais de 100 mil habitantes. 2013. 72 f. TCC ( Graduação em Biblioteconomia) - Universidade Federal do Rio Grande, Instituto de Ciências Humanas e da Informação. Rio Grande, 2013.</a:t>
+            </a:r>
+          </a:p>
+          <a:p>
+            <a:endParaRPr lang="pt-BR" sz="1400" dirty="0">
+              <a:solidFill>
+                <a:schemeClr val="bg1"/>
+              </a:solidFill>
+            </a:endParaRPr>
+          </a:p>
+          <a:p>
+            <a:r>
+              <a:rPr lang="pt-BR" sz="1400" dirty="0">
+                <a:solidFill>
+                  <a:schemeClr val="bg1"/>
+                </a:solidFill>
+              </a:rPr>
+              <a:t>PRADO, Heloísa de Almeida. Organização e Administração de Bibliotecas. 2º edição. São Paulo: T.A. Queiroz, EDITOR, LTDA, 2000. 209p.</a:t>
+            </a:r>
+          </a:p>
+          <a:p>
+            <a:endParaRPr lang="pt-BR" sz="1400" dirty="0">
+              <a:solidFill>
+                <a:schemeClr val="bg1"/>
+              </a:solidFill>
+            </a:endParaRPr>
+          </a:p>
+          <a:p>
+            <a:r>
+              <a:rPr lang="pt-BR" sz="1400" dirty="0">
+                <a:solidFill>
+                  <a:schemeClr val="bg1"/>
+                </a:solidFill>
+              </a:rPr>
+              <a:t>SALARELLI, Alberto; TAMMARO, Anna Maria. A Biblioteca Digital. Brasília: Bridge de Lemos, 2008. 378p.</a:t>
+            </a:r>
+          </a:p>
+          <a:p>
+            <a:endParaRPr lang="pt-BR" sz="1400" dirty="0">
+              <a:solidFill>
+                <a:schemeClr val="bg1"/>
+              </a:solidFill>
+            </a:endParaRPr>
+          </a:p>
+          <a:p>
+            <a:r>
+              <a:rPr lang="pt-BR" sz="1400" dirty="0">
+                <a:solidFill>
+                  <a:schemeClr val="bg1"/>
+                </a:solidFill>
+              </a:rPr>
+              <a:t>VIEIRA, Ronaldo. Introdução à Teoria Geral da Biblioteconomia. Rio de Janeiro: </a:t>
+            </a:r>
+            <a:r>
+              <a:rPr lang="pt-BR" sz="1400" dirty="0" err="1">
+                <a:solidFill>
+                  <a:schemeClr val="bg1"/>
+                </a:solidFill>
+              </a:rPr>
+              <a:t>Interciência</a:t>
+            </a:r>
+            <a:r>
+              <a:rPr lang="pt-BR" sz="1400" dirty="0">
+                <a:solidFill>
+                  <a:schemeClr val="bg1"/>
+                </a:solidFill>
+              </a:rPr>
+              <a:t> Ltda, 2014. 330p.</a:t>
+            </a:r>
+          </a:p>
+          <a:p>
+            <a:endParaRPr lang="pt-BR" sz="1400" dirty="0">
+              <a:solidFill>
+                <a:schemeClr val="bg1"/>
+              </a:solidFill>
+            </a:endParaRPr>
+          </a:p>
+          <a:p>
+            <a:endParaRPr lang="pt-BR" dirty="0">
+              <a:solidFill>
+                <a:schemeClr val="bg1"/>
+              </a:solidFill>
+            </a:endParaRPr>
+          </a:p>
+          <a:p>
+            <a:endParaRPr lang="pt-BR" dirty="0">
+              <a:solidFill>
+                <a:schemeClr val="bg1"/>
+              </a:solidFill>
+            </a:endParaRPr>
+          </a:p>
+          <a:p>
+            <a:r>
+              <a:rPr lang="pt-BR" dirty="0"/>
+              <a:t> </a:t>
+            </a:r>
+          </a:p>
+        </p:txBody>
+      </p:sp>
+    </p:spTree>
+    <p:extLst>
+      <p:ext uri="{BB962C8B-B14F-4D97-AF65-F5344CB8AC3E}">
+        <p14:creationId xmlns:p14="http://schemas.microsoft.com/office/powerpoint/2010/main" val="1251242744"/>
+      </p:ext>
+    </p:extLst>
+  </p:cSld>
+  <p:clrMapOvr>
+    <a:masterClrMapping/>
+  </p:clrMapOvr>
+</p:sld>
+</file>
+
+<file path=ppt/slides/slide15.xml><?xml version="1.0" encoding="utf-8"?>
+<p:sld xmlns:a="http://schemas.openxmlformats.org/drawingml/2006/main" xmlns:r="http://schemas.openxmlformats.org/officeDocument/2006/relationships" xmlns:p="http://schemas.openxmlformats.org/presentationml/2006/main">
+  <p:cSld>
+    <p:spTree>
+      <p:nvGrpSpPr>
+        <p:cNvPr id="1" name=""/>
+        <p:cNvGrpSpPr/>
+        <p:nvPr/>
+      </p:nvGrpSpPr>
+      <p:grpSpPr>
+        <a:xfrm>
+          <a:off x="0" y="0"/>
+          <a:ext cx="0" cy="0"/>
+          <a:chOff x="0" y="0"/>
+          <a:chExt cx="0" cy="0"/>
+        </a:xfrm>
+      </p:grpSpPr>
       <p:sp>
         <p:nvSpPr>
           <p:cNvPr id="7" name="CaixaDeTexto 6"/>
@@ -5666,7 +5806,7 @@
 </p:sld>
 </file>
 
-<file path=ppt/slides/slide15.xml><?xml version="1.0" encoding="utf-8"?>
+<file path=ppt/slides/slide16.xml><?xml version="1.0" encoding="utf-8"?>
 <p:sld xmlns:a="http://schemas.openxmlformats.org/drawingml/2006/main" xmlns:r="http://schemas.openxmlformats.org/officeDocument/2006/relationships" xmlns:p="http://schemas.openxmlformats.org/presentationml/2006/main">
   <p:cSld>
     <p:spTree>
@@ -5722,7 +5862,7 @@
         <p:spPr>
           <a:xfrm>
             <a:off x="1635074" y="2705725"/>
-            <a:ext cx="5873852" cy="1446550"/>
+            <a:ext cx="4674806" cy="1446550"/>
           </a:xfrm>
           <a:prstGeom prst="rect">
             <a:avLst/>
@@ -5736,13 +5876,13 @@
           <a:lstStyle/>
           <a:p>
             <a:r>
-              <a:rPr lang="da-DK" sz="8800" b="1" dirty="0">
-                <a:solidFill>
-                  <a:schemeClr val="bg1"/>
-                </a:solidFill>
-                <a:latin typeface="GeoSlab703 MdCn BT" panose="02060506020205050403" pitchFamily="18" charset="0"/>
-              </a:rPr>
-              <a:t>OBRIGADO(A)!</a:t>
+              <a:rPr lang="da-DK" sz="8800" b="1">
+                <a:solidFill>
+                  <a:schemeClr val="bg1"/>
+                </a:solidFill>
+                <a:latin typeface="GeoSlab703 MdCn BT" panose="02060506020205050403" pitchFamily="18" charset="0"/>
+              </a:rPr>
+              <a:t>OBRIGADO!</a:t>
             </a:r>
             <a:endParaRPr lang="pt-BR" sz="8800" b="1" dirty="0">
               <a:solidFill>

--- a/Apresentação/Apresentação defesa Novateca.pptx
+++ b/Apresentação/Apresentação defesa Novateca.pptx
@@ -288,7 +288,7 @@
           <a:p>
             <a:fld id="{A7C58400-6E85-449E-AFF7-9F946FB2A379}" type="datetimeFigureOut">
               <a:rPr lang="pt-BR" smtClean="0"/>
-              <a:t>29/10/2018</a:t>
+              <a:t>04/12/2018</a:t>
             </a:fld>
             <a:endParaRPr lang="pt-BR"/>
           </a:p>
@@ -458,7 +458,7 @@
           <a:p>
             <a:fld id="{A7C58400-6E85-449E-AFF7-9F946FB2A379}" type="datetimeFigureOut">
               <a:rPr lang="pt-BR" smtClean="0"/>
-              <a:t>29/10/2018</a:t>
+              <a:t>04/12/2018</a:t>
             </a:fld>
             <a:endParaRPr lang="pt-BR"/>
           </a:p>
@@ -638,7 +638,7 @@
           <a:p>
             <a:fld id="{A7C58400-6E85-449E-AFF7-9F946FB2A379}" type="datetimeFigureOut">
               <a:rPr lang="pt-BR" smtClean="0"/>
-              <a:t>29/10/2018</a:t>
+              <a:t>04/12/2018</a:t>
             </a:fld>
             <a:endParaRPr lang="pt-BR"/>
           </a:p>
@@ -808,7 +808,7 @@
           <a:p>
             <a:fld id="{A7C58400-6E85-449E-AFF7-9F946FB2A379}" type="datetimeFigureOut">
               <a:rPr lang="pt-BR" smtClean="0"/>
-              <a:t>29/10/2018</a:t>
+              <a:t>04/12/2018</a:t>
             </a:fld>
             <a:endParaRPr lang="pt-BR"/>
           </a:p>
@@ -1052,7 +1052,7 @@
           <a:p>
             <a:fld id="{A7C58400-6E85-449E-AFF7-9F946FB2A379}" type="datetimeFigureOut">
               <a:rPr lang="pt-BR" smtClean="0"/>
-              <a:t>29/10/2018</a:t>
+              <a:t>04/12/2018</a:t>
             </a:fld>
             <a:endParaRPr lang="pt-BR"/>
           </a:p>
@@ -1284,7 +1284,7 @@
           <a:p>
             <a:fld id="{A7C58400-6E85-449E-AFF7-9F946FB2A379}" type="datetimeFigureOut">
               <a:rPr lang="pt-BR" smtClean="0"/>
-              <a:t>29/10/2018</a:t>
+              <a:t>04/12/2018</a:t>
             </a:fld>
             <a:endParaRPr lang="pt-BR"/>
           </a:p>
@@ -1651,7 +1651,7 @@
           <a:p>
             <a:fld id="{A7C58400-6E85-449E-AFF7-9F946FB2A379}" type="datetimeFigureOut">
               <a:rPr lang="pt-BR" smtClean="0"/>
-              <a:t>29/10/2018</a:t>
+              <a:t>04/12/2018</a:t>
             </a:fld>
             <a:endParaRPr lang="pt-BR"/>
           </a:p>
@@ -1769,7 +1769,7 @@
           <a:p>
             <a:fld id="{A7C58400-6E85-449E-AFF7-9F946FB2A379}" type="datetimeFigureOut">
               <a:rPr lang="pt-BR" smtClean="0"/>
-              <a:t>29/10/2018</a:t>
+              <a:t>04/12/2018</a:t>
             </a:fld>
             <a:endParaRPr lang="pt-BR"/>
           </a:p>
@@ -1864,7 +1864,7 @@
           <a:p>
             <a:fld id="{A7C58400-6E85-449E-AFF7-9F946FB2A379}" type="datetimeFigureOut">
               <a:rPr lang="pt-BR" smtClean="0"/>
-              <a:t>29/10/2018</a:t>
+              <a:t>04/12/2018</a:t>
             </a:fld>
             <a:endParaRPr lang="pt-BR"/>
           </a:p>
@@ -2141,7 +2141,7 @@
           <a:p>
             <a:fld id="{A7C58400-6E85-449E-AFF7-9F946FB2A379}" type="datetimeFigureOut">
               <a:rPr lang="pt-BR" smtClean="0"/>
-              <a:t>29/10/2018</a:t>
+              <a:t>04/12/2018</a:t>
             </a:fld>
             <a:endParaRPr lang="pt-BR"/>
           </a:p>
@@ -2398,7 +2398,7 @@
           <a:p>
             <a:fld id="{A7C58400-6E85-449E-AFF7-9F946FB2A379}" type="datetimeFigureOut">
               <a:rPr lang="pt-BR" smtClean="0"/>
-              <a:t>29/10/2018</a:t>
+              <a:t>04/12/2018</a:t>
             </a:fld>
             <a:endParaRPr lang="pt-BR"/>
           </a:p>
@@ -2611,7 +2611,7 @@
           <a:p>
             <a:fld id="{A7C58400-6E85-449E-AFF7-9F946FB2A379}" type="datetimeFigureOut">
               <a:rPr lang="pt-BR" smtClean="0"/>
-              <a:t>29/10/2018</a:t>
+              <a:t>04/12/2018</a:t>
             </a:fld>
             <a:endParaRPr lang="pt-BR"/>
           </a:p>
@@ -4765,7 +4765,7 @@
         <p:spPr>
           <a:xfrm>
             <a:off x="631515" y="658699"/>
-            <a:ext cx="1861279" cy="523220"/>
+            <a:ext cx="4486998" cy="523220"/>
           </a:xfrm>
           <a:prstGeom prst="rect">
             <a:avLst/>
@@ -4785,7 +4785,7 @@
                 </a:solidFill>
                 <a:latin typeface="GeoSlab703 MdCn BT" panose="02060506020205050403" pitchFamily="18" charset="0"/>
               </a:rPr>
-              <a:t>CONCLUSÕES</a:t>
+              <a:t>CONCLUSÕES E PROJETO FUTURO</a:t>
             </a:r>
             <a:endParaRPr lang="pt-BR" sz="2800" b="1" dirty="0">
               <a:solidFill>
@@ -4818,15 +4818,12 @@
           </a:bodyPr>
           <a:lstStyle/>
           <a:p>
-            <a:r>
-              <a:rPr lang="pt-BR" sz="2000" b="1" dirty="0">
-                <a:solidFill>
-                  <a:schemeClr val="bg1"/>
-                </a:solidFill>
-                <a:latin typeface="GeoSlab703 MdCn BT" panose="02060506020205050403" pitchFamily="18" charset="0"/>
-              </a:rPr>
-              <a:t>	.</a:t>
-            </a:r>
+            <a:endParaRPr lang="pt-BR" sz="2000" b="1" dirty="0">
+              <a:solidFill>
+                <a:schemeClr val="bg1"/>
+              </a:solidFill>
+              <a:latin typeface="GeoSlab703 MdCn BT" panose="02060506020205050403" pitchFamily="18" charset="0"/>
+            </a:endParaRPr>
           </a:p>
           <a:p>
             <a:r>
